--- a/docs/.vuepress/public/前端.pptx
+++ b/docs/.vuepress/public/前端.pptx
@@ -8,10 +8,14 @@
   <p:sldIdLst>
     <p:sldId id="257" r:id="rId4"/>
     <p:sldId id="258" r:id="rId5"/>
-    <p:sldId id="259" r:id="rId6"/>
+    <p:sldId id="260" r:id="rId6"/>
+    <p:sldId id="259" r:id="rId7"/>
   </p:sldIdLst>
   <p:sldSz cx="12192000" cy="6858000"/>
   <p:notesSz cx="6858000" cy="9144000"/>
+  <p:custDataLst>
+    <p:tags r:id="rId11"/>
+  </p:custDataLst>
   <p:defaultTextStyle>
     <a:defPPr>
       <a:defRPr lang="zh-CN"/>
@@ -11773,7 +11777,7 @@
           <a:p>
             <a:r>
               <a:rPr lang="zh-CN" altLang="en-US"/>
-              <a:t>前端项目组成</a:t>
+              <a:t>前端工程化</a:t>
             </a:r>
             <a:endParaRPr lang="zh-CN" altLang="en-US"/>
           </a:p>
@@ -11781,18 +11785,26 @@
       </p:sp>
       <p:sp>
         <p:nvSpPr>
-          <p:cNvPr id="4" name="矩形 3"/>
+          <p:cNvPr id="5" name="矩形 4"/>
           <p:cNvSpPr/>
           <p:nvPr/>
         </p:nvSpPr>
         <p:spPr>
           <a:xfrm>
-            <a:off x="758190" y="4551680"/>
-            <a:ext cx="6787515" cy="691515"/>
+            <a:off x="9820275" y="1654810"/>
+            <a:ext cx="1309370" cy="3947795"/>
           </a:xfrm>
           <a:prstGeom prst="rect">
             <a:avLst/>
           </a:prstGeom>
+          <a:solidFill>
+            <a:srgbClr val="39BAE8"/>
+          </a:solidFill>
+          <a:ln>
+            <a:solidFill>
+              <a:srgbClr val="1F6ED4"/>
+            </a:solidFill>
+          </a:ln>
         </p:spPr>
         <p:style>
           <a:lnRef idx="2">
@@ -11811,39 +11823,43 @@
           </a:fontRef>
         </p:style>
         <p:txBody>
-          <a:bodyPr rtlCol="0" anchor="ctr"/>
-          <a:p>
-            <a:pPr algn="l"/>
-            <a:r>
-              <a:rPr lang="zh-CN" altLang="en-US" sz="1400"/>
-              <a:t>前端框架</a:t>
-            </a:r>
-            <a:endParaRPr lang="en-US" altLang="zh-CN" sz="900"/>
-          </a:p>
-          <a:p>
-            <a:pPr algn="l"/>
-            <a:r>
-              <a:rPr lang="en-US" altLang="zh-CN" sz="1400"/>
-              <a:t>Vue.js</a:t>
-            </a:r>
-            <a:endParaRPr lang="en-US" altLang="zh-CN" sz="1400"/>
-          </a:p>
-        </p:txBody>
-      </p:sp>
-      <p:sp>
-        <p:nvSpPr>
-          <p:cNvPr id="5" name="矩形 4"/>
+          <a:bodyPr rtlCol="0" anchor="ctr" anchorCtr="0"/>
+          <a:p>
+            <a:pPr algn="ctr" fontAlgn="t">
+              <a:lnSpc>
+                <a:spcPct val="90000"/>
+              </a:lnSpc>
+            </a:pPr>
+            <a:r>
+              <a:rPr lang="zh-CN" altLang="en-US" sz="1600"/>
+              <a:t>规范化</a:t>
+            </a:r>
+            <a:endParaRPr lang="zh-CN" altLang="en-US" sz="1600"/>
+          </a:p>
+        </p:txBody>
+      </p:sp>
+      <p:sp>
+        <p:nvSpPr>
+          <p:cNvPr id="8" name="矩形 7"/>
           <p:cNvSpPr/>
           <p:nvPr/>
         </p:nvSpPr>
         <p:spPr>
           <a:xfrm>
-            <a:off x="9290685" y="2463165"/>
-            <a:ext cx="1309370" cy="3947795"/>
+            <a:off x="1376680" y="4672965"/>
+            <a:ext cx="8254365" cy="929005"/>
           </a:xfrm>
           <a:prstGeom prst="rect">
             <a:avLst/>
           </a:prstGeom>
+          <a:solidFill>
+            <a:srgbClr val="39BAE8"/>
+          </a:solidFill>
+          <a:ln>
+            <a:solidFill>
+              <a:srgbClr val="1F6ED4"/>
+            </a:solidFill>
+          </a:ln>
         </p:spPr>
         <p:style>
           <a:lnRef idx="2">
@@ -11862,35 +11878,39 @@
           </a:fontRef>
         </p:style>
         <p:txBody>
-          <a:bodyPr rtlCol="0" anchor="t" anchorCtr="0"/>
-          <a:p>
-            <a:pPr algn="ctr" fontAlgn="t">
-              <a:lnSpc>
-                <a:spcPct val="90000"/>
-              </a:lnSpc>
-            </a:pPr>
-            <a:r>
-              <a:rPr lang="zh-CN" altLang="en-US" sz="1600"/>
-              <a:t>规范</a:t>
-            </a:r>
-            <a:endParaRPr lang="zh-CN" altLang="en-US" sz="1600"/>
-          </a:p>
-        </p:txBody>
-      </p:sp>
-      <p:sp>
-        <p:nvSpPr>
-          <p:cNvPr id="8" name="矩形 7"/>
+          <a:bodyPr rtlCol="0" anchor="ctr"/>
+          <a:p>
+            <a:pPr algn="ctr"/>
+            <a:r>
+              <a:rPr lang="zh-CN" sz="1400"/>
+              <a:t>自动化</a:t>
+            </a:r>
+            <a:endParaRPr lang="en-US" altLang="zh-CN" sz="1200"/>
+          </a:p>
+        </p:txBody>
+      </p:sp>
+      <p:sp>
+        <p:nvSpPr>
+          <p:cNvPr id="3" name="矩形 2"/>
           <p:cNvSpPr/>
           <p:nvPr/>
         </p:nvSpPr>
         <p:spPr>
           <a:xfrm>
-            <a:off x="758190" y="5481320"/>
-            <a:ext cx="8254365" cy="929005"/>
+            <a:off x="1376680" y="1654175"/>
+            <a:ext cx="8254365" cy="1741170"/>
           </a:xfrm>
           <a:prstGeom prst="rect">
             <a:avLst/>
           </a:prstGeom>
+          <a:solidFill>
+            <a:srgbClr val="39BAE8"/>
+          </a:solidFill>
+          <a:ln>
+            <a:solidFill>
+              <a:srgbClr val="1F6ED4"/>
+            </a:solidFill>
+          </a:ln>
         </p:spPr>
         <p:style>
           <a:lnRef idx="2">
@@ -11911,18 +11931,10 @@
         <p:txBody>
           <a:bodyPr rtlCol="0" anchor="ctr"/>
           <a:p>
-            <a:pPr algn="l"/>
-            <a:r>
-              <a:rPr lang="zh-CN" altLang="en-US" sz="1400"/>
-              <a:t>构建</a:t>
-            </a:r>
-            <a:endParaRPr lang="en-US" altLang="zh-CN" sz="1600"/>
-          </a:p>
-          <a:p>
-            <a:pPr algn="l"/>
-            <a:r>
-              <a:rPr lang="en-US" altLang="zh-CN" sz="1200"/>
-              <a:t>webpack</a:t>
+            <a:pPr algn="ctr"/>
+            <a:r>
+              <a:rPr lang="zh-CN" sz="1400"/>
+              <a:t>组件化</a:t>
             </a:r>
             <a:endParaRPr lang="en-US" altLang="zh-CN" sz="1200"/>
           </a:p>
@@ -11930,18 +11942,26 @@
       </p:sp>
       <p:sp>
         <p:nvSpPr>
-          <p:cNvPr id="9" name="矩形 8"/>
+          <p:cNvPr id="6" name="矩形 5"/>
           <p:cNvSpPr/>
           <p:nvPr/>
         </p:nvSpPr>
         <p:spPr>
           <a:xfrm>
-            <a:off x="9436735" y="2992120"/>
-            <a:ext cx="1014095" cy="486410"/>
+            <a:off x="1376680" y="3569970"/>
+            <a:ext cx="8254365" cy="929005"/>
           </a:xfrm>
           <a:prstGeom prst="rect">
             <a:avLst/>
           </a:prstGeom>
+          <a:solidFill>
+            <a:srgbClr val="39BAE8"/>
+          </a:solidFill>
+          <a:ln>
+            <a:solidFill>
+              <a:srgbClr val="1F6ED4"/>
+            </a:solidFill>
+          </a:ln>
         </p:spPr>
         <p:style>
           <a:lnRef idx="2">
@@ -11960,47 +11980,87 @@
           </a:fontRef>
         </p:style>
         <p:txBody>
-          <a:bodyPr vertOverflow="overflow" horzOverflow="overflow" vert="horz" wrap="square" numCol="1" spcCol="0" rtlCol="0" fromWordArt="0" anchor="ctr" anchorCtr="0" forceAA="0" compatLnSpc="1">
-            <a:noAutofit/>
-          </a:bodyPr>
-          <a:p>
-            <a:pPr lvl="0" algn="ctr">
-              <a:buClrTx/>
-              <a:buSzTx/>
-              <a:buFontTx/>
-            </a:pPr>
-            <a:r>
-              <a:rPr lang="zh-CN" altLang="en-US" sz="1200">
-                <a:sym typeface="+mn-ea"/>
-              </a:rPr>
-              <a:t>项目</a:t>
-            </a:r>
-            <a:r>
-              <a:rPr lang="zh-CN" altLang="en-US" sz="1200">
-                <a:sym typeface="+mn-ea"/>
-              </a:rPr>
-              <a:t>结构</a:t>
-            </a:r>
-            <a:endParaRPr lang="zh-CN" altLang="en-US" sz="1200">
-              <a:sym typeface="+mn-ea"/>
-            </a:endParaRPr>
-          </a:p>
-        </p:txBody>
-      </p:sp>
-      <p:sp>
-        <p:nvSpPr>
-          <p:cNvPr id="10" name="矩形 9"/>
+          <a:bodyPr rtlCol="0" anchor="ctr"/>
+          <a:p>
+            <a:pPr algn="ctr"/>
+            <a:r>
+              <a:rPr lang="zh-CN" sz="1400"/>
+              <a:t>模块化</a:t>
+            </a:r>
+            <a:endParaRPr lang="en-US" altLang="zh-CN" sz="1200"/>
+          </a:p>
+        </p:txBody>
+      </p:sp>
+    </p:spTree>
+    <p:custDataLst>
+      <p:tags r:id="rId1"/>
+    </p:custDataLst>
+  </p:cSld>
+  <p:clrMapOvr>
+    <a:masterClrMapping/>
+  </p:clrMapOvr>
+</p:sld>
+</file>
+
+<file path=ppt/slides/slide3.xml><?xml version="1.0" encoding="utf-8"?>
+<p:sld xmlns:a="http://schemas.openxmlformats.org/drawingml/2006/main" xmlns:r="http://schemas.openxmlformats.org/officeDocument/2006/relationships" xmlns:p="http://schemas.openxmlformats.org/presentationml/2006/main">
+  <p:cSld>
+    <p:spTree>
+      <p:nvGrpSpPr>
+        <p:cNvPr id="1" name=""/>
+        <p:cNvGrpSpPr/>
+        <p:nvPr/>
+      </p:nvGrpSpPr>
+      <p:grpSpPr/>
+      <p:sp>
+        <p:nvSpPr>
+          <p:cNvPr id="2" name="标题 1"/>
+          <p:cNvSpPr>
+            <a:spLocks noGrp="1"/>
+          </p:cNvSpPr>
+          <p:nvPr>
+            <p:ph type="title"/>
+          </p:nvPr>
+        </p:nvSpPr>
+        <p:spPr>
+          <a:xfrm>
+            <a:off x="669882" y="428629"/>
+            <a:ext cx="10852237" cy="441964"/>
+          </a:xfrm>
+        </p:spPr>
+        <p:txBody>
+          <a:bodyPr/>
+          <a:p>
+            <a:r>
+              <a:rPr lang="zh-CN" altLang="en-US"/>
+              <a:t>前端项目</a:t>
+            </a:r>
+            <a:endParaRPr lang="zh-CN" altLang="en-US"/>
+          </a:p>
+        </p:txBody>
+      </p:sp>
+      <p:sp>
+        <p:nvSpPr>
+          <p:cNvPr id="4" name="矩形 3"/>
           <p:cNvSpPr/>
           <p:nvPr/>
         </p:nvSpPr>
         <p:spPr>
           <a:xfrm>
-            <a:off x="9441180" y="3696970"/>
-            <a:ext cx="1014095" cy="486410"/>
+            <a:off x="1233170" y="4427220"/>
+            <a:ext cx="6787515" cy="691515"/>
           </a:xfrm>
           <a:prstGeom prst="rect">
             <a:avLst/>
           </a:prstGeom>
+          <a:solidFill>
+            <a:srgbClr val="39BAE8"/>
+          </a:solidFill>
+          <a:ln>
+            <a:solidFill>
+              <a:srgbClr val="1F6ED4"/>
+            </a:solidFill>
+          </a:ln>
         </p:spPr>
         <p:style>
           <a:lnRef idx="2">
@@ -12019,47 +12079,47 @@
           </a:fontRef>
         </p:style>
         <p:txBody>
-          <a:bodyPr vertOverflow="overflow" horzOverflow="overflow" vert="horz" wrap="square" numCol="1" spcCol="0" rtlCol="0" fromWordArt="0" anchor="ctr" anchorCtr="0" forceAA="0" compatLnSpc="1">
-            <a:noAutofit/>
-          </a:bodyPr>
-          <a:p>
-            <a:pPr lvl="0" algn="ctr">
-              <a:buClrTx/>
-              <a:buSzTx/>
-              <a:buFontTx/>
-            </a:pPr>
-            <a:r>
-              <a:rPr lang="zh-CN" altLang="en-US" sz="1200">
-                <a:sym typeface="+mn-ea"/>
-              </a:rPr>
-              <a:t>命名</a:t>
-            </a:r>
-            <a:r>
-              <a:rPr lang="zh-CN" altLang="en-US" sz="1200">
-                <a:sym typeface="+mn-ea"/>
-              </a:rPr>
-              <a:t>规则</a:t>
-            </a:r>
-            <a:endParaRPr lang="zh-CN" altLang="en-US" sz="1200">
-              <a:sym typeface="+mn-ea"/>
-            </a:endParaRPr>
-          </a:p>
-        </p:txBody>
-      </p:sp>
-      <p:sp>
-        <p:nvSpPr>
-          <p:cNvPr id="11" name="矩形 10"/>
+          <a:bodyPr rtlCol="0" anchor="ctr"/>
+          <a:p>
+            <a:pPr algn="l"/>
+            <a:r>
+              <a:rPr lang="zh-CN" altLang="en-US" sz="1400"/>
+              <a:t>前端框架</a:t>
+            </a:r>
+            <a:endParaRPr lang="en-US" altLang="zh-CN" sz="900"/>
+          </a:p>
+          <a:p>
+            <a:pPr algn="l"/>
+            <a:r>
+              <a:rPr lang="en-US" altLang="zh-CN" sz="1400"/>
+              <a:t>Vue.js</a:t>
+            </a:r>
+            <a:endParaRPr lang="en-US" altLang="zh-CN" sz="1400"/>
+          </a:p>
+        </p:txBody>
+      </p:sp>
+      <p:sp>
+        <p:nvSpPr>
+          <p:cNvPr id="5" name="矩形 4"/>
           <p:cNvSpPr/>
           <p:nvPr/>
         </p:nvSpPr>
         <p:spPr>
           <a:xfrm>
-            <a:off x="9436735" y="4434840"/>
-            <a:ext cx="1014095" cy="486410"/>
+            <a:off x="9765665" y="2338705"/>
+            <a:ext cx="1309370" cy="3947795"/>
           </a:xfrm>
           <a:prstGeom prst="rect">
             <a:avLst/>
           </a:prstGeom>
+          <a:solidFill>
+            <a:srgbClr val="39BAE8"/>
+          </a:solidFill>
+          <a:ln>
+            <a:solidFill>
+              <a:srgbClr val="1F6ED4"/>
+            </a:solidFill>
+          </a:ln>
         </p:spPr>
         <p:style>
           <a:lnRef idx="2">
@@ -12078,41 +12138,51 @@
           </a:fontRef>
         </p:style>
         <p:txBody>
-          <a:bodyPr vertOverflow="overflow" horzOverflow="overflow" vert="horz" wrap="square" numCol="1" spcCol="0" rtlCol="0" fromWordArt="0" anchor="ctr" anchorCtr="0" forceAA="0" compatLnSpc="1">
-            <a:noAutofit/>
-          </a:bodyPr>
-          <a:p>
-            <a:pPr lvl="0" algn="ctr">
-              <a:buClrTx/>
-              <a:buSzTx/>
-              <a:buFontTx/>
+          <a:bodyPr rtlCol="0" anchor="t" anchorCtr="0"/>
+          <a:p>
+            <a:pPr algn="ctr" fontAlgn="t">
+              <a:lnSpc>
+                <a:spcPct val="90000"/>
+              </a:lnSpc>
             </a:pPr>
-            <a:r>
-              <a:rPr lang="zh-CN" altLang="en-US" sz="1200">
-                <a:sym typeface="+mn-ea"/>
-              </a:rPr>
-              <a:t>代码风格</a:t>
-            </a:r>
-            <a:endParaRPr lang="zh-CN" altLang="en-US" sz="1200">
-              <a:sym typeface="+mn-ea"/>
-            </a:endParaRPr>
-          </a:p>
-        </p:txBody>
-      </p:sp>
-      <p:sp>
-        <p:nvSpPr>
-          <p:cNvPr id="12" name="矩形 11"/>
+            <a:endParaRPr lang="zh-CN" altLang="en-US" sz="800"/>
+          </a:p>
+          <a:p>
+            <a:pPr algn="ctr" fontAlgn="t">
+              <a:lnSpc>
+                <a:spcPct val="90000"/>
+              </a:lnSpc>
+            </a:pPr>
+            <a:r>
+              <a:rPr lang="zh-CN" altLang="en-US" sz="1600"/>
+              <a:t>规范</a:t>
+            </a:r>
+            <a:endParaRPr lang="zh-CN" altLang="en-US" sz="1600"/>
+          </a:p>
+        </p:txBody>
+      </p:sp>
+      <p:sp>
+        <p:nvSpPr>
+          <p:cNvPr id="8" name="矩形 7"/>
           <p:cNvSpPr/>
           <p:nvPr/>
         </p:nvSpPr>
         <p:spPr>
           <a:xfrm>
-            <a:off x="1853565" y="5656580"/>
-            <a:ext cx="1182370" cy="577850"/>
+            <a:off x="1233170" y="5356860"/>
+            <a:ext cx="8254365" cy="929005"/>
           </a:xfrm>
           <a:prstGeom prst="rect">
             <a:avLst/>
           </a:prstGeom>
+          <a:solidFill>
+            <a:srgbClr val="39BAE8"/>
+          </a:solidFill>
+          <a:ln>
+            <a:solidFill>
+              <a:srgbClr val="1F6ED4"/>
+            </a:solidFill>
+          </a:ln>
         </p:spPr>
         <p:style>
           <a:lnRef idx="2">
@@ -12133,37 +12203,45 @@
         <p:txBody>
           <a:bodyPr rtlCol="0" anchor="ctr"/>
           <a:p>
-            <a:pPr algn="ctr"/>
+            <a:pPr algn="l"/>
             <a:r>
               <a:rPr lang="zh-CN" altLang="en-US" sz="1400"/>
-              <a:t>模块化</a:t>
-            </a:r>
-            <a:endParaRPr lang="zh-CN" altLang="en-US" sz="1600"/>
-          </a:p>
-          <a:p>
-            <a:pPr algn="ctr"/>
-            <a:r>
-              <a:rPr lang="en-US" altLang="zh-CN" sz="1000"/>
-              <a:t>esm / commonjs</a:t>
-            </a:r>
-            <a:endParaRPr lang="en-US" altLang="zh-CN" sz="1000"/>
-          </a:p>
-        </p:txBody>
-      </p:sp>
-      <p:sp>
-        <p:nvSpPr>
-          <p:cNvPr id="14" name="矩形 13"/>
+              <a:t>构建</a:t>
+            </a:r>
+            <a:endParaRPr lang="en-US" altLang="zh-CN" sz="1600"/>
+          </a:p>
+          <a:p>
+            <a:pPr algn="l"/>
+            <a:r>
+              <a:rPr lang="en-US" altLang="zh-CN" sz="1200"/>
+              <a:t>webpack</a:t>
+            </a:r>
+            <a:endParaRPr lang="en-US" altLang="zh-CN" sz="1200"/>
+          </a:p>
+        </p:txBody>
+      </p:sp>
+      <p:sp>
+        <p:nvSpPr>
+          <p:cNvPr id="9" name="矩形 8"/>
           <p:cNvSpPr/>
           <p:nvPr/>
         </p:nvSpPr>
         <p:spPr>
           <a:xfrm>
-            <a:off x="6227445" y="5656580"/>
-            <a:ext cx="886460" cy="577850"/>
+            <a:off x="9911715" y="2867660"/>
+            <a:ext cx="1014095" cy="486410"/>
           </a:xfrm>
           <a:prstGeom prst="rect">
             <a:avLst/>
           </a:prstGeom>
+          <a:solidFill>
+            <a:srgbClr val="39BAE8"/>
+          </a:solidFill>
+          <a:ln>
+            <a:solidFill>
+              <a:srgbClr val="1F6ED4"/>
+            </a:solidFill>
+          </a:ln>
         </p:spPr>
         <p:style>
           <a:lnRef idx="2">
@@ -12182,39 +12260,55 @@
           </a:fontRef>
         </p:style>
         <p:txBody>
-          <a:bodyPr rtlCol="0" anchor="ctr"/>
-          <a:p>
-            <a:pPr algn="ctr"/>
-            <a:r>
-              <a:rPr lang="zh-CN" altLang="en-US" sz="1400"/>
-              <a:t>插件</a:t>
-            </a:r>
-            <a:endParaRPr lang="zh-CN" altLang="en-US"/>
-          </a:p>
-          <a:p>
-            <a:pPr algn="ctr"/>
-            <a:r>
-              <a:rPr lang="zh-CN" altLang="en-US" sz="1000"/>
-              <a:t>扩展功能</a:t>
-            </a:r>
-            <a:endParaRPr lang="zh-CN" altLang="en-US" sz="1000"/>
-          </a:p>
-        </p:txBody>
-      </p:sp>
-      <p:sp>
-        <p:nvSpPr>
-          <p:cNvPr id="15" name="矩形 14"/>
+          <a:bodyPr vertOverflow="overflow" horzOverflow="overflow" vert="horz" wrap="square" numCol="1" spcCol="0" rtlCol="0" fromWordArt="0" anchor="ctr" anchorCtr="0" forceAA="0" compatLnSpc="1">
+            <a:noAutofit/>
+          </a:bodyPr>
+          <a:p>
+            <a:pPr lvl="0" algn="ctr">
+              <a:buClrTx/>
+              <a:buSzTx/>
+              <a:buFontTx/>
+            </a:pPr>
+            <a:r>
+              <a:rPr lang="zh-CN" altLang="en-US" sz="1200">
+                <a:sym typeface="+mn-ea"/>
+              </a:rPr>
+              <a:t>项目</a:t>
+            </a:r>
+            <a:r>
+              <a:rPr lang="zh-CN" altLang="en-US" sz="1200">
+                <a:sym typeface="+mn-ea"/>
+              </a:rPr>
+              <a:t>结构</a:t>
+            </a:r>
+            <a:endParaRPr lang="zh-CN" altLang="en-US" sz="1200">
+              <a:sym typeface="+mn-ea"/>
+            </a:endParaRPr>
+          </a:p>
+        </p:txBody>
+      </p:sp>
+      <p:sp>
+        <p:nvSpPr>
+          <p:cNvPr id="10" name="矩形 9"/>
           <p:cNvSpPr/>
           <p:nvPr/>
         </p:nvSpPr>
         <p:spPr>
           <a:xfrm>
-            <a:off x="3221355" y="5656580"/>
-            <a:ext cx="1063625" cy="577850"/>
+            <a:off x="9916160" y="3572510"/>
+            <a:ext cx="1014095" cy="486410"/>
           </a:xfrm>
           <a:prstGeom prst="rect">
             <a:avLst/>
           </a:prstGeom>
+          <a:solidFill>
+            <a:srgbClr val="39BAE8"/>
+          </a:solidFill>
+          <a:ln>
+            <a:solidFill>
+              <a:srgbClr val="1F6ED4"/>
+            </a:solidFill>
+          </a:ln>
         </p:spPr>
         <p:style>
           <a:lnRef idx="2">
@@ -12233,39 +12327,55 @@
           </a:fontRef>
         </p:style>
         <p:txBody>
-          <a:bodyPr rtlCol="0" anchor="ctr"/>
-          <a:p>
-            <a:pPr algn="ctr"/>
-            <a:r>
-              <a:rPr lang="zh-CN" altLang="en-US" sz="1400"/>
-              <a:t>编译</a:t>
-            </a:r>
-            <a:endParaRPr lang="zh-CN" altLang="en-US" sz="1400"/>
-          </a:p>
-          <a:p>
-            <a:pPr algn="ctr"/>
-            <a:r>
-              <a:rPr lang="en-US" altLang="zh-CN" sz="1000"/>
-              <a:t>TS / SCSS</a:t>
-            </a:r>
-            <a:endParaRPr lang="en-US" altLang="zh-CN" sz="1000"/>
-          </a:p>
-        </p:txBody>
-      </p:sp>
-      <p:sp>
-        <p:nvSpPr>
-          <p:cNvPr id="16" name="矩形 15"/>
+          <a:bodyPr vertOverflow="overflow" horzOverflow="overflow" vert="horz" wrap="square" numCol="1" spcCol="0" rtlCol="0" fromWordArt="0" anchor="ctr" anchorCtr="0" forceAA="0" compatLnSpc="1">
+            <a:noAutofit/>
+          </a:bodyPr>
+          <a:p>
+            <a:pPr lvl="0" algn="ctr">
+              <a:buClrTx/>
+              <a:buSzTx/>
+              <a:buFontTx/>
+            </a:pPr>
+            <a:r>
+              <a:rPr lang="zh-CN" altLang="en-US" sz="1200">
+                <a:sym typeface="+mn-ea"/>
+              </a:rPr>
+              <a:t>命名</a:t>
+            </a:r>
+            <a:r>
+              <a:rPr lang="zh-CN" altLang="en-US" sz="1200">
+                <a:sym typeface="+mn-ea"/>
+              </a:rPr>
+              <a:t>规则</a:t>
+            </a:r>
+            <a:endParaRPr lang="zh-CN" altLang="en-US" sz="1200">
+              <a:sym typeface="+mn-ea"/>
+            </a:endParaRPr>
+          </a:p>
+        </p:txBody>
+      </p:sp>
+      <p:sp>
+        <p:nvSpPr>
+          <p:cNvPr id="11" name="矩形 10"/>
           <p:cNvSpPr/>
           <p:nvPr/>
         </p:nvSpPr>
         <p:spPr>
           <a:xfrm>
-            <a:off x="4470400" y="5656580"/>
-            <a:ext cx="1571625" cy="577850"/>
+            <a:off x="9911715" y="4310380"/>
+            <a:ext cx="1014095" cy="486410"/>
           </a:xfrm>
           <a:prstGeom prst="rect">
             <a:avLst/>
           </a:prstGeom>
+          <a:solidFill>
+            <a:srgbClr val="39BAE8"/>
+          </a:solidFill>
+          <a:ln>
+            <a:solidFill>
+              <a:srgbClr val="1F6ED4"/>
+            </a:solidFill>
+          </a:ln>
         </p:spPr>
         <p:style>
           <a:lnRef idx="2">
@@ -12284,47 +12394,49 @@
           </a:fontRef>
         </p:style>
         <p:txBody>
-          <a:bodyPr rtlCol="0" anchor="ctr"/>
-          <a:p>
-            <a:pPr algn="ctr"/>
-            <a:r>
-              <a:rPr lang="en-US" altLang="zh-CN"/>
-              <a:t>dev-server</a:t>
-            </a:r>
-            <a:endParaRPr lang="en-US" altLang="zh-CN"/>
-          </a:p>
-          <a:p>
-            <a:pPr algn="ctr"/>
-            <a:r>
-              <a:rPr lang="zh-CN" altLang="en-US" sz="1000"/>
-              <a:t>实时编译</a:t>
-            </a:r>
-            <a:r>
-              <a:rPr lang="en-US" altLang="zh-CN" sz="1000"/>
-              <a:t> / </a:t>
-            </a:r>
-            <a:r>
-              <a:rPr lang="zh-CN" altLang="en-US" sz="1000"/>
-              <a:t>反向代理</a:t>
-            </a:r>
-            <a:endParaRPr lang="zh-CN" altLang="en-US" sz="1000"/>
-          </a:p>
-        </p:txBody>
-      </p:sp>
-      <p:sp>
-        <p:nvSpPr>
-          <p:cNvPr id="17" name="矩形 16"/>
+          <a:bodyPr vertOverflow="overflow" horzOverflow="overflow" vert="horz" wrap="square" numCol="1" spcCol="0" rtlCol="0" fromWordArt="0" anchor="ctr" anchorCtr="0" forceAA="0" compatLnSpc="1">
+            <a:noAutofit/>
+          </a:bodyPr>
+          <a:p>
+            <a:pPr lvl="0" algn="ctr">
+              <a:buClrTx/>
+              <a:buSzTx/>
+              <a:buFontTx/>
+            </a:pPr>
+            <a:r>
+              <a:rPr lang="zh-CN" altLang="en-US" sz="1200">
+                <a:sym typeface="+mn-ea"/>
+              </a:rPr>
+              <a:t>代码风格</a:t>
+            </a:r>
+            <a:endParaRPr lang="zh-CN" altLang="en-US" sz="1200">
+              <a:sym typeface="+mn-ea"/>
+            </a:endParaRPr>
+          </a:p>
+        </p:txBody>
+      </p:sp>
+      <p:sp>
+        <p:nvSpPr>
+          <p:cNvPr id="12" name="矩形 11"/>
           <p:cNvSpPr/>
           <p:nvPr/>
         </p:nvSpPr>
         <p:spPr>
           <a:xfrm>
-            <a:off x="7299325" y="5656580"/>
-            <a:ext cx="1267460" cy="577850"/>
+            <a:off x="2328545" y="5532120"/>
+            <a:ext cx="1182370" cy="577850"/>
           </a:xfrm>
           <a:prstGeom prst="rect">
             <a:avLst/>
           </a:prstGeom>
+          <a:solidFill>
+            <a:srgbClr val="39BAE8"/>
+          </a:solidFill>
+          <a:ln>
+            <a:solidFill>
+              <a:srgbClr val="1F6ED4"/>
+            </a:solidFill>
+          </a:ln>
         </p:spPr>
         <p:style>
           <a:lnRef idx="2">
@@ -12348,50 +12460,42 @@
             <a:pPr algn="ctr"/>
             <a:r>
               <a:rPr lang="zh-CN" altLang="en-US" sz="1400"/>
-              <a:t>优化</a:t>
+              <a:t>模块化</a:t>
             </a:r>
             <a:endParaRPr lang="zh-CN" altLang="en-US" sz="1600"/>
           </a:p>
           <a:p>
             <a:pPr algn="ctr"/>
             <a:r>
-              <a:rPr lang="zh-CN" altLang="en-US" sz="1000"/>
-              <a:t>合并</a:t>
-            </a:r>
-            <a:r>
               <a:rPr lang="en-US" altLang="zh-CN" sz="1000"/>
-              <a:t> / </a:t>
-            </a:r>
-            <a:r>
-              <a:rPr lang="zh-CN" altLang="en-US" sz="1000"/>
-              <a:t>混淆</a:t>
-            </a:r>
-            <a:r>
-              <a:rPr lang="en-US" altLang="zh-CN" sz="1000"/>
-              <a:t> / </a:t>
-            </a:r>
-            <a:r>
-              <a:rPr lang="zh-CN" altLang="en-US" sz="1000"/>
-              <a:t>压缩</a:t>
-            </a:r>
-            <a:endParaRPr lang="zh-CN" altLang="en-US" sz="1000"/>
-          </a:p>
-        </p:txBody>
-      </p:sp>
-      <p:sp>
-        <p:nvSpPr>
-          <p:cNvPr id="18" name="矩形 17"/>
+              <a:t>esm / commonjs</a:t>
+            </a:r>
+            <a:endParaRPr lang="en-US" altLang="zh-CN" sz="1000"/>
+          </a:p>
+        </p:txBody>
+      </p:sp>
+      <p:sp>
+        <p:nvSpPr>
+          <p:cNvPr id="14" name="矩形 13"/>
           <p:cNvSpPr/>
           <p:nvPr/>
         </p:nvSpPr>
         <p:spPr>
           <a:xfrm>
-            <a:off x="4876165" y="3509645"/>
-            <a:ext cx="1267460" cy="796925"/>
+            <a:off x="6702425" y="5532120"/>
+            <a:ext cx="886460" cy="577850"/>
           </a:xfrm>
           <a:prstGeom prst="rect">
             <a:avLst/>
           </a:prstGeom>
+          <a:solidFill>
+            <a:srgbClr val="39BAE8"/>
+          </a:solidFill>
+          <a:ln>
+            <a:solidFill>
+              <a:srgbClr val="1F6ED4"/>
+            </a:solidFill>
+          </a:ln>
         </p:spPr>
         <p:style>
           <a:lnRef idx="2">
@@ -12415,34 +12519,42 @@
             <a:pPr algn="ctr"/>
             <a:r>
               <a:rPr lang="zh-CN" altLang="en-US" sz="1400"/>
-              <a:t>前端路由</a:t>
-            </a:r>
-            <a:endParaRPr lang="zh-CN" altLang="en-US" sz="1400"/>
+              <a:t>插件</a:t>
+            </a:r>
+            <a:endParaRPr lang="zh-CN" altLang="en-US"/>
           </a:p>
           <a:p>
             <a:pPr algn="ctr"/>
             <a:r>
-              <a:rPr lang="en-US" altLang="zh-CN" sz="1000"/>
-              <a:t>vue-router</a:t>
-            </a:r>
-            <a:endParaRPr lang="en-US" altLang="zh-CN" sz="1000"/>
-          </a:p>
-        </p:txBody>
-      </p:sp>
-      <p:sp>
-        <p:nvSpPr>
-          <p:cNvPr id="19" name="矩形 18"/>
+              <a:rPr lang="zh-CN" altLang="en-US" sz="1000"/>
+              <a:t>扩展功能</a:t>
+            </a:r>
+            <a:endParaRPr lang="zh-CN" altLang="en-US" sz="1000"/>
+          </a:p>
+        </p:txBody>
+      </p:sp>
+      <p:sp>
+        <p:nvSpPr>
+          <p:cNvPr id="15" name="矩形 14"/>
           <p:cNvSpPr/>
           <p:nvPr/>
         </p:nvSpPr>
         <p:spPr>
           <a:xfrm>
-            <a:off x="6278245" y="3509645"/>
-            <a:ext cx="1267460" cy="796925"/>
+            <a:off x="3696335" y="5532120"/>
+            <a:ext cx="1063625" cy="577850"/>
           </a:xfrm>
           <a:prstGeom prst="rect">
             <a:avLst/>
           </a:prstGeom>
+          <a:solidFill>
+            <a:srgbClr val="39BAE8"/>
+          </a:solidFill>
+          <a:ln>
+            <a:solidFill>
+              <a:srgbClr val="1F6ED4"/>
+            </a:solidFill>
+          </a:ln>
         </p:spPr>
         <p:style>
           <a:lnRef idx="2">
@@ -12466,7 +12578,7 @@
             <a:pPr algn="ctr"/>
             <a:r>
               <a:rPr lang="zh-CN" altLang="en-US" sz="1400"/>
-              <a:t>状态管理</a:t>
+              <a:t>编译</a:t>
             </a:r>
             <a:endParaRPr lang="zh-CN" altLang="en-US" sz="1400"/>
           </a:p>
@@ -12474,7 +12586,7 @@
             <a:pPr algn="ctr"/>
             <a:r>
               <a:rPr lang="en-US" altLang="zh-CN" sz="1000"/>
-              <a:t>vuex</a:t>
+              <a:t>TS / SCSS</a:t>
             </a:r>
             <a:endParaRPr lang="en-US" altLang="zh-CN" sz="1000"/>
           </a:p>
@@ -12482,18 +12594,26 @@
       </p:sp>
       <p:sp>
         <p:nvSpPr>
-          <p:cNvPr id="21" name="矩形 20"/>
+          <p:cNvPr id="16" name="矩形 15"/>
           <p:cNvSpPr/>
           <p:nvPr/>
         </p:nvSpPr>
         <p:spPr>
           <a:xfrm>
-            <a:off x="758190" y="3509645"/>
-            <a:ext cx="3977640" cy="801370"/>
+            <a:off x="4945380" y="5532120"/>
+            <a:ext cx="1571625" cy="577850"/>
           </a:xfrm>
           <a:prstGeom prst="rect">
             <a:avLst/>
           </a:prstGeom>
+          <a:solidFill>
+            <a:srgbClr val="39BAE8"/>
+          </a:solidFill>
+          <a:ln>
+            <a:solidFill>
+              <a:srgbClr val="1F6ED4"/>
+            </a:solidFill>
+          </a:ln>
         </p:spPr>
         <p:style>
           <a:lnRef idx="2">
@@ -12514,37 +12634,53 @@
         <p:txBody>
           <a:bodyPr rtlCol="0" anchor="ctr"/>
           <a:p>
-            <a:pPr algn="l"/>
-            <a:r>
-              <a:rPr lang="zh-CN" altLang="en-US" sz="1400"/>
-              <a:t>基础组件库</a:t>
-            </a:r>
-            <a:endParaRPr lang="zh-CN" altLang="en-US" sz="1400"/>
-          </a:p>
-          <a:p>
-            <a:pPr algn="l"/>
-            <a:r>
-              <a:rPr lang="en-US" altLang="zh-CN" sz="1200"/>
-              <a:t>element-ui</a:t>
-            </a:r>
-            <a:endParaRPr lang="en-US" altLang="zh-CN" sz="1200"/>
-          </a:p>
-        </p:txBody>
-      </p:sp>
-      <p:sp>
-        <p:nvSpPr>
-          <p:cNvPr id="24" name="矩形 23"/>
+            <a:pPr algn="ctr"/>
+            <a:r>
+              <a:rPr lang="en-US" altLang="zh-CN"/>
+              <a:t>dev-server</a:t>
+            </a:r>
+            <a:endParaRPr lang="en-US" altLang="zh-CN"/>
+          </a:p>
+          <a:p>
+            <a:pPr algn="ctr"/>
+            <a:r>
+              <a:rPr lang="zh-CN" altLang="en-US" sz="1000"/>
+              <a:t>实时编译</a:t>
+            </a:r>
+            <a:r>
+              <a:rPr lang="en-US" altLang="zh-CN" sz="1000"/>
+              <a:t> / </a:t>
+            </a:r>
+            <a:r>
+              <a:rPr lang="zh-CN" altLang="en-US" sz="1000"/>
+              <a:t>反向代理</a:t>
+            </a:r>
+            <a:endParaRPr lang="zh-CN" altLang="en-US" sz="1000"/>
+          </a:p>
+        </p:txBody>
+      </p:sp>
+      <p:sp>
+        <p:nvSpPr>
+          <p:cNvPr id="17" name="矩形 16"/>
           <p:cNvSpPr/>
           <p:nvPr/>
         </p:nvSpPr>
         <p:spPr>
           <a:xfrm>
-            <a:off x="1873250" y="3659505"/>
-            <a:ext cx="648970" cy="502285"/>
+            <a:off x="7774305" y="5532120"/>
+            <a:ext cx="1267460" cy="577850"/>
           </a:xfrm>
           <a:prstGeom prst="rect">
             <a:avLst/>
           </a:prstGeom>
+          <a:solidFill>
+            <a:srgbClr val="39BAE8"/>
+          </a:solidFill>
+          <a:ln>
+            <a:solidFill>
+              <a:srgbClr val="1F6ED4"/>
+            </a:solidFill>
+          </a:ln>
         </p:spPr>
         <p:style>
           <a:lnRef idx="2">
@@ -12567,27 +12703,59 @@
           <a:p>
             <a:pPr algn="ctr"/>
             <a:r>
-              <a:rPr lang="en-US" altLang="zh-CN" sz="1200"/>
-              <a:t>Button</a:t>
-            </a:r>
-            <a:endParaRPr lang="en-US" altLang="zh-CN" sz="1200"/>
-          </a:p>
-        </p:txBody>
-      </p:sp>
-      <p:sp>
-        <p:nvSpPr>
-          <p:cNvPr id="28" name="矩形 27"/>
+              <a:rPr lang="zh-CN" altLang="en-US" sz="1400"/>
+              <a:t>优化</a:t>
+            </a:r>
+            <a:endParaRPr lang="zh-CN" altLang="en-US" sz="1600"/>
+          </a:p>
+          <a:p>
+            <a:pPr algn="ctr"/>
+            <a:r>
+              <a:rPr lang="zh-CN" altLang="en-US" sz="1000"/>
+              <a:t>合并</a:t>
+            </a:r>
+            <a:r>
+              <a:rPr lang="en-US" altLang="zh-CN" sz="1000"/>
+              <a:t> / </a:t>
+            </a:r>
+            <a:r>
+              <a:rPr lang="zh-CN" altLang="en-US" sz="1000"/>
+              <a:t>混淆</a:t>
+            </a:r>
+            <a:r>
+              <a:rPr lang="en-US" altLang="zh-CN" sz="1000"/>
+              <a:t> / </a:t>
+            </a:r>
+            <a:r>
+              <a:rPr lang="zh-CN" altLang="en-US" sz="1000"/>
+              <a:t>压缩</a:t>
+            </a:r>
+            <a:endParaRPr lang="zh-CN" altLang="en-US" sz="1000"/>
+          </a:p>
+        </p:txBody>
+      </p:sp>
+      <p:sp>
+        <p:nvSpPr>
+          <p:cNvPr id="18" name="矩形 17"/>
           <p:cNvSpPr/>
           <p:nvPr/>
         </p:nvSpPr>
         <p:spPr>
           <a:xfrm>
-            <a:off x="2692400" y="3659505"/>
-            <a:ext cx="635000" cy="502285"/>
+            <a:off x="5351145" y="3385185"/>
+            <a:ext cx="1267460" cy="796925"/>
           </a:xfrm>
           <a:prstGeom prst="rect">
             <a:avLst/>
           </a:prstGeom>
+          <a:solidFill>
+            <a:srgbClr val="39BAE8"/>
+          </a:solidFill>
+          <a:ln>
+            <a:solidFill>
+              <a:srgbClr val="1F6ED4"/>
+            </a:solidFill>
+          </a:ln>
         </p:spPr>
         <p:style>
           <a:lnRef idx="2">
@@ -12610,27 +12778,43 @@
           <a:p>
             <a:pPr algn="ctr"/>
             <a:r>
-              <a:rPr lang="en-US" altLang="zh-CN" sz="1200"/>
-              <a:t>Form</a:t>
-            </a:r>
-            <a:endParaRPr lang="en-US" altLang="zh-CN" sz="1200"/>
-          </a:p>
-        </p:txBody>
-      </p:sp>
-      <p:sp>
-        <p:nvSpPr>
-          <p:cNvPr id="29" name="矩形 28"/>
+              <a:rPr lang="zh-CN" altLang="en-US" sz="1400"/>
+              <a:t>前端路由</a:t>
+            </a:r>
+            <a:endParaRPr lang="zh-CN" altLang="en-US" sz="1400"/>
+          </a:p>
+          <a:p>
+            <a:pPr algn="ctr"/>
+            <a:r>
+              <a:rPr lang="en-US" altLang="zh-CN" sz="1000"/>
+              <a:t>vue-router</a:t>
+            </a:r>
+            <a:endParaRPr lang="en-US" altLang="zh-CN" sz="1000"/>
+          </a:p>
+        </p:txBody>
+      </p:sp>
+      <p:sp>
+        <p:nvSpPr>
+          <p:cNvPr id="19" name="矩形 18"/>
           <p:cNvSpPr/>
           <p:nvPr/>
         </p:nvSpPr>
         <p:spPr>
           <a:xfrm>
-            <a:off x="3492500" y="3659505"/>
-            <a:ext cx="982345" cy="502285"/>
+            <a:off x="6753225" y="3385185"/>
+            <a:ext cx="1267460" cy="796925"/>
           </a:xfrm>
           <a:prstGeom prst="rect">
             <a:avLst/>
           </a:prstGeom>
+          <a:solidFill>
+            <a:srgbClr val="39BAE8"/>
+          </a:solidFill>
+          <a:ln>
+            <a:solidFill>
+              <a:srgbClr val="1F6ED4"/>
+            </a:solidFill>
+          </a:ln>
         </p:spPr>
         <p:style>
           <a:lnRef idx="2">
@@ -12653,27 +12837,43 @@
           <a:p>
             <a:pPr algn="ctr"/>
             <a:r>
-              <a:rPr lang="en-US" altLang="zh-CN" sz="1200"/>
-              <a:t>Datepicker</a:t>
-            </a:r>
-            <a:endParaRPr lang="en-US" altLang="zh-CN" sz="1200"/>
-          </a:p>
-        </p:txBody>
-      </p:sp>
-      <p:sp>
-        <p:nvSpPr>
-          <p:cNvPr id="30" name="矩形 29"/>
+              <a:rPr lang="zh-CN" altLang="en-US" sz="1400"/>
+              <a:t>状态管理</a:t>
+            </a:r>
+            <a:endParaRPr lang="zh-CN" altLang="en-US" sz="1400"/>
+          </a:p>
+          <a:p>
+            <a:pPr algn="ctr"/>
+            <a:r>
+              <a:rPr lang="en-US" altLang="zh-CN" sz="1000"/>
+              <a:t>vuex</a:t>
+            </a:r>
+            <a:endParaRPr lang="en-US" altLang="zh-CN" sz="1000"/>
+          </a:p>
+        </p:txBody>
+      </p:sp>
+      <p:sp>
+        <p:nvSpPr>
+          <p:cNvPr id="21" name="矩形 20"/>
           <p:cNvSpPr/>
           <p:nvPr/>
         </p:nvSpPr>
         <p:spPr>
           <a:xfrm>
-            <a:off x="3300730" y="4653915"/>
-            <a:ext cx="648970" cy="502285"/>
+            <a:off x="1233170" y="3385185"/>
+            <a:ext cx="3977640" cy="801370"/>
           </a:xfrm>
           <a:prstGeom prst="rect">
             <a:avLst/>
           </a:prstGeom>
+          <a:solidFill>
+            <a:srgbClr val="39BAE8"/>
+          </a:solidFill>
+          <a:ln>
+            <a:solidFill>
+              <a:srgbClr val="1F6ED4"/>
+            </a:solidFill>
+          </a:ln>
         </p:spPr>
         <p:style>
           <a:lnRef idx="2">
@@ -12694,10 +12894,18 @@
         <p:txBody>
           <a:bodyPr rtlCol="0" anchor="ctr"/>
           <a:p>
-            <a:pPr algn="ctr"/>
+            <a:pPr algn="l"/>
+            <a:r>
+              <a:rPr lang="zh-CN" altLang="en-US" sz="1400"/>
+              <a:t>基础组件库</a:t>
+            </a:r>
+            <a:endParaRPr lang="zh-CN" altLang="en-US" sz="1400"/>
+          </a:p>
+          <a:p>
+            <a:pPr algn="l"/>
             <a:r>
               <a:rPr lang="en-US" altLang="zh-CN" sz="1200"/>
-              <a:t>MV“C”</a:t>
+              <a:t>element-ui</a:t>
             </a:r>
             <a:endParaRPr lang="en-US" altLang="zh-CN" sz="1200"/>
           </a:p>
@@ -12705,18 +12913,26 @@
       </p:sp>
       <p:sp>
         <p:nvSpPr>
-          <p:cNvPr id="31" name="矩形 30"/>
+          <p:cNvPr id="24" name="矩形 23"/>
           <p:cNvSpPr/>
           <p:nvPr/>
         </p:nvSpPr>
         <p:spPr>
           <a:xfrm>
-            <a:off x="4214495" y="4653915"/>
-            <a:ext cx="844550" cy="502285"/>
+            <a:off x="2348230" y="3535045"/>
+            <a:ext cx="648970" cy="502285"/>
           </a:xfrm>
           <a:prstGeom prst="rect">
             <a:avLst/>
           </a:prstGeom>
+          <a:solidFill>
+            <a:srgbClr val="39BAE8"/>
+          </a:solidFill>
+          <a:ln>
+            <a:solidFill>
+              <a:srgbClr val="1F6ED4"/>
+            </a:solidFill>
+          </a:ln>
         </p:spPr>
         <p:style>
           <a:lnRef idx="2">
@@ -12739,27 +12955,35 @@
           <a:p>
             <a:pPr algn="ctr"/>
             <a:r>
-              <a:rPr lang="zh-CN" altLang="en-US" sz="1200"/>
-              <a:t>模板引擎</a:t>
-            </a:r>
-            <a:endParaRPr lang="zh-CN" altLang="en-US" sz="1200"/>
-          </a:p>
-        </p:txBody>
-      </p:sp>
-      <p:sp>
-        <p:nvSpPr>
-          <p:cNvPr id="33" name="矩形 32"/>
+              <a:rPr lang="en-US" altLang="zh-CN" sz="1200"/>
+              <a:t>Button</a:t>
+            </a:r>
+            <a:endParaRPr lang="en-US" altLang="zh-CN" sz="1200"/>
+          </a:p>
+        </p:txBody>
+      </p:sp>
+      <p:sp>
+        <p:nvSpPr>
+          <p:cNvPr id="28" name="矩形 27"/>
           <p:cNvSpPr/>
           <p:nvPr/>
         </p:nvSpPr>
         <p:spPr>
           <a:xfrm>
-            <a:off x="5323840" y="4653915"/>
-            <a:ext cx="844550" cy="502285"/>
+            <a:off x="3167380" y="3535045"/>
+            <a:ext cx="635000" cy="502285"/>
           </a:xfrm>
           <a:prstGeom prst="rect">
             <a:avLst/>
           </a:prstGeom>
+          <a:solidFill>
+            <a:srgbClr val="39BAE8"/>
+          </a:solidFill>
+          <a:ln>
+            <a:solidFill>
+              <a:srgbClr val="1F6ED4"/>
+            </a:solidFill>
+          </a:ln>
         </p:spPr>
         <p:style>
           <a:lnRef idx="2">
@@ -12782,27 +13006,35 @@
           <a:p>
             <a:pPr algn="ctr"/>
             <a:r>
-              <a:rPr lang="zh-CN" altLang="en-US" sz="1200"/>
-              <a:t>数据绑定</a:t>
-            </a:r>
-            <a:endParaRPr lang="zh-CN" altLang="en-US" sz="1200"/>
-          </a:p>
-        </p:txBody>
-      </p:sp>
-      <p:sp>
-        <p:nvSpPr>
-          <p:cNvPr id="34" name="矩形 33"/>
+              <a:rPr lang="en-US" altLang="zh-CN" sz="1200"/>
+              <a:t>Form</a:t>
+            </a:r>
+            <a:endParaRPr lang="en-US" altLang="zh-CN" sz="1200"/>
+          </a:p>
+        </p:txBody>
+      </p:sp>
+      <p:sp>
+        <p:nvSpPr>
+          <p:cNvPr id="29" name="矩形 28"/>
           <p:cNvSpPr/>
           <p:nvPr/>
         </p:nvSpPr>
         <p:spPr>
           <a:xfrm>
-            <a:off x="6433185" y="4653915"/>
-            <a:ext cx="844550" cy="502285"/>
+            <a:off x="3967480" y="3535045"/>
+            <a:ext cx="982345" cy="502285"/>
           </a:xfrm>
           <a:prstGeom prst="rect">
             <a:avLst/>
           </a:prstGeom>
+          <a:solidFill>
+            <a:srgbClr val="39BAE8"/>
+          </a:solidFill>
+          <a:ln>
+            <a:solidFill>
+              <a:srgbClr val="1F6ED4"/>
+            </a:solidFill>
+          </a:ln>
         </p:spPr>
         <p:style>
           <a:lnRef idx="2">
@@ -12825,27 +13057,35 @@
           <a:p>
             <a:pPr algn="ctr"/>
             <a:r>
-              <a:rPr lang="zh-CN" altLang="en-US" sz="1200"/>
-              <a:t>事件绑定</a:t>
-            </a:r>
-            <a:endParaRPr lang="zh-CN" altLang="en-US" sz="1200"/>
-          </a:p>
-        </p:txBody>
-      </p:sp>
-      <p:sp>
-        <p:nvSpPr>
-          <p:cNvPr id="35" name="矩形 34"/>
+              <a:rPr lang="en-US" altLang="zh-CN" sz="1200"/>
+              <a:t>Datepicker</a:t>
+            </a:r>
+            <a:endParaRPr lang="en-US" altLang="zh-CN" sz="1200"/>
+          </a:p>
+        </p:txBody>
+      </p:sp>
+      <p:sp>
+        <p:nvSpPr>
+          <p:cNvPr id="30" name="矩形 29"/>
           <p:cNvSpPr/>
           <p:nvPr/>
         </p:nvSpPr>
         <p:spPr>
           <a:xfrm>
-            <a:off x="1858645" y="4653915"/>
-            <a:ext cx="1177290" cy="502285"/>
+            <a:off x="3775710" y="4529455"/>
+            <a:ext cx="648970" cy="502285"/>
           </a:xfrm>
           <a:prstGeom prst="rect">
             <a:avLst/>
           </a:prstGeom>
+          <a:solidFill>
+            <a:srgbClr val="39BAE8"/>
+          </a:solidFill>
+          <a:ln>
+            <a:solidFill>
+              <a:srgbClr val="1F6ED4"/>
+            </a:solidFill>
+          </a:ln>
         </p:spPr>
         <p:style>
           <a:lnRef idx="2">
@@ -12868,27 +13108,35 @@
           <a:p>
             <a:pPr algn="ctr"/>
             <a:r>
-              <a:rPr lang="zh-CN" altLang="en-US" sz="1200"/>
-              <a:t>组件化</a:t>
-            </a:r>
-            <a:endParaRPr lang="zh-CN" altLang="en-US" sz="1200"/>
-          </a:p>
-        </p:txBody>
-      </p:sp>
-      <p:sp>
-        <p:nvSpPr>
-          <p:cNvPr id="38" name="矩形 37"/>
+              <a:rPr lang="en-US" altLang="zh-CN" sz="1200"/>
+              <a:t>MV“C”</a:t>
+            </a:r>
+            <a:endParaRPr lang="en-US" altLang="zh-CN" sz="1200"/>
+          </a:p>
+        </p:txBody>
+      </p:sp>
+      <p:sp>
+        <p:nvSpPr>
+          <p:cNvPr id="31" name="矩形 30"/>
           <p:cNvSpPr/>
           <p:nvPr/>
         </p:nvSpPr>
         <p:spPr>
           <a:xfrm>
-            <a:off x="9436735" y="5092065"/>
-            <a:ext cx="1014095" cy="486410"/>
+            <a:off x="4689475" y="4529455"/>
+            <a:ext cx="844550" cy="502285"/>
           </a:xfrm>
           <a:prstGeom prst="rect">
             <a:avLst/>
           </a:prstGeom>
+          <a:solidFill>
+            <a:srgbClr val="39BAE8"/>
+          </a:solidFill>
+          <a:ln>
+            <a:solidFill>
+              <a:srgbClr val="1F6ED4"/>
+            </a:solidFill>
+          </a:ln>
         </p:spPr>
         <p:style>
           <a:lnRef idx="2">
@@ -12907,41 +13155,39 @@
           </a:fontRef>
         </p:style>
         <p:txBody>
-          <a:bodyPr vertOverflow="overflow" horzOverflow="overflow" vert="horz" wrap="square" numCol="1" spcCol="0" rtlCol="0" fromWordArt="0" anchor="ctr" anchorCtr="0" forceAA="0" compatLnSpc="1">
-            <a:noAutofit/>
-          </a:bodyPr>
-          <a:p>
-            <a:pPr lvl="0" algn="ctr">
-              <a:buClrTx/>
-              <a:buSzTx/>
-              <a:buFontTx/>
-            </a:pPr>
-            <a:r>
-              <a:rPr lang="en-US" altLang="zh-CN" sz="1200">
-                <a:sym typeface="+mn-ea"/>
-              </a:rPr>
-              <a:t>API</a:t>
-            </a:r>
-            <a:endParaRPr lang="en-US" altLang="zh-CN" sz="1200">
-              <a:sym typeface="+mn-ea"/>
-            </a:endParaRPr>
-          </a:p>
-        </p:txBody>
-      </p:sp>
-      <p:sp>
-        <p:nvSpPr>
-          <p:cNvPr id="40" name="矩形 39"/>
+          <a:bodyPr rtlCol="0" anchor="ctr"/>
+          <a:p>
+            <a:pPr algn="ctr"/>
+            <a:r>
+              <a:rPr lang="zh-CN" altLang="en-US" sz="1200"/>
+              <a:t>模板引擎</a:t>
+            </a:r>
+            <a:endParaRPr lang="zh-CN" altLang="en-US" sz="1200"/>
+          </a:p>
+        </p:txBody>
+      </p:sp>
+      <p:sp>
+        <p:nvSpPr>
+          <p:cNvPr id="33" name="矩形 32"/>
           <p:cNvSpPr/>
           <p:nvPr/>
         </p:nvSpPr>
         <p:spPr>
           <a:xfrm>
-            <a:off x="7782560" y="3522980"/>
-            <a:ext cx="1229995" cy="1720215"/>
+            <a:off x="5798820" y="4529455"/>
+            <a:ext cx="844550" cy="502285"/>
           </a:xfrm>
           <a:prstGeom prst="rect">
             <a:avLst/>
           </a:prstGeom>
+          <a:solidFill>
+            <a:srgbClr val="39BAE8"/>
+          </a:solidFill>
+          <a:ln>
+            <a:solidFill>
+              <a:srgbClr val="1F6ED4"/>
+            </a:solidFill>
+          </a:ln>
         </p:spPr>
         <p:style>
           <a:lnRef idx="2">
@@ -12960,35 +13206,39 @@
           </a:fontRef>
         </p:style>
         <p:txBody>
-          <a:bodyPr rtlCol="0" anchor="t" anchorCtr="0"/>
+          <a:bodyPr rtlCol="0" anchor="ctr"/>
           <a:p>
             <a:pPr algn="ctr"/>
             <a:r>
-              <a:rPr lang="en-US" altLang="zh-CN" sz="1400"/>
-              <a:t>Lib</a:t>
-            </a:r>
-            <a:endParaRPr lang="zh-CN" altLang="en-US" sz="1400"/>
-          </a:p>
-          <a:p>
-            <a:pPr algn="ctr"/>
-            <a:endParaRPr lang="en-US" altLang="zh-CN" sz="1000"/>
-          </a:p>
-        </p:txBody>
-      </p:sp>
-      <p:sp>
-        <p:nvSpPr>
-          <p:cNvPr id="41" name="矩形 40"/>
+              <a:rPr lang="zh-CN" altLang="en-US" sz="1200"/>
+              <a:t>数据绑定</a:t>
+            </a:r>
+            <a:endParaRPr lang="zh-CN" altLang="en-US" sz="1200"/>
+          </a:p>
+        </p:txBody>
+      </p:sp>
+      <p:sp>
+        <p:nvSpPr>
+          <p:cNvPr id="34" name="矩形 33"/>
           <p:cNvSpPr/>
           <p:nvPr/>
         </p:nvSpPr>
         <p:spPr>
           <a:xfrm>
-            <a:off x="7974965" y="3911600"/>
+            <a:off x="6908165" y="4529455"/>
             <a:ext cx="844550" cy="502285"/>
           </a:xfrm>
           <a:prstGeom prst="rect">
             <a:avLst/>
           </a:prstGeom>
+          <a:solidFill>
+            <a:srgbClr val="39BAE8"/>
+          </a:solidFill>
+          <a:ln>
+            <a:solidFill>
+              <a:srgbClr val="1F6ED4"/>
+            </a:solidFill>
+          </a:ln>
         </p:spPr>
         <p:style>
           <a:lnRef idx="2">
@@ -13011,35 +13261,35 @@
           <a:p>
             <a:pPr algn="ctr"/>
             <a:r>
-              <a:rPr lang="en-US" altLang="zh-CN" sz="1200"/>
-              <a:t>HTTP</a:t>
-            </a:r>
-            <a:endParaRPr lang="en-US" altLang="zh-CN" sz="1200"/>
-          </a:p>
-          <a:p>
-            <a:pPr algn="ctr"/>
-            <a:r>
-              <a:rPr lang="en-US" altLang="zh-CN" sz="1200"/>
-              <a:t>axios.js</a:t>
-            </a:r>
-            <a:endParaRPr lang="en-US" altLang="zh-CN" sz="1200"/>
-          </a:p>
-        </p:txBody>
-      </p:sp>
-      <p:sp>
-        <p:nvSpPr>
-          <p:cNvPr id="42" name="矩形 41"/>
+              <a:rPr lang="zh-CN" altLang="en-US" sz="1200"/>
+              <a:t>事件绑定</a:t>
+            </a:r>
+            <a:endParaRPr lang="zh-CN" altLang="en-US" sz="1200"/>
+          </a:p>
+        </p:txBody>
+      </p:sp>
+      <p:sp>
+        <p:nvSpPr>
+          <p:cNvPr id="35" name="矩形 34"/>
           <p:cNvSpPr/>
           <p:nvPr/>
         </p:nvSpPr>
         <p:spPr>
           <a:xfrm>
-            <a:off x="7974965" y="4589780"/>
-            <a:ext cx="844550" cy="502285"/>
+            <a:off x="2333625" y="4529455"/>
+            <a:ext cx="1177290" cy="502285"/>
           </a:xfrm>
           <a:prstGeom prst="rect">
             <a:avLst/>
           </a:prstGeom>
+          <a:solidFill>
+            <a:srgbClr val="39BAE8"/>
+          </a:solidFill>
+          <a:ln>
+            <a:solidFill>
+              <a:srgbClr val="1F6ED4"/>
+            </a:solidFill>
+          </a:ln>
         </p:spPr>
         <p:style>
           <a:lnRef idx="2">
@@ -13063,34 +13313,34 @@
             <a:pPr algn="ctr"/>
             <a:r>
               <a:rPr lang="zh-CN" altLang="en-US" sz="1200"/>
-              <a:t>工具库</a:t>
-            </a:r>
-            <a:endParaRPr lang="en-US" altLang="zh-CN" sz="1200"/>
-          </a:p>
-          <a:p>
-            <a:pPr algn="ctr"/>
-            <a:r>
-              <a:rPr lang="en-US" altLang="zh-CN" sz="1200"/>
-              <a:t>Lodash</a:t>
-            </a:r>
-            <a:endParaRPr lang="en-US" altLang="zh-CN" sz="1200"/>
-          </a:p>
-        </p:txBody>
-      </p:sp>
-      <p:sp>
-        <p:nvSpPr>
-          <p:cNvPr id="43" name="矩形 42"/>
+              <a:t>组件化</a:t>
+            </a:r>
+            <a:endParaRPr lang="zh-CN" altLang="en-US" sz="1200"/>
+          </a:p>
+        </p:txBody>
+      </p:sp>
+      <p:sp>
+        <p:nvSpPr>
+          <p:cNvPr id="38" name="矩形 37"/>
           <p:cNvSpPr/>
           <p:nvPr/>
         </p:nvSpPr>
         <p:spPr>
           <a:xfrm>
-            <a:off x="757555" y="2463165"/>
-            <a:ext cx="3047365" cy="801370"/>
+            <a:off x="9911715" y="4967605"/>
+            <a:ext cx="1014095" cy="486410"/>
           </a:xfrm>
           <a:prstGeom prst="rect">
             <a:avLst/>
           </a:prstGeom>
+          <a:solidFill>
+            <a:srgbClr val="39BAE8"/>
+          </a:solidFill>
+          <a:ln>
+            <a:solidFill>
+              <a:srgbClr val="1F6ED4"/>
+            </a:solidFill>
+          </a:ln>
         </p:spPr>
         <p:style>
           <a:lnRef idx="2">
@@ -13109,39 +13359,49 @@
           </a:fontRef>
         </p:style>
         <p:txBody>
-          <a:bodyPr rtlCol="0" anchor="ctr"/>
-          <a:p>
-            <a:pPr algn="l"/>
-            <a:r>
-              <a:rPr lang="zh-CN" altLang="en-US" sz="1400"/>
-              <a:t>业务组件库</a:t>
-            </a:r>
-            <a:endParaRPr lang="zh-CN" altLang="en-US" sz="1400"/>
-          </a:p>
-          <a:p>
-            <a:pPr algn="l"/>
-            <a:r>
-              <a:rPr lang="en-US" altLang="zh-CN" sz="1200"/>
-              <a:t>hui</a:t>
-            </a:r>
-            <a:endParaRPr lang="en-US" altLang="zh-CN" sz="1200"/>
-          </a:p>
-        </p:txBody>
-      </p:sp>
-      <p:sp>
-        <p:nvSpPr>
-          <p:cNvPr id="44" name="矩形 43"/>
+          <a:bodyPr vertOverflow="overflow" horzOverflow="overflow" vert="horz" wrap="square" numCol="1" spcCol="0" rtlCol="0" fromWordArt="0" anchor="ctr" anchorCtr="0" forceAA="0" compatLnSpc="1">
+            <a:noAutofit/>
+          </a:bodyPr>
+          <a:p>
+            <a:pPr lvl="0" algn="ctr">
+              <a:buClrTx/>
+              <a:buSzTx/>
+              <a:buFontTx/>
+            </a:pPr>
+            <a:r>
+              <a:rPr lang="en-US" altLang="zh-CN" sz="1200">
+                <a:sym typeface="+mn-ea"/>
+              </a:rPr>
+              <a:t>API</a:t>
+            </a:r>
+            <a:endParaRPr lang="en-US" altLang="zh-CN" sz="1200">
+              <a:sym typeface="+mn-ea"/>
+            </a:endParaRPr>
+          </a:p>
+        </p:txBody>
+      </p:sp>
+      <p:sp>
+        <p:nvSpPr>
+          <p:cNvPr id="40" name="矩形 39"/>
           <p:cNvSpPr/>
           <p:nvPr/>
         </p:nvSpPr>
         <p:spPr>
           <a:xfrm>
-            <a:off x="1873250" y="2616200"/>
-            <a:ext cx="748030" cy="502285"/>
+            <a:off x="8257540" y="3398520"/>
+            <a:ext cx="1229995" cy="1720215"/>
           </a:xfrm>
           <a:prstGeom prst="rect">
             <a:avLst/>
           </a:prstGeom>
+          <a:solidFill>
+            <a:srgbClr val="39BAE8"/>
+          </a:solidFill>
+          <a:ln>
+            <a:solidFill>
+              <a:srgbClr val="1F6ED4"/>
+            </a:solidFill>
+          </a:ln>
         </p:spPr>
         <p:style>
           <a:lnRef idx="2">
@@ -13160,31 +13420,43 @@
           </a:fontRef>
         </p:style>
         <p:txBody>
-          <a:bodyPr rtlCol="0" anchor="ctr"/>
+          <a:bodyPr rtlCol="0" anchor="t" anchorCtr="0"/>
           <a:p>
             <a:pPr algn="ctr"/>
             <a:r>
-              <a:rPr lang="en-US" altLang="zh-CN" sz="1200"/>
-              <a:t>HButton</a:t>
-            </a:r>
-            <a:endParaRPr lang="en-US" altLang="zh-CN" sz="1200"/>
-          </a:p>
-        </p:txBody>
-      </p:sp>
-      <p:sp>
-        <p:nvSpPr>
-          <p:cNvPr id="46" name="矩形 45"/>
+              <a:rPr lang="en-US" altLang="zh-CN" sz="1400"/>
+              <a:t>Lib</a:t>
+            </a:r>
+            <a:endParaRPr lang="zh-CN" altLang="en-US" sz="1400"/>
+          </a:p>
+          <a:p>
+            <a:pPr algn="ctr"/>
+            <a:endParaRPr lang="en-US" altLang="zh-CN" sz="1000"/>
+          </a:p>
+        </p:txBody>
+      </p:sp>
+      <p:sp>
+        <p:nvSpPr>
+          <p:cNvPr id="41" name="矩形 40"/>
           <p:cNvSpPr/>
           <p:nvPr/>
         </p:nvSpPr>
         <p:spPr>
           <a:xfrm>
-            <a:off x="2787650" y="2616200"/>
-            <a:ext cx="815340" cy="502285"/>
+            <a:off x="8449945" y="3787140"/>
+            <a:ext cx="844550" cy="502285"/>
           </a:xfrm>
           <a:prstGeom prst="rect">
             <a:avLst/>
           </a:prstGeom>
+          <a:solidFill>
+            <a:srgbClr val="39BAE8"/>
+          </a:solidFill>
+          <a:ln>
+            <a:solidFill>
+              <a:srgbClr val="1F6ED4"/>
+            </a:solidFill>
+          </a:ln>
         </p:spPr>
         <p:style>
           <a:lnRef idx="2">
@@ -13208,26 +13480,42 @@
             <a:pPr algn="ctr"/>
             <a:r>
               <a:rPr lang="en-US" altLang="zh-CN" sz="1200"/>
-              <a:t>Menu</a:t>
+              <a:t>HTTP</a:t>
             </a:r>
             <a:endParaRPr lang="en-US" altLang="zh-CN" sz="1200"/>
           </a:p>
-        </p:txBody>
-      </p:sp>
-      <p:sp>
-        <p:nvSpPr>
-          <p:cNvPr id="48" name="矩形 47"/>
+          <a:p>
+            <a:pPr algn="ctr"/>
+            <a:r>
+              <a:rPr lang="en-US" altLang="zh-CN" sz="1200"/>
+              <a:t>axios.js</a:t>
+            </a:r>
+            <a:endParaRPr lang="en-US" altLang="zh-CN" sz="1200"/>
+          </a:p>
+        </p:txBody>
+      </p:sp>
+      <p:sp>
+        <p:nvSpPr>
+          <p:cNvPr id="42" name="矩形 41"/>
           <p:cNvSpPr/>
           <p:nvPr/>
         </p:nvSpPr>
         <p:spPr>
           <a:xfrm>
-            <a:off x="3953510" y="2463165"/>
-            <a:ext cx="5059045" cy="801370"/>
+            <a:off x="8449945" y="4465320"/>
+            <a:ext cx="844550" cy="502285"/>
           </a:xfrm>
           <a:prstGeom prst="rect">
             <a:avLst/>
           </a:prstGeom>
+          <a:solidFill>
+            <a:srgbClr val="39BAE8"/>
+          </a:solidFill>
+          <a:ln>
+            <a:solidFill>
+              <a:srgbClr val="1F6ED4"/>
+            </a:solidFill>
+          </a:ln>
         </p:spPr>
         <p:style>
           <a:lnRef idx="2">
@@ -13248,37 +13536,45 @@
         <p:txBody>
           <a:bodyPr rtlCol="0" anchor="ctr"/>
           <a:p>
-            <a:pPr algn="l"/>
-            <a:r>
-              <a:rPr lang="zh-CN" altLang="en-US" sz="1400"/>
-              <a:t>模板库</a:t>
-            </a:r>
-            <a:endParaRPr lang="zh-CN" altLang="en-US" sz="1400"/>
-          </a:p>
-          <a:p>
-            <a:pPr algn="l"/>
-            <a:r>
-              <a:rPr lang="zh-CN" altLang="en-US" sz="1000"/>
-              <a:t>卡片库</a:t>
-            </a:r>
-            <a:endParaRPr lang="zh-CN" altLang="en-US" sz="1000"/>
-          </a:p>
-        </p:txBody>
-      </p:sp>
-      <p:sp>
-        <p:nvSpPr>
-          <p:cNvPr id="49" name="矩形 48"/>
+            <a:pPr algn="ctr"/>
+            <a:r>
+              <a:rPr lang="zh-CN" altLang="en-US" sz="1200"/>
+              <a:t>工具库</a:t>
+            </a:r>
+            <a:endParaRPr lang="en-US" altLang="zh-CN" sz="1200"/>
+          </a:p>
+          <a:p>
+            <a:pPr algn="ctr"/>
+            <a:r>
+              <a:rPr lang="en-US" altLang="zh-CN" sz="1200"/>
+              <a:t>Lodash</a:t>
+            </a:r>
+            <a:endParaRPr lang="en-US" altLang="zh-CN" sz="1200"/>
+          </a:p>
+        </p:txBody>
+      </p:sp>
+      <p:sp>
+        <p:nvSpPr>
+          <p:cNvPr id="43" name="矩形 42"/>
           <p:cNvSpPr/>
           <p:nvPr/>
         </p:nvSpPr>
         <p:spPr>
           <a:xfrm>
-            <a:off x="4735830" y="2616200"/>
-            <a:ext cx="748030" cy="502285"/>
+            <a:off x="1232535" y="2338705"/>
+            <a:ext cx="3047365" cy="801370"/>
           </a:xfrm>
           <a:prstGeom prst="rect">
             <a:avLst/>
           </a:prstGeom>
+          <a:solidFill>
+            <a:srgbClr val="39BAE8"/>
+          </a:solidFill>
+          <a:ln>
+            <a:solidFill>
+              <a:srgbClr val="1F6ED4"/>
+            </a:solidFill>
+          </a:ln>
         </p:spPr>
         <p:style>
           <a:lnRef idx="2">
@@ -13299,10 +13595,18 @@
         <p:txBody>
           <a:bodyPr rtlCol="0" anchor="ctr"/>
           <a:p>
-            <a:pPr algn="ctr"/>
+            <a:pPr algn="l"/>
+            <a:r>
+              <a:rPr lang="zh-CN" altLang="en-US" sz="1400"/>
+              <a:t>业务组件库</a:t>
+            </a:r>
+            <a:endParaRPr lang="zh-CN" altLang="en-US" sz="1400"/>
+          </a:p>
+          <a:p>
+            <a:pPr algn="l"/>
             <a:r>
               <a:rPr lang="en-US" altLang="zh-CN" sz="1200"/>
-              <a:t>Login</a:t>
+              <a:t>hui</a:t>
             </a:r>
             <a:endParaRPr lang="en-US" altLang="zh-CN" sz="1200"/>
           </a:p>
@@ -13310,18 +13614,26 @@
       </p:sp>
       <p:sp>
         <p:nvSpPr>
-          <p:cNvPr id="50" name="矩形 49"/>
+          <p:cNvPr id="44" name="矩形 43"/>
           <p:cNvSpPr/>
           <p:nvPr/>
         </p:nvSpPr>
         <p:spPr>
           <a:xfrm>
-            <a:off x="5650230" y="2616200"/>
-            <a:ext cx="815340" cy="502285"/>
+            <a:off x="2348230" y="2491740"/>
+            <a:ext cx="748030" cy="502285"/>
           </a:xfrm>
           <a:prstGeom prst="rect">
             <a:avLst/>
           </a:prstGeom>
+          <a:solidFill>
+            <a:srgbClr val="39BAE8"/>
+          </a:solidFill>
+          <a:ln>
+            <a:solidFill>
+              <a:srgbClr val="1F6ED4"/>
+            </a:solidFill>
+          </a:ln>
         </p:spPr>
         <p:style>
           <a:lnRef idx="2">
@@ -13345,7 +13657,7 @@
             <a:pPr algn="ctr"/>
             <a:r>
               <a:rPr lang="en-US" altLang="zh-CN" sz="1200"/>
-              <a:t>Sidebar</a:t>
+              <a:t>HButton</a:t>
             </a:r>
             <a:endParaRPr lang="en-US" altLang="zh-CN" sz="1200"/>
           </a:p>
@@ -13353,18 +13665,26 @@
       </p:sp>
       <p:sp>
         <p:nvSpPr>
-          <p:cNvPr id="51" name="矩形 50"/>
+          <p:cNvPr id="46" name="矩形 45"/>
           <p:cNvSpPr/>
           <p:nvPr/>
         </p:nvSpPr>
         <p:spPr>
           <a:xfrm>
-            <a:off x="6659880" y="2616200"/>
-            <a:ext cx="906145" cy="502285"/>
+            <a:off x="3262630" y="2491740"/>
+            <a:ext cx="815340" cy="502285"/>
           </a:xfrm>
           <a:prstGeom prst="rect">
             <a:avLst/>
           </a:prstGeom>
+          <a:solidFill>
+            <a:srgbClr val="39BAE8"/>
+          </a:solidFill>
+          <a:ln>
+            <a:solidFill>
+              <a:srgbClr val="1F6ED4"/>
+            </a:solidFill>
+          </a:ln>
         </p:spPr>
         <p:style>
           <a:lnRef idx="2">
@@ -13388,7 +13708,7 @@
             <a:pPr algn="ctr"/>
             <a:r>
               <a:rPr lang="en-US" altLang="zh-CN" sz="1200"/>
-              <a:t>DataTable</a:t>
+              <a:t>Menu</a:t>
             </a:r>
             <a:endParaRPr lang="en-US" altLang="zh-CN" sz="1200"/>
           </a:p>
@@ -13396,18 +13716,26 @@
       </p:sp>
       <p:sp>
         <p:nvSpPr>
-          <p:cNvPr id="56" name="矩形 55"/>
+          <p:cNvPr id="48" name="矩形 47"/>
           <p:cNvSpPr/>
           <p:nvPr/>
         </p:nvSpPr>
         <p:spPr>
           <a:xfrm>
-            <a:off x="7793355" y="2616200"/>
-            <a:ext cx="906145" cy="502285"/>
+            <a:off x="4428490" y="2338705"/>
+            <a:ext cx="5059045" cy="801370"/>
           </a:xfrm>
           <a:prstGeom prst="rect">
             <a:avLst/>
           </a:prstGeom>
+          <a:solidFill>
+            <a:srgbClr val="39BAE8"/>
+          </a:solidFill>
+          <a:ln>
+            <a:solidFill>
+              <a:srgbClr val="1F6ED4"/>
+            </a:solidFill>
+          </a:ln>
         </p:spPr>
         <p:style>
           <a:lnRef idx="2">
@@ -13428,29 +13756,45 @@
         <p:txBody>
           <a:bodyPr rtlCol="0" anchor="ctr"/>
           <a:p>
-            <a:pPr algn="ctr"/>
-            <a:r>
-              <a:rPr lang="en-US" altLang="zh-CN" sz="1200"/>
-              <a:t>Layout</a:t>
-            </a:r>
-            <a:endParaRPr lang="en-US" altLang="zh-CN" sz="1200"/>
-          </a:p>
-        </p:txBody>
-      </p:sp>
-      <p:sp>
-        <p:nvSpPr>
-          <p:cNvPr id="57" name="矩形 56"/>
+            <a:pPr algn="l"/>
+            <a:r>
+              <a:rPr lang="zh-CN" altLang="en-US" sz="1400"/>
+              <a:t>模板库</a:t>
+            </a:r>
+            <a:endParaRPr lang="zh-CN" altLang="en-US" sz="1400"/>
+          </a:p>
+          <a:p>
+            <a:pPr algn="l"/>
+            <a:r>
+              <a:rPr lang="zh-CN" altLang="en-US" sz="1000"/>
+              <a:t>卡片库</a:t>
+            </a:r>
+            <a:endParaRPr lang="zh-CN" altLang="en-US" sz="1000"/>
+          </a:p>
+        </p:txBody>
+      </p:sp>
+      <p:sp>
+        <p:nvSpPr>
+          <p:cNvPr id="49" name="矩形 48"/>
           <p:cNvSpPr/>
           <p:nvPr/>
         </p:nvSpPr>
         <p:spPr>
           <a:xfrm>
-            <a:off x="758190" y="1327150"/>
-            <a:ext cx="9841865" cy="929005"/>
+            <a:off x="5210810" y="2491740"/>
+            <a:ext cx="748030" cy="502285"/>
           </a:xfrm>
           <a:prstGeom prst="rect">
             <a:avLst/>
           </a:prstGeom>
+          <a:solidFill>
+            <a:srgbClr val="39BAE8"/>
+          </a:solidFill>
+          <a:ln>
+            <a:solidFill>
+              <a:srgbClr val="1F6ED4"/>
+            </a:solidFill>
+          </a:ln>
         </p:spPr>
         <p:style>
           <a:lnRef idx="2">
@@ -13473,6 +13817,210 @@
           <a:p>
             <a:pPr algn="ctr"/>
             <a:r>
+              <a:rPr lang="en-US" altLang="zh-CN" sz="1200"/>
+              <a:t>Login</a:t>
+            </a:r>
+            <a:endParaRPr lang="en-US" altLang="zh-CN" sz="1200"/>
+          </a:p>
+        </p:txBody>
+      </p:sp>
+      <p:sp>
+        <p:nvSpPr>
+          <p:cNvPr id="50" name="矩形 49"/>
+          <p:cNvSpPr/>
+          <p:nvPr/>
+        </p:nvSpPr>
+        <p:spPr>
+          <a:xfrm>
+            <a:off x="6125210" y="2491740"/>
+            <a:ext cx="815340" cy="502285"/>
+          </a:xfrm>
+          <a:prstGeom prst="rect">
+            <a:avLst/>
+          </a:prstGeom>
+          <a:solidFill>
+            <a:srgbClr val="39BAE8"/>
+          </a:solidFill>
+          <a:ln>
+            <a:solidFill>
+              <a:srgbClr val="1F6ED4"/>
+            </a:solidFill>
+          </a:ln>
+        </p:spPr>
+        <p:style>
+          <a:lnRef idx="2">
+            <a:schemeClr val="accent1">
+              <a:shade val="50000"/>
+            </a:schemeClr>
+          </a:lnRef>
+          <a:fillRef idx="1">
+            <a:schemeClr val="accent1"/>
+          </a:fillRef>
+          <a:effectRef idx="0">
+            <a:schemeClr val="accent1"/>
+          </a:effectRef>
+          <a:fontRef idx="minor">
+            <a:schemeClr val="lt1"/>
+          </a:fontRef>
+        </p:style>
+        <p:txBody>
+          <a:bodyPr rtlCol="0" anchor="ctr"/>
+          <a:p>
+            <a:pPr algn="ctr"/>
+            <a:r>
+              <a:rPr lang="en-US" altLang="zh-CN" sz="1200"/>
+              <a:t>Sidebar</a:t>
+            </a:r>
+            <a:endParaRPr lang="en-US" altLang="zh-CN" sz="1200"/>
+          </a:p>
+        </p:txBody>
+      </p:sp>
+      <p:sp>
+        <p:nvSpPr>
+          <p:cNvPr id="51" name="矩形 50"/>
+          <p:cNvSpPr/>
+          <p:nvPr/>
+        </p:nvSpPr>
+        <p:spPr>
+          <a:xfrm>
+            <a:off x="7134860" y="2491740"/>
+            <a:ext cx="906145" cy="502285"/>
+          </a:xfrm>
+          <a:prstGeom prst="rect">
+            <a:avLst/>
+          </a:prstGeom>
+          <a:solidFill>
+            <a:srgbClr val="39BAE8"/>
+          </a:solidFill>
+          <a:ln>
+            <a:solidFill>
+              <a:srgbClr val="1F6ED4"/>
+            </a:solidFill>
+          </a:ln>
+        </p:spPr>
+        <p:style>
+          <a:lnRef idx="2">
+            <a:schemeClr val="accent1">
+              <a:shade val="50000"/>
+            </a:schemeClr>
+          </a:lnRef>
+          <a:fillRef idx="1">
+            <a:schemeClr val="accent1"/>
+          </a:fillRef>
+          <a:effectRef idx="0">
+            <a:schemeClr val="accent1"/>
+          </a:effectRef>
+          <a:fontRef idx="minor">
+            <a:schemeClr val="lt1"/>
+          </a:fontRef>
+        </p:style>
+        <p:txBody>
+          <a:bodyPr rtlCol="0" anchor="ctr"/>
+          <a:p>
+            <a:pPr algn="ctr"/>
+            <a:r>
+              <a:rPr lang="en-US" altLang="zh-CN" sz="1200"/>
+              <a:t>DataTable</a:t>
+            </a:r>
+            <a:endParaRPr lang="en-US" altLang="zh-CN" sz="1200"/>
+          </a:p>
+        </p:txBody>
+      </p:sp>
+      <p:sp>
+        <p:nvSpPr>
+          <p:cNvPr id="56" name="矩形 55"/>
+          <p:cNvSpPr/>
+          <p:nvPr/>
+        </p:nvSpPr>
+        <p:spPr>
+          <a:xfrm>
+            <a:off x="8268335" y="2491740"/>
+            <a:ext cx="906145" cy="502285"/>
+          </a:xfrm>
+          <a:prstGeom prst="rect">
+            <a:avLst/>
+          </a:prstGeom>
+          <a:solidFill>
+            <a:srgbClr val="39BAE8"/>
+          </a:solidFill>
+          <a:ln>
+            <a:solidFill>
+              <a:srgbClr val="1F6ED4"/>
+            </a:solidFill>
+          </a:ln>
+        </p:spPr>
+        <p:style>
+          <a:lnRef idx="2">
+            <a:schemeClr val="accent1">
+              <a:shade val="50000"/>
+            </a:schemeClr>
+          </a:lnRef>
+          <a:fillRef idx="1">
+            <a:schemeClr val="accent1"/>
+          </a:fillRef>
+          <a:effectRef idx="0">
+            <a:schemeClr val="accent1"/>
+          </a:effectRef>
+          <a:fontRef idx="minor">
+            <a:schemeClr val="lt1"/>
+          </a:fontRef>
+        </p:style>
+        <p:txBody>
+          <a:bodyPr rtlCol="0" anchor="ctr"/>
+          <a:p>
+            <a:pPr algn="ctr"/>
+            <a:r>
+              <a:rPr lang="en-US" altLang="zh-CN" sz="1200"/>
+              <a:t>Layout</a:t>
+            </a:r>
+            <a:endParaRPr lang="en-US" altLang="zh-CN" sz="1200"/>
+          </a:p>
+        </p:txBody>
+      </p:sp>
+      <p:sp>
+        <p:nvSpPr>
+          <p:cNvPr id="57" name="矩形 56"/>
+          <p:cNvSpPr/>
+          <p:nvPr/>
+        </p:nvSpPr>
+        <p:spPr>
+          <a:xfrm>
+            <a:off x="1233170" y="1327150"/>
+            <a:ext cx="9841865" cy="747395"/>
+          </a:xfrm>
+          <a:prstGeom prst="rect">
+            <a:avLst/>
+          </a:prstGeom>
+          <a:solidFill>
+            <a:srgbClr val="39BAE8"/>
+          </a:solidFill>
+          <a:ln>
+            <a:solidFill>
+              <a:srgbClr val="1F6ED4"/>
+            </a:solidFill>
+          </a:ln>
+        </p:spPr>
+        <p:style>
+          <a:lnRef idx="2">
+            <a:schemeClr val="accent1">
+              <a:shade val="50000"/>
+            </a:schemeClr>
+          </a:lnRef>
+          <a:fillRef idx="1">
+            <a:schemeClr val="accent1"/>
+          </a:fillRef>
+          <a:effectRef idx="0">
+            <a:schemeClr val="accent1"/>
+          </a:effectRef>
+          <a:fontRef idx="minor">
+            <a:schemeClr val="lt1"/>
+          </a:fontRef>
+        </p:style>
+        <p:txBody>
+          <a:bodyPr rtlCol="0" anchor="ctr"/>
+          <a:p>
+            <a:pPr algn="ctr"/>
+            <a:r>
               <a:rPr lang="zh-CN" altLang="en-US" sz="1600"/>
               <a:t>业务开发</a:t>
             </a:r>
@@ -13491,7 +14039,7 @@
 </p:sld>
 </file>
 
-<file path=ppt/slides/slide3.xml><?xml version="1.0" encoding="utf-8"?>
+<file path=ppt/slides/slide4.xml><?xml version="1.0" encoding="utf-8"?>
 <p:sld xmlns:a="http://schemas.openxmlformats.org/drawingml/2006/main" xmlns:r="http://schemas.openxmlformats.org/officeDocument/2006/relationships" xmlns:p="http://schemas.openxmlformats.org/presentationml/2006/main">
   <p:cSld>
     <p:spTree>
@@ -14163,6 +14711,7 @@
   <p:tag name="KSO_WM_SLIDE_LAYOUT_CNT" val="1_1_1"/>
   <p:tag name="KSO_WM_TEMPLATE_MASTER_THUMB_INDEX" val="12"/>
   <p:tag name="KSO_WM_TEMPLATE_THUMBS_INDEX" val="1、4、7、8、10、11、12、13、15"/>
+  <p:tag name="KSO_WM_SPECIAL_SOURCE" val="bdnull"/>
 </p:tagLst>
 </file>
 
@@ -14171,20 +14720,37 @@
   <p:tag name="KSO_WM_BEAUTIFY_FLAG" val="#wm#"/>
   <p:tag name="KSO_WM_TEMPLATE_CATEGORY" val="custom"/>
   <p:tag name="KSO_WM_TEMPLATE_INDEX" val="20206915"/>
+  <p:tag name="KSO_WM_SPECIAL_SOURCE" val="bdnull"/>
 </p:tagLst>
 </file>
 
 <file path=ppt/tags/tag134.xml><?xml version="1.0" encoding="utf-8"?>
-<p:tagLst xmlns:p="http://schemas.openxmlformats.org/presentationml/2006/main">
-  <p:tag name="KSO_WM_UNIT_PLACING_PICTURE_USER_VIEWPORT" val="{&quot;height&quot;:4778,&quot;width&quot;:4193}"/>
-</p:tagLst>
-</file>
-
-<file path=ppt/tags/tag135.xml><?xml version="1.0" encoding="utf-8"?>
 <p:tagLst xmlns:p="http://schemas.openxmlformats.org/presentationml/2006/main">
   <p:tag name="KSO_WM_BEAUTIFY_FLAG" val="#wm#"/>
   <p:tag name="KSO_WM_TEMPLATE_CATEGORY" val="custom"/>
   <p:tag name="KSO_WM_TEMPLATE_INDEX" val="20206915"/>
+  <p:tag name="KSO_WM_SPECIAL_SOURCE" val="bdnull"/>
+</p:tagLst>
+</file>
+
+<file path=ppt/tags/tag135.xml><?xml version="1.0" encoding="utf-8"?>
+<p:tagLst xmlns:p="http://schemas.openxmlformats.org/presentationml/2006/main">
+  <p:tag name="KSO_WM_UNIT_PLACING_PICTURE_USER_VIEWPORT" val="{&quot;height&quot;:4778,&quot;width&quot;:4193}"/>
+</p:tagLst>
+</file>
+
+<file path=ppt/tags/tag136.xml><?xml version="1.0" encoding="utf-8"?>
+<p:tagLst xmlns:p="http://schemas.openxmlformats.org/presentationml/2006/main">
+  <p:tag name="KSO_WM_BEAUTIFY_FLAG" val="#wm#"/>
+  <p:tag name="KSO_WM_TEMPLATE_CATEGORY" val="custom"/>
+  <p:tag name="KSO_WM_TEMPLATE_INDEX" val="20206915"/>
+  <p:tag name="KSO_WM_SPECIAL_SOURCE" val="bdnull"/>
+</p:tagLst>
+</file>
+
+<file path=ppt/tags/tag137.xml><?xml version="1.0" encoding="utf-8"?>
+<p:tagLst xmlns:p="http://schemas.openxmlformats.org/presentationml/2006/main">
+  <p:tag name="KSO_DOCER_TEMPLATE_OPEN_ONCE_MARK" val="1"/>
 </p:tagLst>
 </file>
 

--- a/docs/.vuepress/public/前端.pptx
+++ b/docs/.vuepress/public/前端.pptx
@@ -9,12 +9,14 @@
     <p:sldId id="257" r:id="rId4"/>
     <p:sldId id="258" r:id="rId5"/>
     <p:sldId id="260" r:id="rId6"/>
-    <p:sldId id="259" r:id="rId7"/>
+    <p:sldId id="262" r:id="rId7"/>
+    <p:sldId id="263" r:id="rId8"/>
+    <p:sldId id="259" r:id="rId9"/>
   </p:sldIdLst>
   <p:sldSz cx="12192000" cy="6858000"/>
   <p:notesSz cx="6858000" cy="9144000"/>
   <p:custDataLst>
-    <p:tags r:id="rId11"/>
+    <p:tags r:id="rId13"/>
   </p:custDataLst>
   <p:defaultTextStyle>
     <a:defPPr>
@@ -14040,6 +14042,1775 @@
 </file>
 
 <file path=ppt/slides/slide4.xml><?xml version="1.0" encoding="utf-8"?>
+<p:sld xmlns:a="http://schemas.openxmlformats.org/drawingml/2006/main" xmlns:r="http://schemas.openxmlformats.org/officeDocument/2006/relationships" xmlns:p="http://schemas.openxmlformats.org/presentationml/2006/main">
+  <p:cSld>
+    <p:spTree>
+      <p:nvGrpSpPr>
+        <p:cNvPr id="1" name=""/>
+        <p:cNvGrpSpPr/>
+        <p:nvPr/>
+      </p:nvGrpSpPr>
+      <p:grpSpPr/>
+      <p:sp>
+        <p:nvSpPr>
+          <p:cNvPr id="2" name="标题 1"/>
+          <p:cNvSpPr>
+            <a:spLocks noGrp="1"/>
+          </p:cNvSpPr>
+          <p:nvPr>
+            <p:ph type="title"/>
+          </p:nvPr>
+        </p:nvSpPr>
+        <p:spPr/>
+        <p:txBody>
+          <a:bodyPr/>
+          <a:p>
+            <a:r>
+              <a:rPr lang="zh-CN" altLang="en-US"/>
+              <a:t>登录</a:t>
+            </a:r>
+            <a:endParaRPr lang="zh-CN" altLang="en-US"/>
+          </a:p>
+        </p:txBody>
+      </p:sp>
+      <p:sp>
+        <p:nvSpPr>
+          <p:cNvPr id="4" name="流程图: 准备 3"/>
+          <p:cNvSpPr/>
+          <p:nvPr/>
+        </p:nvSpPr>
+        <p:spPr>
+          <a:xfrm>
+            <a:off x="5156835" y="1118235"/>
+            <a:ext cx="950595" cy="360045"/>
+          </a:xfrm>
+          <a:prstGeom prst="flowChartPreparation">
+            <a:avLst/>
+          </a:prstGeom>
+          <a:solidFill>
+            <a:srgbClr val="39BAE8"/>
+          </a:solidFill>
+        </p:spPr>
+        <p:style>
+          <a:lnRef idx="2">
+            <a:schemeClr val="accent1">
+              <a:shade val="50000"/>
+            </a:schemeClr>
+          </a:lnRef>
+          <a:fillRef idx="1">
+            <a:schemeClr val="accent1"/>
+          </a:fillRef>
+          <a:effectRef idx="0">
+            <a:schemeClr val="accent1"/>
+          </a:effectRef>
+          <a:fontRef idx="minor">
+            <a:schemeClr val="lt1"/>
+          </a:fontRef>
+        </p:style>
+        <p:txBody>
+          <a:bodyPr rtlCol="0" anchor="ctr"/>
+          <a:p>
+            <a:pPr algn="ctr"/>
+            <a:r>
+              <a:rPr lang="zh-CN" altLang="en-US" sz="1200"/>
+              <a:t>开始</a:t>
+            </a:r>
+            <a:endParaRPr lang="zh-CN" altLang="en-US" sz="1200"/>
+          </a:p>
+        </p:txBody>
+      </p:sp>
+      <p:sp>
+        <p:nvSpPr>
+          <p:cNvPr id="5" name="流程图: 过程 4"/>
+          <p:cNvSpPr/>
+          <p:nvPr/>
+        </p:nvSpPr>
+        <p:spPr>
+          <a:xfrm>
+            <a:off x="4944745" y="1990090"/>
+            <a:ext cx="1387475" cy="474980"/>
+          </a:xfrm>
+          <a:prstGeom prst="flowChartProcess">
+            <a:avLst/>
+          </a:prstGeom>
+          <a:solidFill>
+            <a:srgbClr val="39BAE8"/>
+          </a:solidFill>
+        </p:spPr>
+        <p:style>
+          <a:lnRef idx="2">
+            <a:schemeClr val="accent1">
+              <a:shade val="50000"/>
+            </a:schemeClr>
+          </a:lnRef>
+          <a:fillRef idx="1">
+            <a:schemeClr val="accent1"/>
+          </a:fillRef>
+          <a:effectRef idx="0">
+            <a:schemeClr val="accent1"/>
+          </a:effectRef>
+          <a:fontRef idx="minor">
+            <a:schemeClr val="lt1"/>
+          </a:fontRef>
+        </p:style>
+        <p:txBody>
+          <a:bodyPr rtlCol="0" anchor="ctr"/>
+          <a:p>
+            <a:pPr algn="ctr"/>
+            <a:r>
+              <a:rPr lang="zh-CN" altLang="en-US" sz="1400"/>
+              <a:t>输入账号</a:t>
+            </a:r>
+            <a:endParaRPr lang="zh-CN" altLang="en-US" sz="1400"/>
+          </a:p>
+        </p:txBody>
+      </p:sp>
+      <p:sp>
+        <p:nvSpPr>
+          <p:cNvPr id="6" name="流程图: 过程 5"/>
+          <p:cNvSpPr/>
+          <p:nvPr/>
+        </p:nvSpPr>
+        <p:spPr>
+          <a:xfrm>
+            <a:off x="4944745" y="2976880"/>
+            <a:ext cx="1387475" cy="474980"/>
+          </a:xfrm>
+          <a:prstGeom prst="flowChartProcess">
+            <a:avLst/>
+          </a:prstGeom>
+          <a:solidFill>
+            <a:srgbClr val="39BAE8"/>
+          </a:solidFill>
+        </p:spPr>
+        <p:style>
+          <a:lnRef idx="2">
+            <a:schemeClr val="accent1">
+              <a:shade val="50000"/>
+            </a:schemeClr>
+          </a:lnRef>
+          <a:fillRef idx="1">
+            <a:schemeClr val="accent1"/>
+          </a:fillRef>
+          <a:effectRef idx="0">
+            <a:schemeClr val="accent1"/>
+          </a:effectRef>
+          <a:fontRef idx="minor">
+            <a:schemeClr val="lt1"/>
+          </a:fontRef>
+        </p:style>
+        <p:txBody>
+          <a:bodyPr rtlCol="0" anchor="ctr"/>
+          <a:p>
+            <a:pPr algn="ctr"/>
+            <a:r>
+              <a:rPr lang="zh-CN" altLang="en-US" sz="1400"/>
+              <a:t>发送请求</a:t>
+            </a:r>
+            <a:endParaRPr lang="zh-CN" altLang="en-US" sz="1400"/>
+          </a:p>
+        </p:txBody>
+      </p:sp>
+      <p:sp>
+        <p:nvSpPr>
+          <p:cNvPr id="7" name="流程图: 决策 6"/>
+          <p:cNvSpPr>
+            <a:spLocks noChangeAspect="1"/>
+          </p:cNvSpPr>
+          <p:nvPr/>
+        </p:nvSpPr>
+        <p:spPr>
+          <a:xfrm>
+            <a:off x="5452745" y="3963670"/>
+            <a:ext cx="371475" cy="371475"/>
+          </a:xfrm>
+          <a:prstGeom prst="flowChartDecision">
+            <a:avLst/>
+          </a:prstGeom>
+          <a:solidFill>
+            <a:srgbClr val="39BAE8"/>
+          </a:solidFill>
+        </p:spPr>
+        <p:style>
+          <a:lnRef idx="2">
+            <a:schemeClr val="accent1">
+              <a:shade val="50000"/>
+            </a:schemeClr>
+          </a:lnRef>
+          <a:fillRef idx="1">
+            <a:schemeClr val="accent1"/>
+          </a:fillRef>
+          <a:effectRef idx="0">
+            <a:schemeClr val="accent1"/>
+          </a:effectRef>
+          <a:fontRef idx="minor">
+            <a:schemeClr val="lt1"/>
+          </a:fontRef>
+        </p:style>
+        <p:txBody>
+          <a:bodyPr rtlCol="0" anchor="ctr"/>
+          <a:p>
+            <a:pPr algn="ctr"/>
+            <a:endParaRPr lang="zh-CN" altLang="en-US" sz="1400"/>
+          </a:p>
+        </p:txBody>
+      </p:sp>
+      <p:sp>
+        <p:nvSpPr>
+          <p:cNvPr id="8" name="流程图: 过程 7"/>
+          <p:cNvSpPr/>
+          <p:nvPr/>
+        </p:nvSpPr>
+        <p:spPr>
+          <a:xfrm>
+            <a:off x="4944745" y="4846955"/>
+            <a:ext cx="1387475" cy="474980"/>
+          </a:xfrm>
+          <a:prstGeom prst="flowChartProcess">
+            <a:avLst/>
+          </a:prstGeom>
+          <a:solidFill>
+            <a:srgbClr val="39BAE8"/>
+          </a:solidFill>
+        </p:spPr>
+        <p:style>
+          <a:lnRef idx="2">
+            <a:schemeClr val="accent1">
+              <a:shade val="50000"/>
+            </a:schemeClr>
+          </a:lnRef>
+          <a:fillRef idx="1">
+            <a:schemeClr val="accent1"/>
+          </a:fillRef>
+          <a:effectRef idx="0">
+            <a:schemeClr val="accent1"/>
+          </a:effectRef>
+          <a:fontRef idx="minor">
+            <a:schemeClr val="lt1"/>
+          </a:fontRef>
+        </p:style>
+        <p:txBody>
+          <a:bodyPr rtlCol="0" anchor="ctr"/>
+          <a:p>
+            <a:pPr algn="ctr"/>
+            <a:r>
+              <a:rPr lang="zh-CN" altLang="en-US" sz="1400"/>
+              <a:t>保存用户信息</a:t>
+            </a:r>
+            <a:endParaRPr lang="zh-CN" altLang="en-US" sz="1400"/>
+          </a:p>
+        </p:txBody>
+      </p:sp>
+      <p:cxnSp>
+        <p:nvCxnSpPr>
+          <p:cNvPr id="10" name="肘形连接符 9"/>
+          <p:cNvCxnSpPr>
+            <a:stCxn id="7" idx="3"/>
+            <a:endCxn id="5" idx="3"/>
+          </p:cNvCxnSpPr>
+          <p:nvPr/>
+        </p:nvCxnSpPr>
+        <p:spPr>
+          <a:xfrm flipV="1">
+            <a:off x="5824220" y="2227580"/>
+            <a:ext cx="508000" cy="1922145"/>
+          </a:xfrm>
+          <a:prstGeom prst="bentConnector3">
+            <a:avLst>
+              <a:gd name="adj1" fmla="val 146875"/>
+            </a:avLst>
+          </a:prstGeom>
+          <a:solidFill>
+            <a:srgbClr val="39BAE8"/>
+          </a:solidFill>
+          <a:ln>
+            <a:tailEnd type="arrow"/>
+          </a:ln>
+        </p:spPr>
+        <p:style>
+          <a:lnRef idx="1">
+            <a:schemeClr val="accent1"/>
+          </a:lnRef>
+          <a:fillRef idx="0">
+            <a:schemeClr val="accent1"/>
+          </a:fillRef>
+          <a:effectRef idx="0">
+            <a:schemeClr val="accent1"/>
+          </a:effectRef>
+          <a:fontRef idx="minor">
+            <a:schemeClr val="tx1"/>
+          </a:fontRef>
+        </p:style>
+      </p:cxnSp>
+      <p:cxnSp>
+        <p:nvCxnSpPr>
+          <p:cNvPr id="11" name="直接箭头连接符 10"/>
+          <p:cNvCxnSpPr>
+            <a:stCxn id="4" idx="2"/>
+            <a:endCxn id="5" idx="0"/>
+          </p:cNvCxnSpPr>
+          <p:nvPr/>
+        </p:nvCxnSpPr>
+        <p:spPr>
+          <a:xfrm>
+            <a:off x="5632450" y="1478280"/>
+            <a:ext cx="6350" cy="511810"/>
+          </a:xfrm>
+          <a:prstGeom prst="straightConnector1">
+            <a:avLst/>
+          </a:prstGeom>
+          <a:solidFill>
+            <a:srgbClr val="39BAE8"/>
+          </a:solidFill>
+          <a:ln>
+            <a:tailEnd type="arrow"/>
+          </a:ln>
+        </p:spPr>
+        <p:style>
+          <a:lnRef idx="1">
+            <a:schemeClr val="accent1"/>
+          </a:lnRef>
+          <a:fillRef idx="0">
+            <a:schemeClr val="accent1"/>
+          </a:fillRef>
+          <a:effectRef idx="0">
+            <a:schemeClr val="accent1"/>
+          </a:effectRef>
+          <a:fontRef idx="minor">
+            <a:schemeClr val="tx1"/>
+          </a:fontRef>
+        </p:style>
+      </p:cxnSp>
+      <p:cxnSp>
+        <p:nvCxnSpPr>
+          <p:cNvPr id="12" name="直接箭头连接符 11"/>
+          <p:cNvCxnSpPr>
+            <a:stCxn id="5" idx="2"/>
+            <a:endCxn id="6" idx="0"/>
+          </p:cNvCxnSpPr>
+          <p:nvPr/>
+        </p:nvCxnSpPr>
+        <p:spPr>
+          <a:xfrm>
+            <a:off x="5638800" y="2465070"/>
+            <a:ext cx="0" cy="511810"/>
+          </a:xfrm>
+          <a:prstGeom prst="straightConnector1">
+            <a:avLst/>
+          </a:prstGeom>
+          <a:solidFill>
+            <a:srgbClr val="39BAE8"/>
+          </a:solidFill>
+          <a:ln>
+            <a:tailEnd type="arrow"/>
+          </a:ln>
+        </p:spPr>
+        <p:style>
+          <a:lnRef idx="1">
+            <a:schemeClr val="accent1"/>
+          </a:lnRef>
+          <a:fillRef idx="0">
+            <a:schemeClr val="accent1"/>
+          </a:fillRef>
+          <a:effectRef idx="0">
+            <a:schemeClr val="accent1"/>
+          </a:effectRef>
+          <a:fontRef idx="minor">
+            <a:schemeClr val="tx1"/>
+          </a:fontRef>
+        </p:style>
+      </p:cxnSp>
+      <p:cxnSp>
+        <p:nvCxnSpPr>
+          <p:cNvPr id="13" name="直接箭头连接符 12"/>
+          <p:cNvCxnSpPr>
+            <a:stCxn id="6" idx="2"/>
+            <a:endCxn id="7" idx="0"/>
+          </p:cNvCxnSpPr>
+          <p:nvPr/>
+        </p:nvCxnSpPr>
+        <p:spPr>
+          <a:xfrm>
+            <a:off x="5638800" y="3451860"/>
+            <a:ext cx="0" cy="511810"/>
+          </a:xfrm>
+          <a:prstGeom prst="straightConnector1">
+            <a:avLst/>
+          </a:prstGeom>
+          <a:solidFill>
+            <a:srgbClr val="39BAE8"/>
+          </a:solidFill>
+          <a:ln>
+            <a:tailEnd type="arrow"/>
+          </a:ln>
+        </p:spPr>
+        <p:style>
+          <a:lnRef idx="1">
+            <a:schemeClr val="accent1"/>
+          </a:lnRef>
+          <a:fillRef idx="0">
+            <a:schemeClr val="accent1"/>
+          </a:fillRef>
+          <a:effectRef idx="0">
+            <a:schemeClr val="accent1"/>
+          </a:effectRef>
+          <a:fontRef idx="minor">
+            <a:schemeClr val="tx1"/>
+          </a:fontRef>
+        </p:style>
+      </p:cxnSp>
+      <p:cxnSp>
+        <p:nvCxnSpPr>
+          <p:cNvPr id="14" name="直接箭头连接符 13"/>
+          <p:cNvCxnSpPr>
+            <a:stCxn id="7" idx="2"/>
+            <a:endCxn id="8" idx="0"/>
+          </p:cNvCxnSpPr>
+          <p:nvPr/>
+        </p:nvCxnSpPr>
+        <p:spPr>
+          <a:xfrm>
+            <a:off x="5638800" y="4335145"/>
+            <a:ext cx="0" cy="511810"/>
+          </a:xfrm>
+          <a:prstGeom prst="straightConnector1">
+            <a:avLst/>
+          </a:prstGeom>
+          <a:solidFill>
+            <a:srgbClr val="39BAE8"/>
+          </a:solidFill>
+          <a:ln>
+            <a:tailEnd type="arrow"/>
+          </a:ln>
+        </p:spPr>
+        <p:style>
+          <a:lnRef idx="1">
+            <a:schemeClr val="accent1"/>
+          </a:lnRef>
+          <a:fillRef idx="0">
+            <a:schemeClr val="accent1"/>
+          </a:fillRef>
+          <a:effectRef idx="0">
+            <a:schemeClr val="accent1"/>
+          </a:effectRef>
+          <a:fontRef idx="minor">
+            <a:schemeClr val="tx1"/>
+          </a:fontRef>
+        </p:style>
+      </p:cxnSp>
+      <p:sp>
+        <p:nvSpPr>
+          <p:cNvPr id="15" name="流程图: 过程 14"/>
+          <p:cNvSpPr/>
+          <p:nvPr/>
+        </p:nvSpPr>
+        <p:spPr>
+          <a:xfrm>
+            <a:off x="2836545" y="4427220"/>
+            <a:ext cx="1387475" cy="474980"/>
+          </a:xfrm>
+          <a:prstGeom prst="flowChartProcess">
+            <a:avLst/>
+          </a:prstGeom>
+          <a:solidFill>
+            <a:schemeClr val="bg1">
+              <a:lumMod val="85000"/>
+            </a:schemeClr>
+          </a:solidFill>
+          <a:ln>
+            <a:solidFill>
+              <a:schemeClr val="bg1"/>
+            </a:solidFill>
+          </a:ln>
+        </p:spPr>
+        <p:style>
+          <a:lnRef idx="2">
+            <a:schemeClr val="accent1">
+              <a:shade val="50000"/>
+            </a:schemeClr>
+          </a:lnRef>
+          <a:fillRef idx="1">
+            <a:schemeClr val="accent1"/>
+          </a:fillRef>
+          <a:effectRef idx="0">
+            <a:schemeClr val="accent1"/>
+          </a:effectRef>
+          <a:fontRef idx="minor">
+            <a:schemeClr val="lt1"/>
+          </a:fontRef>
+        </p:style>
+        <p:txBody>
+          <a:bodyPr rtlCol="0" anchor="ctr"/>
+          <a:p>
+            <a:pPr algn="ctr"/>
+            <a:r>
+              <a:rPr lang="zh-CN" altLang="en-US" sz="1200">
+                <a:solidFill>
+                  <a:schemeClr val="tx1">
+                    <a:lumMod val="75000"/>
+                    <a:lumOff val="25000"/>
+                  </a:schemeClr>
+                </a:solidFill>
+              </a:rPr>
+              <a:t>内存：</a:t>
+            </a:r>
+            <a:r>
+              <a:rPr lang="en-US" altLang="zh-CN" sz="1200">
+                <a:solidFill>
+                  <a:schemeClr val="tx1">
+                    <a:lumMod val="75000"/>
+                    <a:lumOff val="25000"/>
+                  </a:schemeClr>
+                </a:solidFill>
+              </a:rPr>
+              <a:t>vuex</a:t>
+            </a:r>
+            <a:endParaRPr lang="en-US" altLang="zh-CN" sz="1200">
+              <a:solidFill>
+                <a:schemeClr val="tx1">
+                  <a:lumMod val="75000"/>
+                  <a:lumOff val="25000"/>
+                </a:schemeClr>
+              </a:solidFill>
+            </a:endParaRPr>
+          </a:p>
+        </p:txBody>
+      </p:sp>
+      <p:sp>
+        <p:nvSpPr>
+          <p:cNvPr id="16" name="流程图: 过程 15"/>
+          <p:cNvSpPr/>
+          <p:nvPr/>
+        </p:nvSpPr>
+        <p:spPr>
+          <a:xfrm>
+            <a:off x="2418715" y="5074285"/>
+            <a:ext cx="1805305" cy="474980"/>
+          </a:xfrm>
+          <a:prstGeom prst="flowChartProcess">
+            <a:avLst/>
+          </a:prstGeom>
+          <a:solidFill>
+            <a:schemeClr val="bg1">
+              <a:lumMod val="85000"/>
+            </a:schemeClr>
+          </a:solidFill>
+          <a:ln>
+            <a:solidFill>
+              <a:schemeClr val="bg1"/>
+            </a:solidFill>
+          </a:ln>
+        </p:spPr>
+        <p:style>
+          <a:lnRef idx="2">
+            <a:schemeClr val="accent1">
+              <a:shade val="50000"/>
+            </a:schemeClr>
+          </a:lnRef>
+          <a:fillRef idx="1">
+            <a:schemeClr val="accent1"/>
+          </a:fillRef>
+          <a:effectRef idx="0">
+            <a:schemeClr val="accent1"/>
+          </a:effectRef>
+          <a:fontRef idx="minor">
+            <a:schemeClr val="lt1"/>
+          </a:fontRef>
+        </p:style>
+        <p:txBody>
+          <a:bodyPr rtlCol="0" anchor="ctr"/>
+          <a:p>
+            <a:pPr algn="ctr"/>
+            <a:r>
+              <a:rPr lang="zh-CN" altLang="en-US" sz="1200">
+                <a:solidFill>
+                  <a:schemeClr val="tx1">
+                    <a:lumMod val="75000"/>
+                    <a:lumOff val="25000"/>
+                  </a:schemeClr>
+                </a:solidFill>
+              </a:rPr>
+              <a:t>硬盘：</a:t>
+            </a:r>
+            <a:r>
+              <a:rPr lang="en-US" altLang="zh-CN" sz="1200">
+                <a:solidFill>
+                  <a:schemeClr val="tx1">
+                    <a:lumMod val="75000"/>
+                    <a:lumOff val="25000"/>
+                  </a:schemeClr>
+                </a:solidFill>
+              </a:rPr>
+              <a:t>localStorage</a:t>
+            </a:r>
+            <a:endParaRPr lang="en-US" altLang="zh-CN" sz="1200">
+              <a:solidFill>
+                <a:schemeClr val="tx1">
+                  <a:lumMod val="75000"/>
+                  <a:lumOff val="25000"/>
+                </a:schemeClr>
+              </a:solidFill>
+            </a:endParaRPr>
+          </a:p>
+        </p:txBody>
+      </p:sp>
+      <p:cxnSp>
+        <p:nvCxnSpPr>
+          <p:cNvPr id="17" name="曲线连接符 16"/>
+          <p:cNvCxnSpPr>
+            <a:stCxn id="8" idx="1"/>
+            <a:endCxn id="15" idx="3"/>
+          </p:cNvCxnSpPr>
+          <p:nvPr/>
+        </p:nvCxnSpPr>
+        <p:spPr>
+          <a:xfrm rot="10800000">
+            <a:off x="4224020" y="4664710"/>
+            <a:ext cx="720725" cy="419735"/>
+          </a:xfrm>
+          <a:prstGeom prst="curvedConnector3">
+            <a:avLst>
+              <a:gd name="adj1" fmla="val 49956"/>
+            </a:avLst>
+          </a:prstGeom>
+          <a:ln>
+            <a:prstDash val="sysDash"/>
+          </a:ln>
+        </p:spPr>
+        <p:style>
+          <a:lnRef idx="1">
+            <a:schemeClr val="accent1"/>
+          </a:lnRef>
+          <a:fillRef idx="0">
+            <a:schemeClr val="accent1"/>
+          </a:fillRef>
+          <a:effectRef idx="0">
+            <a:schemeClr val="accent1"/>
+          </a:effectRef>
+          <a:fontRef idx="minor">
+            <a:schemeClr val="tx1"/>
+          </a:fontRef>
+        </p:style>
+      </p:cxnSp>
+      <p:cxnSp>
+        <p:nvCxnSpPr>
+          <p:cNvPr id="18" name="曲线连接符 17"/>
+          <p:cNvCxnSpPr>
+            <a:stCxn id="8" idx="1"/>
+            <a:endCxn id="16" idx="3"/>
+          </p:cNvCxnSpPr>
+          <p:nvPr/>
+        </p:nvCxnSpPr>
+        <p:spPr>
+          <a:xfrm rot="10800000" flipV="1">
+            <a:off x="4224020" y="5084445"/>
+            <a:ext cx="720725" cy="227330"/>
+          </a:xfrm>
+          <a:prstGeom prst="curvedConnector3">
+            <a:avLst>
+              <a:gd name="adj1" fmla="val 49956"/>
+            </a:avLst>
+          </a:prstGeom>
+          <a:ln>
+            <a:prstDash val="sysDash"/>
+          </a:ln>
+        </p:spPr>
+        <p:style>
+          <a:lnRef idx="1">
+            <a:schemeClr val="accent1"/>
+          </a:lnRef>
+          <a:fillRef idx="0">
+            <a:schemeClr val="accent1"/>
+          </a:fillRef>
+          <a:effectRef idx="0">
+            <a:schemeClr val="accent1"/>
+          </a:effectRef>
+          <a:fontRef idx="minor">
+            <a:schemeClr val="tx1"/>
+          </a:fontRef>
+        </p:style>
+      </p:cxnSp>
+      <p:sp>
+        <p:nvSpPr>
+          <p:cNvPr id="19" name="流程图: 终止 18"/>
+          <p:cNvSpPr/>
+          <p:nvPr/>
+        </p:nvSpPr>
+        <p:spPr>
+          <a:xfrm>
+            <a:off x="5193030" y="5833745"/>
+            <a:ext cx="899795" cy="360045"/>
+          </a:xfrm>
+          <a:prstGeom prst="flowChartTerminator">
+            <a:avLst/>
+          </a:prstGeom>
+          <a:solidFill>
+            <a:srgbClr val="39BAE8"/>
+          </a:solidFill>
+        </p:spPr>
+        <p:style>
+          <a:lnRef idx="2">
+            <a:schemeClr val="accent1">
+              <a:shade val="50000"/>
+            </a:schemeClr>
+          </a:lnRef>
+          <a:fillRef idx="1">
+            <a:schemeClr val="accent1"/>
+          </a:fillRef>
+          <a:effectRef idx="0">
+            <a:schemeClr val="accent1"/>
+          </a:effectRef>
+          <a:fontRef idx="minor">
+            <a:schemeClr val="lt1"/>
+          </a:fontRef>
+        </p:style>
+        <p:txBody>
+          <a:bodyPr rtlCol="0" anchor="ctr"/>
+          <a:p>
+            <a:pPr algn="ctr"/>
+            <a:r>
+              <a:rPr lang="zh-CN" altLang="en-US" sz="1200"/>
+              <a:t>结束</a:t>
+            </a:r>
+            <a:endParaRPr lang="zh-CN" altLang="en-US" sz="1200"/>
+          </a:p>
+        </p:txBody>
+      </p:sp>
+      <p:cxnSp>
+        <p:nvCxnSpPr>
+          <p:cNvPr id="20" name="直接箭头连接符 19"/>
+          <p:cNvCxnSpPr>
+            <a:stCxn id="8" idx="2"/>
+            <a:endCxn id="19" idx="0"/>
+          </p:cNvCxnSpPr>
+          <p:nvPr/>
+        </p:nvCxnSpPr>
+        <p:spPr>
+          <a:xfrm>
+            <a:off x="5638800" y="5321935"/>
+            <a:ext cx="4445" cy="511810"/>
+          </a:xfrm>
+          <a:prstGeom prst="straightConnector1">
+            <a:avLst/>
+          </a:prstGeom>
+          <a:solidFill>
+            <a:srgbClr val="39BAE8"/>
+          </a:solidFill>
+          <a:ln>
+            <a:tailEnd type="arrow"/>
+          </a:ln>
+        </p:spPr>
+        <p:style>
+          <a:lnRef idx="1">
+            <a:schemeClr val="accent1"/>
+          </a:lnRef>
+          <a:fillRef idx="0">
+            <a:schemeClr val="accent1"/>
+          </a:fillRef>
+          <a:effectRef idx="0">
+            <a:schemeClr val="accent1"/>
+          </a:effectRef>
+          <a:fontRef idx="minor">
+            <a:schemeClr val="tx1"/>
+          </a:fontRef>
+        </p:style>
+      </p:cxnSp>
+      <p:sp>
+        <p:nvSpPr>
+          <p:cNvPr id="21" name="文本框 20"/>
+          <p:cNvSpPr txBox="1"/>
+          <p:nvPr/>
+        </p:nvSpPr>
+        <p:spPr>
+          <a:xfrm>
+            <a:off x="6494780" y="3037205"/>
+            <a:ext cx="836930" cy="306705"/>
+          </a:xfrm>
+          <a:prstGeom prst="rect">
+            <a:avLst/>
+          </a:prstGeom>
+          <a:noFill/>
+        </p:spPr>
+        <p:txBody>
+          <a:bodyPr wrap="square" rtlCol="0">
+            <a:spAutoFit/>
+          </a:bodyPr>
+          <a:p>
+            <a:r>
+              <a:rPr lang="zh-CN" altLang="en-US" sz="1400">
+                <a:solidFill>
+                  <a:schemeClr val="bg1">
+                    <a:lumMod val="50000"/>
+                  </a:schemeClr>
+                </a:solidFill>
+              </a:rPr>
+              <a:t>失败</a:t>
+            </a:r>
+            <a:endParaRPr lang="zh-CN" altLang="en-US" sz="1400">
+              <a:solidFill>
+                <a:schemeClr val="bg1">
+                  <a:lumMod val="50000"/>
+                </a:schemeClr>
+              </a:solidFill>
+            </a:endParaRPr>
+          </a:p>
+        </p:txBody>
+      </p:sp>
+      <p:sp>
+        <p:nvSpPr>
+          <p:cNvPr id="22" name="流程图: 过程 21"/>
+          <p:cNvSpPr/>
+          <p:nvPr/>
+        </p:nvSpPr>
+        <p:spPr>
+          <a:xfrm>
+            <a:off x="2835910" y="1992630"/>
+            <a:ext cx="1387475" cy="474980"/>
+          </a:xfrm>
+          <a:prstGeom prst="flowChartProcess">
+            <a:avLst/>
+          </a:prstGeom>
+          <a:solidFill>
+            <a:schemeClr val="bg1">
+              <a:lumMod val="85000"/>
+            </a:schemeClr>
+          </a:solidFill>
+          <a:ln>
+            <a:solidFill>
+              <a:schemeClr val="bg1"/>
+            </a:solidFill>
+          </a:ln>
+        </p:spPr>
+        <p:style>
+          <a:lnRef idx="2">
+            <a:schemeClr val="accent1">
+              <a:shade val="50000"/>
+            </a:schemeClr>
+          </a:lnRef>
+          <a:fillRef idx="1">
+            <a:schemeClr val="accent1"/>
+          </a:fillRef>
+          <a:effectRef idx="0">
+            <a:schemeClr val="accent1"/>
+          </a:effectRef>
+          <a:fontRef idx="minor">
+            <a:schemeClr val="lt1"/>
+          </a:fontRef>
+        </p:style>
+        <p:txBody>
+          <a:bodyPr rtlCol="0" anchor="ctr"/>
+          <a:p>
+            <a:pPr algn="ctr"/>
+            <a:r>
+              <a:rPr lang="zh-CN" altLang="en-US" sz="1200">
+                <a:solidFill>
+                  <a:schemeClr val="tx1">
+                    <a:lumMod val="75000"/>
+                    <a:lumOff val="25000"/>
+                  </a:schemeClr>
+                </a:solidFill>
+              </a:rPr>
+              <a:t>表单验证</a:t>
+            </a:r>
+            <a:endParaRPr lang="zh-CN" altLang="en-US" sz="1200">
+              <a:solidFill>
+                <a:schemeClr val="tx1">
+                  <a:lumMod val="75000"/>
+                  <a:lumOff val="25000"/>
+                </a:schemeClr>
+              </a:solidFill>
+            </a:endParaRPr>
+          </a:p>
+        </p:txBody>
+      </p:sp>
+      <p:cxnSp>
+        <p:nvCxnSpPr>
+          <p:cNvPr id="23" name="曲线连接符 22"/>
+          <p:cNvCxnSpPr>
+            <a:stCxn id="5" idx="1"/>
+            <a:endCxn id="22" idx="3"/>
+          </p:cNvCxnSpPr>
+          <p:nvPr/>
+        </p:nvCxnSpPr>
+        <p:spPr>
+          <a:xfrm rot="10800000" flipV="1">
+            <a:off x="4223385" y="2227580"/>
+            <a:ext cx="721360" cy="2540"/>
+          </a:xfrm>
+          <a:prstGeom prst="curvedConnector3">
+            <a:avLst>
+              <a:gd name="adj1" fmla="val 50000"/>
+            </a:avLst>
+          </a:prstGeom>
+          <a:ln>
+            <a:prstDash val="sysDash"/>
+          </a:ln>
+        </p:spPr>
+        <p:style>
+          <a:lnRef idx="1">
+            <a:schemeClr val="accent1"/>
+          </a:lnRef>
+          <a:fillRef idx="0">
+            <a:schemeClr val="accent1"/>
+          </a:fillRef>
+          <a:effectRef idx="0">
+            <a:schemeClr val="accent1"/>
+          </a:effectRef>
+          <a:fontRef idx="minor">
+            <a:schemeClr val="tx1"/>
+          </a:fontRef>
+        </p:style>
+      </p:cxnSp>
+    </p:spTree>
+    <p:custDataLst>
+      <p:tags r:id="rId1"/>
+    </p:custDataLst>
+  </p:cSld>
+  <p:clrMapOvr>
+    <a:masterClrMapping/>
+  </p:clrMapOvr>
+</p:sld>
+</file>
+
+<file path=ppt/slides/slide5.xml><?xml version="1.0" encoding="utf-8"?>
+<p:sld xmlns:a="http://schemas.openxmlformats.org/drawingml/2006/main" xmlns:r="http://schemas.openxmlformats.org/officeDocument/2006/relationships" xmlns:p="http://schemas.openxmlformats.org/presentationml/2006/main">
+  <p:cSld>
+    <p:spTree>
+      <p:nvGrpSpPr>
+        <p:cNvPr id="1" name=""/>
+        <p:cNvGrpSpPr/>
+        <p:nvPr/>
+      </p:nvGrpSpPr>
+      <p:grpSpPr/>
+      <p:sp>
+        <p:nvSpPr>
+          <p:cNvPr id="2" name="标题 1"/>
+          <p:cNvSpPr>
+            <a:spLocks noGrp="1"/>
+          </p:cNvSpPr>
+          <p:nvPr>
+            <p:ph type="title"/>
+          </p:nvPr>
+        </p:nvSpPr>
+        <p:spPr/>
+        <p:txBody>
+          <a:bodyPr/>
+          <a:p>
+            <a:r>
+              <a:rPr lang="zh-CN" altLang="en-US"/>
+              <a:t>应用初始化</a:t>
+            </a:r>
+            <a:endParaRPr lang="zh-CN" altLang="en-US"/>
+          </a:p>
+        </p:txBody>
+      </p:sp>
+      <p:sp>
+        <p:nvSpPr>
+          <p:cNvPr id="4" name="流程图: 准备 3"/>
+          <p:cNvSpPr/>
+          <p:nvPr/>
+        </p:nvSpPr>
+        <p:spPr>
+          <a:xfrm>
+            <a:off x="5156835" y="1118235"/>
+            <a:ext cx="950595" cy="360045"/>
+          </a:xfrm>
+          <a:prstGeom prst="flowChartPreparation">
+            <a:avLst/>
+          </a:prstGeom>
+          <a:solidFill>
+            <a:srgbClr val="39BAE8"/>
+          </a:solidFill>
+        </p:spPr>
+        <p:style>
+          <a:lnRef idx="2">
+            <a:schemeClr val="accent1">
+              <a:shade val="50000"/>
+            </a:schemeClr>
+          </a:lnRef>
+          <a:fillRef idx="1">
+            <a:schemeClr val="accent1"/>
+          </a:fillRef>
+          <a:effectRef idx="0">
+            <a:schemeClr val="accent1"/>
+          </a:effectRef>
+          <a:fontRef idx="minor">
+            <a:schemeClr val="lt1"/>
+          </a:fontRef>
+        </p:style>
+        <p:txBody>
+          <a:bodyPr rtlCol="0" anchor="ctr"/>
+          <a:p>
+            <a:pPr algn="ctr"/>
+            <a:r>
+              <a:rPr lang="zh-CN" altLang="en-US" sz="1200"/>
+              <a:t>开始</a:t>
+            </a:r>
+            <a:endParaRPr lang="zh-CN" altLang="en-US" sz="1200"/>
+          </a:p>
+        </p:txBody>
+      </p:sp>
+      <p:sp>
+        <p:nvSpPr>
+          <p:cNvPr id="5" name="流程图: 过程 4"/>
+          <p:cNvSpPr/>
+          <p:nvPr/>
+        </p:nvSpPr>
+        <p:spPr>
+          <a:xfrm>
+            <a:off x="4944745" y="1990090"/>
+            <a:ext cx="1387475" cy="474980"/>
+          </a:xfrm>
+          <a:prstGeom prst="flowChartProcess">
+            <a:avLst/>
+          </a:prstGeom>
+          <a:solidFill>
+            <a:srgbClr val="39BAE8"/>
+          </a:solidFill>
+        </p:spPr>
+        <p:style>
+          <a:lnRef idx="2">
+            <a:schemeClr val="accent1">
+              <a:shade val="50000"/>
+            </a:schemeClr>
+          </a:lnRef>
+          <a:fillRef idx="1">
+            <a:schemeClr val="accent1"/>
+          </a:fillRef>
+          <a:effectRef idx="0">
+            <a:schemeClr val="accent1"/>
+          </a:effectRef>
+          <a:fontRef idx="minor">
+            <a:schemeClr val="lt1"/>
+          </a:fontRef>
+        </p:style>
+        <p:txBody>
+          <a:bodyPr rtlCol="0" anchor="ctr"/>
+          <a:p>
+            <a:pPr algn="ctr"/>
+            <a:r>
+              <a:rPr lang="zh-CN" altLang="en-US" sz="1400"/>
+              <a:t>校验登录信息</a:t>
+            </a:r>
+            <a:endParaRPr lang="zh-CN" altLang="en-US" sz="1400"/>
+          </a:p>
+        </p:txBody>
+      </p:sp>
+      <p:cxnSp>
+        <p:nvCxnSpPr>
+          <p:cNvPr id="11" name="直接箭头连接符 10"/>
+          <p:cNvCxnSpPr>
+            <a:stCxn id="4" idx="2"/>
+            <a:endCxn id="5" idx="0"/>
+          </p:cNvCxnSpPr>
+          <p:nvPr/>
+        </p:nvCxnSpPr>
+        <p:spPr>
+          <a:xfrm>
+            <a:off x="5632450" y="1478280"/>
+            <a:ext cx="6350" cy="511810"/>
+          </a:xfrm>
+          <a:prstGeom prst="straightConnector1">
+            <a:avLst/>
+          </a:prstGeom>
+          <a:solidFill>
+            <a:srgbClr val="39BAE8"/>
+          </a:solidFill>
+          <a:ln>
+            <a:tailEnd type="arrow"/>
+          </a:ln>
+        </p:spPr>
+        <p:style>
+          <a:lnRef idx="1">
+            <a:schemeClr val="accent1"/>
+          </a:lnRef>
+          <a:fillRef idx="0">
+            <a:schemeClr val="accent1"/>
+          </a:fillRef>
+          <a:effectRef idx="0">
+            <a:schemeClr val="accent1"/>
+          </a:effectRef>
+          <a:fontRef idx="minor">
+            <a:schemeClr val="tx1"/>
+          </a:fontRef>
+        </p:style>
+      </p:cxnSp>
+      <p:cxnSp>
+        <p:nvCxnSpPr>
+          <p:cNvPr id="12" name="直接箭头连接符 11"/>
+          <p:cNvCxnSpPr>
+            <a:stCxn id="5" idx="2"/>
+            <a:endCxn id="24" idx="0"/>
+          </p:cNvCxnSpPr>
+          <p:nvPr/>
+        </p:nvCxnSpPr>
+        <p:spPr>
+          <a:xfrm>
+            <a:off x="5638800" y="2465070"/>
+            <a:ext cx="4445" cy="511810"/>
+          </a:xfrm>
+          <a:prstGeom prst="straightConnector1">
+            <a:avLst/>
+          </a:prstGeom>
+          <a:solidFill>
+            <a:srgbClr val="39BAE8"/>
+          </a:solidFill>
+          <a:ln>
+            <a:tailEnd type="arrow"/>
+          </a:ln>
+        </p:spPr>
+        <p:style>
+          <a:lnRef idx="1">
+            <a:schemeClr val="accent1"/>
+          </a:lnRef>
+          <a:fillRef idx="0">
+            <a:schemeClr val="accent1"/>
+          </a:fillRef>
+          <a:effectRef idx="0">
+            <a:schemeClr val="accent1"/>
+          </a:effectRef>
+          <a:fontRef idx="minor">
+            <a:schemeClr val="tx1"/>
+          </a:fontRef>
+        </p:style>
+      </p:cxnSp>
+      <p:sp>
+        <p:nvSpPr>
+          <p:cNvPr id="19" name="流程图: 终止 18"/>
+          <p:cNvSpPr/>
+          <p:nvPr/>
+        </p:nvSpPr>
+        <p:spPr>
+          <a:xfrm>
+            <a:off x="5193030" y="5833745"/>
+            <a:ext cx="899795" cy="360045"/>
+          </a:xfrm>
+          <a:prstGeom prst="flowChartTerminator">
+            <a:avLst/>
+          </a:prstGeom>
+          <a:solidFill>
+            <a:srgbClr val="39BAE8"/>
+          </a:solidFill>
+        </p:spPr>
+        <p:style>
+          <a:lnRef idx="2">
+            <a:schemeClr val="accent1">
+              <a:shade val="50000"/>
+            </a:schemeClr>
+          </a:lnRef>
+          <a:fillRef idx="1">
+            <a:schemeClr val="accent1"/>
+          </a:fillRef>
+          <a:effectRef idx="0">
+            <a:schemeClr val="accent1"/>
+          </a:effectRef>
+          <a:fontRef idx="minor">
+            <a:schemeClr val="lt1"/>
+          </a:fontRef>
+        </p:style>
+        <p:txBody>
+          <a:bodyPr rtlCol="0" anchor="ctr"/>
+          <a:p>
+            <a:pPr algn="ctr"/>
+            <a:r>
+              <a:rPr lang="zh-CN" altLang="en-US" sz="1200"/>
+              <a:t>结束</a:t>
+            </a:r>
+            <a:endParaRPr lang="zh-CN" altLang="en-US" sz="1200"/>
+          </a:p>
+        </p:txBody>
+      </p:sp>
+      <p:cxnSp>
+        <p:nvCxnSpPr>
+          <p:cNvPr id="20" name="直接箭头连接符 19"/>
+          <p:cNvCxnSpPr>
+            <a:stCxn id="28" idx="2"/>
+            <a:endCxn id="19" idx="0"/>
+          </p:cNvCxnSpPr>
+          <p:nvPr/>
+        </p:nvCxnSpPr>
+        <p:spPr>
+          <a:xfrm>
+            <a:off x="5643245" y="5321935"/>
+            <a:ext cx="0" cy="511810"/>
+          </a:xfrm>
+          <a:prstGeom prst="straightConnector1">
+            <a:avLst/>
+          </a:prstGeom>
+          <a:solidFill>
+            <a:srgbClr val="39BAE8"/>
+          </a:solidFill>
+          <a:ln>
+            <a:tailEnd type="arrow"/>
+          </a:ln>
+        </p:spPr>
+        <p:style>
+          <a:lnRef idx="1">
+            <a:schemeClr val="accent1"/>
+          </a:lnRef>
+          <a:fillRef idx="0">
+            <a:schemeClr val="accent1"/>
+          </a:fillRef>
+          <a:effectRef idx="0">
+            <a:schemeClr val="accent1"/>
+          </a:effectRef>
+          <a:fontRef idx="minor">
+            <a:schemeClr val="tx1"/>
+          </a:fontRef>
+        </p:style>
+      </p:cxnSp>
+      <p:sp>
+        <p:nvSpPr>
+          <p:cNvPr id="22" name="流程图: 过程 21"/>
+          <p:cNvSpPr/>
+          <p:nvPr/>
+        </p:nvSpPr>
+        <p:spPr>
+          <a:xfrm>
+            <a:off x="2836545" y="1061085"/>
+            <a:ext cx="1387475" cy="474980"/>
+          </a:xfrm>
+          <a:prstGeom prst="flowChartProcess">
+            <a:avLst/>
+          </a:prstGeom>
+          <a:solidFill>
+            <a:schemeClr val="bg1">
+              <a:lumMod val="85000"/>
+            </a:schemeClr>
+          </a:solidFill>
+          <a:ln>
+            <a:solidFill>
+              <a:schemeClr val="bg1"/>
+            </a:solidFill>
+          </a:ln>
+        </p:spPr>
+        <p:style>
+          <a:lnRef idx="2">
+            <a:schemeClr val="accent1">
+              <a:shade val="50000"/>
+            </a:schemeClr>
+          </a:lnRef>
+          <a:fillRef idx="1">
+            <a:schemeClr val="accent1"/>
+          </a:fillRef>
+          <a:effectRef idx="0">
+            <a:schemeClr val="accent1"/>
+          </a:effectRef>
+          <a:fontRef idx="minor">
+            <a:schemeClr val="lt1"/>
+          </a:fontRef>
+        </p:style>
+        <p:txBody>
+          <a:bodyPr rtlCol="0" anchor="ctr"/>
+          <a:p>
+            <a:pPr algn="ctr"/>
+            <a:r>
+              <a:rPr lang="zh-CN" altLang="en-US" sz="1200">
+                <a:solidFill>
+                  <a:schemeClr val="tx1">
+                    <a:lumMod val="75000"/>
+                    <a:lumOff val="25000"/>
+                  </a:schemeClr>
+                </a:solidFill>
+              </a:rPr>
+              <a:t>打开页面</a:t>
+            </a:r>
+            <a:endParaRPr lang="zh-CN" altLang="en-US" sz="1200">
+              <a:solidFill>
+                <a:schemeClr val="tx1">
+                  <a:lumMod val="75000"/>
+                  <a:lumOff val="25000"/>
+                </a:schemeClr>
+              </a:solidFill>
+            </a:endParaRPr>
+          </a:p>
+        </p:txBody>
+      </p:sp>
+      <p:cxnSp>
+        <p:nvCxnSpPr>
+          <p:cNvPr id="23" name="曲线连接符 22"/>
+          <p:cNvCxnSpPr>
+            <a:stCxn id="4" idx="1"/>
+            <a:endCxn id="22" idx="3"/>
+          </p:cNvCxnSpPr>
+          <p:nvPr/>
+        </p:nvCxnSpPr>
+        <p:spPr>
+          <a:xfrm rot="10800000">
+            <a:off x="4224020" y="1298575"/>
+            <a:ext cx="932815" cy="3175"/>
+          </a:xfrm>
+          <a:prstGeom prst="curvedConnector2">
+            <a:avLst/>
+          </a:prstGeom>
+          <a:ln>
+            <a:prstDash val="sysDash"/>
+          </a:ln>
+        </p:spPr>
+        <p:style>
+          <a:lnRef idx="1">
+            <a:schemeClr val="accent1"/>
+          </a:lnRef>
+          <a:fillRef idx="0">
+            <a:schemeClr val="accent1"/>
+          </a:fillRef>
+          <a:effectRef idx="0">
+            <a:schemeClr val="accent1"/>
+          </a:effectRef>
+          <a:fontRef idx="minor">
+            <a:schemeClr val="tx1"/>
+          </a:fontRef>
+        </p:style>
+      </p:cxnSp>
+      <p:sp>
+        <p:nvSpPr>
+          <p:cNvPr id="3" name="流程图: 过程 2"/>
+          <p:cNvSpPr/>
+          <p:nvPr/>
+        </p:nvSpPr>
+        <p:spPr>
+          <a:xfrm>
+            <a:off x="1419225" y="1990725"/>
+            <a:ext cx="2804795" cy="474980"/>
+          </a:xfrm>
+          <a:prstGeom prst="flowChartProcess">
+            <a:avLst/>
+          </a:prstGeom>
+          <a:solidFill>
+            <a:schemeClr val="bg1">
+              <a:lumMod val="85000"/>
+            </a:schemeClr>
+          </a:solidFill>
+          <a:ln>
+            <a:solidFill>
+              <a:schemeClr val="bg1"/>
+            </a:solidFill>
+          </a:ln>
+        </p:spPr>
+        <p:style>
+          <a:lnRef idx="2">
+            <a:schemeClr val="accent1">
+              <a:shade val="50000"/>
+            </a:schemeClr>
+          </a:lnRef>
+          <a:fillRef idx="1">
+            <a:schemeClr val="accent1"/>
+          </a:fillRef>
+          <a:effectRef idx="0">
+            <a:schemeClr val="accent1"/>
+          </a:effectRef>
+          <a:fontRef idx="minor">
+            <a:schemeClr val="lt1"/>
+          </a:fontRef>
+        </p:style>
+        <p:txBody>
+          <a:bodyPr rtlCol="0" anchor="ctr"/>
+          <a:p>
+            <a:pPr algn="ctr"/>
+            <a:r>
+              <a:rPr lang="zh-CN" altLang="en-US" sz="1200">
+                <a:solidFill>
+                  <a:schemeClr val="tx1">
+                    <a:lumMod val="75000"/>
+                    <a:lumOff val="25000"/>
+                  </a:schemeClr>
+                </a:solidFill>
+              </a:rPr>
+              <a:t>发送请求校验</a:t>
+            </a:r>
+            <a:r>
+              <a:rPr lang="en-US" altLang="zh-CN" sz="1200">
+                <a:solidFill>
+                  <a:schemeClr val="tx1">
+                    <a:lumMod val="75000"/>
+                    <a:lumOff val="25000"/>
+                  </a:schemeClr>
+                </a:solidFill>
+              </a:rPr>
+              <a:t> localStorage </a:t>
+            </a:r>
+            <a:r>
+              <a:rPr lang="zh-CN" altLang="en-US" sz="1200">
+                <a:solidFill>
+                  <a:schemeClr val="tx1">
+                    <a:lumMod val="75000"/>
+                    <a:lumOff val="25000"/>
+                  </a:schemeClr>
+                </a:solidFill>
+              </a:rPr>
+              <a:t>中的</a:t>
+            </a:r>
+            <a:r>
+              <a:rPr lang="en-US" altLang="zh-CN" sz="1200">
+                <a:solidFill>
+                  <a:schemeClr val="tx1">
+                    <a:lumMod val="75000"/>
+                    <a:lumOff val="25000"/>
+                  </a:schemeClr>
+                </a:solidFill>
+              </a:rPr>
+              <a:t> token</a:t>
+            </a:r>
+            <a:endParaRPr lang="en-US" altLang="zh-CN" sz="1200">
+              <a:solidFill>
+                <a:schemeClr val="tx1">
+                  <a:lumMod val="75000"/>
+                  <a:lumOff val="25000"/>
+                </a:schemeClr>
+              </a:solidFill>
+            </a:endParaRPr>
+          </a:p>
+        </p:txBody>
+      </p:sp>
+      <p:cxnSp>
+        <p:nvCxnSpPr>
+          <p:cNvPr id="9" name="曲线连接符 8"/>
+          <p:cNvCxnSpPr>
+            <a:stCxn id="5" idx="1"/>
+            <a:endCxn id="3" idx="3"/>
+          </p:cNvCxnSpPr>
+          <p:nvPr/>
+        </p:nvCxnSpPr>
+        <p:spPr>
+          <a:xfrm rot="10800000" flipV="1">
+            <a:off x="4224020" y="2227580"/>
+            <a:ext cx="720725" cy="635"/>
+          </a:xfrm>
+          <a:prstGeom prst="curvedConnector3">
+            <a:avLst>
+              <a:gd name="adj1" fmla="val 49956"/>
+            </a:avLst>
+          </a:prstGeom>
+          <a:ln>
+            <a:prstDash val="sysDash"/>
+          </a:ln>
+        </p:spPr>
+        <p:style>
+          <a:lnRef idx="1">
+            <a:schemeClr val="accent1"/>
+          </a:lnRef>
+          <a:fillRef idx="0">
+            <a:schemeClr val="accent1"/>
+          </a:fillRef>
+          <a:effectRef idx="0">
+            <a:schemeClr val="accent1"/>
+          </a:effectRef>
+          <a:fontRef idx="minor">
+            <a:schemeClr val="tx1"/>
+          </a:fontRef>
+        </p:style>
+      </p:cxnSp>
+      <p:sp>
+        <p:nvSpPr>
+          <p:cNvPr id="24" name="流程图: 决策 23"/>
+          <p:cNvSpPr>
+            <a:spLocks noChangeAspect="1"/>
+          </p:cNvSpPr>
+          <p:nvPr/>
+        </p:nvSpPr>
+        <p:spPr>
+          <a:xfrm>
+            <a:off x="5457190" y="2976880"/>
+            <a:ext cx="371475" cy="371475"/>
+          </a:xfrm>
+          <a:prstGeom prst="flowChartDecision">
+            <a:avLst/>
+          </a:prstGeom>
+          <a:solidFill>
+            <a:srgbClr val="39BAE8"/>
+          </a:solidFill>
+        </p:spPr>
+        <p:style>
+          <a:lnRef idx="2">
+            <a:schemeClr val="accent1">
+              <a:shade val="50000"/>
+            </a:schemeClr>
+          </a:lnRef>
+          <a:fillRef idx="1">
+            <a:schemeClr val="accent1"/>
+          </a:fillRef>
+          <a:effectRef idx="0">
+            <a:schemeClr val="accent1"/>
+          </a:effectRef>
+          <a:fontRef idx="minor">
+            <a:schemeClr val="lt1"/>
+          </a:fontRef>
+        </p:style>
+        <p:txBody>
+          <a:bodyPr rtlCol="0" anchor="ctr"/>
+          <a:p>
+            <a:pPr algn="ctr"/>
+            <a:endParaRPr lang="zh-CN" altLang="en-US" sz="1400"/>
+          </a:p>
+        </p:txBody>
+      </p:sp>
+      <p:sp>
+        <p:nvSpPr>
+          <p:cNvPr id="25" name="流程图: 过程 24"/>
+          <p:cNvSpPr/>
+          <p:nvPr/>
+        </p:nvSpPr>
+        <p:spPr>
+          <a:xfrm>
+            <a:off x="7345680" y="2916555"/>
+            <a:ext cx="1387475" cy="474980"/>
+          </a:xfrm>
+          <a:prstGeom prst="flowChartProcess">
+            <a:avLst/>
+          </a:prstGeom>
+          <a:solidFill>
+            <a:srgbClr val="39BAE8"/>
+          </a:solidFill>
+        </p:spPr>
+        <p:style>
+          <a:lnRef idx="2">
+            <a:schemeClr val="accent1">
+              <a:shade val="50000"/>
+            </a:schemeClr>
+          </a:lnRef>
+          <a:fillRef idx="1">
+            <a:schemeClr val="accent1"/>
+          </a:fillRef>
+          <a:effectRef idx="0">
+            <a:schemeClr val="accent1"/>
+          </a:effectRef>
+          <a:fontRef idx="minor">
+            <a:schemeClr val="lt1"/>
+          </a:fontRef>
+        </p:style>
+        <p:txBody>
+          <a:bodyPr rtlCol="0" anchor="ctr"/>
+          <a:p>
+            <a:pPr algn="ctr"/>
+            <a:r>
+              <a:rPr lang="zh-CN" altLang="en-US" sz="1400"/>
+              <a:t>跳转登录页</a:t>
+            </a:r>
+            <a:endParaRPr lang="zh-CN" altLang="en-US" sz="1400"/>
+          </a:p>
+        </p:txBody>
+      </p:sp>
+      <p:cxnSp>
+        <p:nvCxnSpPr>
+          <p:cNvPr id="26" name="直接箭头连接符 25"/>
+          <p:cNvCxnSpPr>
+            <a:stCxn id="24" idx="3"/>
+            <a:endCxn id="25" idx="1"/>
+          </p:cNvCxnSpPr>
+          <p:nvPr/>
+        </p:nvCxnSpPr>
+        <p:spPr>
+          <a:xfrm flipV="1">
+            <a:off x="5828665" y="3154045"/>
+            <a:ext cx="1517015" cy="8890"/>
+          </a:xfrm>
+          <a:prstGeom prst="straightConnector1">
+            <a:avLst/>
+          </a:prstGeom>
+          <a:solidFill>
+            <a:srgbClr val="39BAE8"/>
+          </a:solidFill>
+          <a:ln>
+            <a:tailEnd type="arrow"/>
+          </a:ln>
+        </p:spPr>
+        <p:style>
+          <a:lnRef idx="1">
+            <a:schemeClr val="accent1"/>
+          </a:lnRef>
+          <a:fillRef idx="0">
+            <a:schemeClr val="accent1"/>
+          </a:fillRef>
+          <a:effectRef idx="0">
+            <a:schemeClr val="accent1"/>
+          </a:effectRef>
+          <a:fontRef idx="minor">
+            <a:schemeClr val="tx1"/>
+          </a:fontRef>
+        </p:style>
+      </p:cxnSp>
+      <p:sp>
+        <p:nvSpPr>
+          <p:cNvPr id="27" name="流程图: 过程 26"/>
+          <p:cNvSpPr/>
+          <p:nvPr/>
+        </p:nvSpPr>
+        <p:spPr>
+          <a:xfrm>
+            <a:off x="4949190" y="3860165"/>
+            <a:ext cx="1387475" cy="474980"/>
+          </a:xfrm>
+          <a:prstGeom prst="flowChartProcess">
+            <a:avLst/>
+          </a:prstGeom>
+          <a:solidFill>
+            <a:srgbClr val="39BAE8"/>
+          </a:solidFill>
+        </p:spPr>
+        <p:style>
+          <a:lnRef idx="2">
+            <a:schemeClr val="accent1">
+              <a:shade val="50000"/>
+            </a:schemeClr>
+          </a:lnRef>
+          <a:fillRef idx="1">
+            <a:schemeClr val="accent1"/>
+          </a:fillRef>
+          <a:effectRef idx="0">
+            <a:schemeClr val="accent1"/>
+          </a:effectRef>
+          <a:fontRef idx="minor">
+            <a:schemeClr val="lt1"/>
+          </a:fontRef>
+        </p:style>
+        <p:txBody>
+          <a:bodyPr rtlCol="0" anchor="ctr"/>
+          <a:p>
+            <a:pPr algn="ctr"/>
+            <a:r>
+              <a:rPr lang="zh-CN" altLang="en-US" sz="1400"/>
+              <a:t>获取菜单数据</a:t>
+            </a:r>
+            <a:endParaRPr lang="zh-CN" altLang="en-US" sz="1400"/>
+          </a:p>
+        </p:txBody>
+      </p:sp>
+      <p:sp>
+        <p:nvSpPr>
+          <p:cNvPr id="28" name="流程图: 过程 27"/>
+          <p:cNvSpPr/>
+          <p:nvPr/>
+        </p:nvSpPr>
+        <p:spPr>
+          <a:xfrm>
+            <a:off x="4949190" y="4846955"/>
+            <a:ext cx="1387475" cy="474980"/>
+          </a:xfrm>
+          <a:prstGeom prst="flowChartProcess">
+            <a:avLst/>
+          </a:prstGeom>
+          <a:solidFill>
+            <a:srgbClr val="39BAE8"/>
+          </a:solidFill>
+        </p:spPr>
+        <p:style>
+          <a:lnRef idx="2">
+            <a:schemeClr val="accent1">
+              <a:shade val="50000"/>
+            </a:schemeClr>
+          </a:lnRef>
+          <a:fillRef idx="1">
+            <a:schemeClr val="accent1"/>
+          </a:fillRef>
+          <a:effectRef idx="0">
+            <a:schemeClr val="accent1"/>
+          </a:effectRef>
+          <a:fontRef idx="minor">
+            <a:schemeClr val="lt1"/>
+          </a:fontRef>
+        </p:style>
+        <p:txBody>
+          <a:bodyPr rtlCol="0" anchor="ctr"/>
+          <a:p>
+            <a:pPr algn="ctr"/>
+            <a:r>
+              <a:rPr lang="zh-CN" altLang="en-US" sz="1400"/>
+              <a:t>构建前端路由</a:t>
+            </a:r>
+            <a:endParaRPr lang="zh-CN" altLang="en-US" sz="1400"/>
+          </a:p>
+        </p:txBody>
+      </p:sp>
+      <p:cxnSp>
+        <p:nvCxnSpPr>
+          <p:cNvPr id="29" name="直接箭头连接符 28"/>
+          <p:cNvCxnSpPr>
+            <a:stCxn id="24" idx="2"/>
+            <a:endCxn id="27" idx="0"/>
+          </p:cNvCxnSpPr>
+          <p:nvPr/>
+        </p:nvCxnSpPr>
+        <p:spPr>
+          <a:xfrm>
+            <a:off x="5643245" y="3348355"/>
+            <a:ext cx="0" cy="511810"/>
+          </a:xfrm>
+          <a:prstGeom prst="straightConnector1">
+            <a:avLst/>
+          </a:prstGeom>
+          <a:solidFill>
+            <a:srgbClr val="39BAE8"/>
+          </a:solidFill>
+          <a:ln>
+            <a:tailEnd type="arrow"/>
+          </a:ln>
+        </p:spPr>
+        <p:style>
+          <a:lnRef idx="1">
+            <a:schemeClr val="accent1"/>
+          </a:lnRef>
+          <a:fillRef idx="0">
+            <a:schemeClr val="accent1"/>
+          </a:fillRef>
+          <a:effectRef idx="0">
+            <a:schemeClr val="accent1"/>
+          </a:effectRef>
+          <a:fontRef idx="minor">
+            <a:schemeClr val="tx1"/>
+          </a:fontRef>
+        </p:style>
+      </p:cxnSp>
+      <p:cxnSp>
+        <p:nvCxnSpPr>
+          <p:cNvPr id="30" name="直接箭头连接符 29"/>
+          <p:cNvCxnSpPr>
+            <a:stCxn id="27" idx="2"/>
+            <a:endCxn id="28" idx="0"/>
+          </p:cNvCxnSpPr>
+          <p:nvPr/>
+        </p:nvCxnSpPr>
+        <p:spPr>
+          <a:xfrm>
+            <a:off x="5643245" y="4335145"/>
+            <a:ext cx="0" cy="511810"/>
+          </a:xfrm>
+          <a:prstGeom prst="straightConnector1">
+            <a:avLst/>
+          </a:prstGeom>
+          <a:solidFill>
+            <a:srgbClr val="39BAE8"/>
+          </a:solidFill>
+          <a:ln>
+            <a:tailEnd type="arrow"/>
+          </a:ln>
+        </p:spPr>
+        <p:style>
+          <a:lnRef idx="1">
+            <a:schemeClr val="accent1"/>
+          </a:lnRef>
+          <a:fillRef idx="0">
+            <a:schemeClr val="accent1"/>
+          </a:fillRef>
+          <a:effectRef idx="0">
+            <a:schemeClr val="accent1"/>
+          </a:effectRef>
+          <a:fontRef idx="minor">
+            <a:schemeClr val="tx1"/>
+          </a:fontRef>
+        </p:style>
+      </p:cxnSp>
+    </p:spTree>
+    <p:custDataLst>
+      <p:tags r:id="rId1"/>
+    </p:custDataLst>
+  </p:cSld>
+  <p:clrMapOvr>
+    <a:masterClrMapping/>
+  </p:clrMapOvr>
+</p:sld>
+</file>
+
+<file path=ppt/slides/slide6.xml><?xml version="1.0" encoding="utf-8"?>
 <p:sld xmlns:a="http://schemas.openxmlformats.org/drawingml/2006/main" xmlns:r="http://schemas.openxmlformats.org/officeDocument/2006/relationships" xmlns:p="http://schemas.openxmlformats.org/presentationml/2006/main">
   <p:cSld>
     <p:spTree>
@@ -14735,7 +16506,10 @@
 
 <file path=ppt/tags/tag135.xml><?xml version="1.0" encoding="utf-8"?>
 <p:tagLst xmlns:p="http://schemas.openxmlformats.org/presentationml/2006/main">
-  <p:tag name="KSO_WM_UNIT_PLACING_PICTURE_USER_VIEWPORT" val="{&quot;height&quot;:4778,&quot;width&quot;:4193}"/>
+  <p:tag name="KSO_WM_BEAUTIFY_FLAG" val="#wm#"/>
+  <p:tag name="KSO_WM_TEMPLATE_CATEGORY" val="custom"/>
+  <p:tag name="KSO_WM_TEMPLATE_INDEX" val="20206915"/>
+  <p:tag name="KSO_WM_SPECIAL_SOURCE" val="bdnull"/>
 </p:tagLst>
 </file>
 
@@ -14749,6 +16523,21 @@
 </file>
 
 <file path=ppt/tags/tag137.xml><?xml version="1.0" encoding="utf-8"?>
+<p:tagLst xmlns:p="http://schemas.openxmlformats.org/presentationml/2006/main">
+  <p:tag name="KSO_WM_UNIT_PLACING_PICTURE_USER_VIEWPORT" val="{&quot;height&quot;:4778,&quot;width&quot;:4193}"/>
+</p:tagLst>
+</file>
+
+<file path=ppt/tags/tag138.xml><?xml version="1.0" encoding="utf-8"?>
+<p:tagLst xmlns:p="http://schemas.openxmlformats.org/presentationml/2006/main">
+  <p:tag name="KSO_WM_BEAUTIFY_FLAG" val="#wm#"/>
+  <p:tag name="KSO_WM_TEMPLATE_CATEGORY" val="custom"/>
+  <p:tag name="KSO_WM_TEMPLATE_INDEX" val="20206915"/>
+  <p:tag name="KSO_WM_SPECIAL_SOURCE" val="bdnull"/>
+</p:tagLst>
+</file>
+
+<file path=ppt/tags/tag139.xml><?xml version="1.0" encoding="utf-8"?>
 <p:tagLst xmlns:p="http://schemas.openxmlformats.org/presentationml/2006/main">
   <p:tag name="KSO_DOCER_TEMPLATE_OPEN_ONCE_MARK" val="1"/>
 </p:tagLst>

--- a/docs/.vuepress/public/前端.pptx
+++ b/docs/.vuepress/public/前端.pptx
@@ -11648,14 +11648,14 @@
             <a:r>
               <a:rPr lang="zh-CN" altLang="en-US" sz="6600">
                 <a:solidFill>
-                  <a:schemeClr val="accent1"/>
+                  <a:srgbClr val="3AB986"/>
                 </a:solidFill>
               </a:rPr>
               <a:t>前端项目</a:t>
             </a:r>
             <a:endParaRPr lang="zh-CN" altLang="en-US" sz="6600">
               <a:solidFill>
-                <a:schemeClr val="accent1"/>
+                <a:srgbClr val="3AB986"/>
               </a:solidFill>
             </a:endParaRPr>
           </a:p>
@@ -11722,7 +11722,7 @@
             <a:r>
               <a:rPr lang="zh-CN" altLang="en-US" dirty="0">
                 <a:solidFill>
-                  <a:schemeClr val="accent1"/>
+                  <a:srgbClr val="3AB986"/>
                 </a:solidFill>
                 <a:sym typeface="Arial" panose="020B0604020202020204" pitchFamily="34" charset="0"/>
               </a:rPr>
@@ -11730,7 +11730,7 @@
             </a:r>
             <a:endParaRPr lang="zh-CN" altLang="en-US" dirty="0">
               <a:solidFill>
-                <a:schemeClr val="accent1"/>
+                <a:srgbClr val="3AB986"/>
               </a:solidFill>
               <a:sym typeface="Arial" panose="020B0604020202020204" pitchFamily="34" charset="0"/>
             </a:endParaRPr>
@@ -11778,10 +11778,18 @@
           <a:bodyPr/>
           <a:p>
             <a:r>
-              <a:rPr lang="zh-CN" altLang="en-US"/>
+              <a:rPr lang="zh-CN" altLang="en-US">
+                <a:solidFill>
+                  <a:srgbClr val="3AB986"/>
+                </a:solidFill>
+              </a:rPr>
               <a:t>前端工程化</a:t>
             </a:r>
-            <a:endParaRPr lang="zh-CN" altLang="en-US"/>
+            <a:endParaRPr lang="zh-CN" altLang="en-US">
+              <a:solidFill>
+                <a:srgbClr val="3AB986"/>
+              </a:solidFill>
+            </a:endParaRPr>
           </a:p>
         </p:txBody>
       </p:sp>
@@ -11793,18 +11801,84 @@
         </p:nvSpPr>
         <p:spPr>
           <a:xfrm>
-            <a:off x="9820275" y="1654810"/>
+            <a:off x="8296275" y="1654810"/>
             <a:ext cx="1309370" cy="3947795"/>
           </a:xfrm>
           <a:prstGeom prst="rect">
             <a:avLst/>
           </a:prstGeom>
           <a:solidFill>
-            <a:srgbClr val="39BAE8"/>
+            <a:srgbClr val="DB5762"/>
+          </a:solidFill>
+          <a:ln>
+            <a:noFill/>
+          </a:ln>
+        </p:spPr>
+        <p:style>
+          <a:lnRef idx="2">
+            <a:schemeClr val="accent1">
+              <a:shade val="50000"/>
+            </a:schemeClr>
+          </a:lnRef>
+          <a:fillRef idx="1">
+            <a:schemeClr val="accent1"/>
+          </a:fillRef>
+          <a:effectRef idx="0">
+            <a:schemeClr val="accent1"/>
+          </a:effectRef>
+          <a:fontRef idx="minor">
+            <a:schemeClr val="lt1"/>
+          </a:fontRef>
+        </p:style>
+        <p:txBody>
+          <a:bodyPr vertOverflow="overflow" horzOverflow="overflow" vert="horz" wrap="square" numCol="1" spcCol="0" rtlCol="0" fromWordArt="0" anchor="ctr" anchorCtr="0" forceAA="0" compatLnSpc="1">
+            <a:noAutofit/>
+          </a:bodyPr>
+          <a:p>
+            <a:pPr lvl="0" algn="ctr">
+              <a:lnSpc>
+                <a:spcPct val="150000"/>
+              </a:lnSpc>
+              <a:buClrTx/>
+              <a:buSzTx/>
+              <a:buFontTx/>
+            </a:pPr>
+            <a:r>
+              <a:rPr lang="en-US" altLang="zh-CN" sz="2400">
+                <a:latin typeface="微软雅黑" panose="020B0503020204020204" charset="-122"/>
+                <a:ea typeface="微软雅黑" panose="020B0503020204020204" charset="-122"/>
+                <a:sym typeface="+mn-ea"/>
+              </a:rPr>
+              <a:t>规范化</a:t>
+            </a:r>
+            <a:endParaRPr lang="en-US" altLang="zh-CN" sz="2400">
+              <a:latin typeface="微软雅黑" panose="020B0503020204020204" charset="-122"/>
+              <a:ea typeface="微软雅黑" panose="020B0503020204020204" charset="-122"/>
+              <a:sym typeface="+mn-ea"/>
+            </a:endParaRPr>
+          </a:p>
+        </p:txBody>
+      </p:sp>
+      <p:sp>
+        <p:nvSpPr>
+          <p:cNvPr id="8" name="矩形 7"/>
+          <p:cNvSpPr/>
+          <p:nvPr/>
+        </p:nvSpPr>
+        <p:spPr>
+          <a:xfrm>
+            <a:off x="1971675" y="4672965"/>
+            <a:ext cx="6135370" cy="929005"/>
+          </a:xfrm>
+          <a:prstGeom prst="rect">
+            <a:avLst/>
+          </a:prstGeom>
+          <a:solidFill>
+            <a:srgbClr val="5B7080"/>
           </a:solidFill>
           <a:ln>
             <a:solidFill>
-              <a:srgbClr val="1F6ED4"/>
+              <a:srgbClr val="5B7080"/>
             </a:solidFill>
           </a:ln>
         </p:spPr>
@@ -11825,42 +11899,53 @@
           </a:fontRef>
         </p:style>
         <p:txBody>
-          <a:bodyPr rtlCol="0" anchor="ctr" anchorCtr="0"/>
-          <a:p>
-            <a:pPr algn="ctr" fontAlgn="t">
+          <a:bodyPr vertOverflow="overflow" horzOverflow="overflow" vert="horz" wrap="square" numCol="1" spcCol="0" rtlCol="0" fromWordArt="0" anchor="ctr" anchorCtr="0" forceAA="0" compatLnSpc="1">
+            <a:noAutofit/>
+          </a:bodyPr>
+          <a:p>
+            <a:pPr lvl="0" algn="ctr">
               <a:lnSpc>
-                <a:spcPct val="90000"/>
+                <a:spcPct val="150000"/>
               </a:lnSpc>
+              <a:buClrTx/>
+              <a:buSzTx/>
+              <a:buFontTx/>
             </a:pPr>
             <a:r>
-              <a:rPr lang="zh-CN" altLang="en-US" sz="1600"/>
-              <a:t>规范化</a:t>
-            </a:r>
-            <a:endParaRPr lang="zh-CN" altLang="en-US" sz="1600"/>
-          </a:p>
-        </p:txBody>
-      </p:sp>
-      <p:sp>
-        <p:nvSpPr>
-          <p:cNvPr id="8" name="矩形 7"/>
+              <a:rPr lang="en-US" altLang="zh-CN" sz="2400">
+                <a:latin typeface="微软雅黑" panose="020B0503020204020204" charset="-122"/>
+                <a:ea typeface="微软雅黑" panose="020B0503020204020204" charset="-122"/>
+                <a:sym typeface="+mn-ea"/>
+              </a:rPr>
+              <a:t>自动化</a:t>
+            </a:r>
+            <a:endParaRPr lang="en-US" altLang="zh-CN" sz="2400">
+              <a:latin typeface="微软雅黑" panose="020B0503020204020204" charset="-122"/>
+              <a:ea typeface="微软雅黑" panose="020B0503020204020204" charset="-122"/>
+              <a:sym typeface="+mn-ea"/>
+            </a:endParaRPr>
+          </a:p>
+        </p:txBody>
+      </p:sp>
+      <p:sp>
+        <p:nvSpPr>
+          <p:cNvPr id="3" name="矩形 2"/>
           <p:cNvSpPr/>
           <p:nvPr/>
         </p:nvSpPr>
         <p:spPr>
           <a:xfrm>
-            <a:off x="1376680" y="4672965"/>
-            <a:ext cx="8254365" cy="929005"/>
+            <a:off x="1971675" y="1654175"/>
+            <a:ext cx="6135370" cy="1741170"/>
           </a:xfrm>
           <a:prstGeom prst="rect">
             <a:avLst/>
           </a:prstGeom>
           <a:solidFill>
-            <a:srgbClr val="39BAE8"/>
+            <a:srgbClr val="3AB986"/>
           </a:solidFill>
           <a:ln>
-            <a:solidFill>
-              <a:srgbClr val="1F6ED4"/>
-            </a:solidFill>
+            <a:noFill/>
           </a:ln>
         </p:spPr>
         <p:style>
@@ -11880,38 +11965,100 @@
           </a:fontRef>
         </p:style>
         <p:txBody>
-          <a:bodyPr rtlCol="0" anchor="ctr"/>
-          <a:p>
-            <a:pPr algn="ctr"/>
-            <a:r>
-              <a:rPr lang="zh-CN" sz="1400"/>
-              <a:t>自动化</a:t>
-            </a:r>
-            <a:endParaRPr lang="en-US" altLang="zh-CN" sz="1200"/>
-          </a:p>
-        </p:txBody>
-      </p:sp>
-      <p:sp>
-        <p:nvSpPr>
-          <p:cNvPr id="3" name="矩形 2"/>
+          <a:bodyPr vertOverflow="overflow" horzOverflow="overflow" vert="horz" wrap="square" numCol="1" spcCol="0" rtlCol="0" fromWordArt="0" anchor="ctr" anchorCtr="0" forceAA="0" compatLnSpc="1">
+            <a:noAutofit/>
+          </a:bodyPr>
+          <a:p>
+            <a:pPr lvl="0" algn="ctr">
+              <a:lnSpc>
+                <a:spcPct val="150000"/>
+              </a:lnSpc>
+              <a:buClrTx/>
+              <a:buSzTx/>
+              <a:buFontTx/>
+            </a:pPr>
+            <a:r>
+              <a:rPr lang="en-US" altLang="zh-CN" sz="2400">
+                <a:latin typeface="微软雅黑" panose="020B0503020204020204" charset="-122"/>
+                <a:ea typeface="微软雅黑" panose="020B0503020204020204" charset="-122"/>
+                <a:sym typeface="+mn-ea"/>
+              </a:rPr>
+              <a:t>组件化</a:t>
+            </a:r>
+            <a:endParaRPr lang="en-US" altLang="zh-CN" sz="2800">
+              <a:latin typeface="微软雅黑" panose="020B0503020204020204" charset="-122"/>
+              <a:ea typeface="微软雅黑" panose="020B0503020204020204" charset="-122"/>
+              <a:sym typeface="+mn-ea"/>
+            </a:endParaRPr>
+          </a:p>
+          <a:p>
+            <a:pPr lvl="0" algn="ctr">
+              <a:lnSpc>
+                <a:spcPct val="150000"/>
+              </a:lnSpc>
+              <a:buClrTx/>
+              <a:buSzTx/>
+              <a:buFontTx/>
+            </a:pPr>
+            <a:r>
+              <a:rPr lang="zh-CN" altLang="en-US" sz="1400">
+                <a:latin typeface="微软雅黑" panose="020B0503020204020204" charset="-122"/>
+                <a:ea typeface="微软雅黑" panose="020B0503020204020204" charset="-122"/>
+                <a:sym typeface="+mn-ea"/>
+              </a:rPr>
+              <a:t>对</a:t>
+            </a:r>
+            <a:r>
+              <a:rPr lang="en-US" altLang="zh-CN" sz="1400">
+                <a:latin typeface="微软雅黑" panose="020B0503020204020204" charset="-122"/>
+                <a:ea typeface="微软雅黑" panose="020B0503020204020204" charset="-122"/>
+                <a:sym typeface="+mn-ea"/>
+              </a:rPr>
+              <a:t>U</a:t>
+            </a:r>
+            <a:r>
+              <a:rPr lang="en-US" altLang="zh-CN" sz="1400">
+                <a:latin typeface="微软雅黑" panose="020B0503020204020204" charset="-122"/>
+                <a:ea typeface="微软雅黑" panose="020B0503020204020204" charset="-122"/>
+                <a:sym typeface="+mn-ea"/>
+              </a:rPr>
+              <a:t>I</a:t>
+            </a:r>
+            <a:r>
+              <a:rPr lang="zh-CN" altLang="en-US" sz="1400">
+                <a:latin typeface="微软雅黑" panose="020B0503020204020204" charset="-122"/>
+                <a:ea typeface="微软雅黑" panose="020B0503020204020204" charset="-122"/>
+                <a:sym typeface="+mn-ea"/>
+              </a:rPr>
+              <a:t>进行拆分</a:t>
+            </a:r>
+            <a:endParaRPr lang="zh-CN" altLang="en-US" sz="1400">
+              <a:latin typeface="微软雅黑" panose="020B0503020204020204" charset="-122"/>
+              <a:ea typeface="微软雅黑" panose="020B0503020204020204" charset="-122"/>
+              <a:sym typeface="+mn-ea"/>
+            </a:endParaRPr>
+          </a:p>
+        </p:txBody>
+      </p:sp>
+      <p:sp>
+        <p:nvSpPr>
+          <p:cNvPr id="6" name="矩形 5"/>
           <p:cNvSpPr/>
           <p:nvPr/>
         </p:nvSpPr>
         <p:spPr>
           <a:xfrm>
-            <a:off x="1376680" y="1654175"/>
-            <a:ext cx="8254365" cy="1741170"/>
+            <a:off x="1971675" y="3569970"/>
+            <a:ext cx="6135370" cy="929005"/>
           </a:xfrm>
           <a:prstGeom prst="rect">
             <a:avLst/>
           </a:prstGeom>
           <a:solidFill>
-            <a:srgbClr val="39BAE8"/>
+            <a:srgbClr val="8F7BB8"/>
           </a:solidFill>
           <a:ln>
-            <a:solidFill>
-              <a:srgbClr val="1F6ED4"/>
-            </a:solidFill>
+            <a:noFill/>
           </a:ln>
         </p:spPr>
         <p:style>
@@ -11931,65 +12078,62 @@
           </a:fontRef>
         </p:style>
         <p:txBody>
-          <a:bodyPr rtlCol="0" anchor="ctr"/>
-          <a:p>
-            <a:pPr algn="ctr"/>
-            <a:r>
-              <a:rPr lang="zh-CN" sz="1400"/>
-              <a:t>组件化</a:t>
-            </a:r>
-            <a:endParaRPr lang="en-US" altLang="zh-CN" sz="1200"/>
-          </a:p>
-        </p:txBody>
-      </p:sp>
-      <p:sp>
-        <p:nvSpPr>
-          <p:cNvPr id="6" name="矩形 5"/>
-          <p:cNvSpPr/>
-          <p:nvPr/>
-        </p:nvSpPr>
-        <p:spPr>
-          <a:xfrm>
-            <a:off x="1376680" y="3569970"/>
-            <a:ext cx="8254365" cy="929005"/>
-          </a:xfrm>
-          <a:prstGeom prst="rect">
-            <a:avLst/>
-          </a:prstGeom>
-          <a:solidFill>
-            <a:srgbClr val="39BAE8"/>
-          </a:solidFill>
-          <a:ln>
-            <a:solidFill>
-              <a:srgbClr val="1F6ED4"/>
-            </a:solidFill>
-          </a:ln>
-        </p:spPr>
-        <p:style>
-          <a:lnRef idx="2">
-            <a:schemeClr val="accent1">
-              <a:shade val="50000"/>
-            </a:schemeClr>
-          </a:lnRef>
-          <a:fillRef idx="1">
-            <a:schemeClr val="accent1"/>
-          </a:fillRef>
-          <a:effectRef idx="0">
-            <a:schemeClr val="accent1"/>
-          </a:effectRef>
-          <a:fontRef idx="minor">
-            <a:schemeClr val="lt1"/>
-          </a:fontRef>
-        </p:style>
-        <p:txBody>
-          <a:bodyPr rtlCol="0" anchor="ctr"/>
-          <a:p>
-            <a:pPr algn="ctr"/>
-            <a:r>
-              <a:rPr lang="zh-CN" sz="1400"/>
+          <a:bodyPr vertOverflow="overflow" horzOverflow="overflow" vert="horz" wrap="square" numCol="1" spcCol="0" rtlCol="0" fromWordArt="0" anchor="ctr" anchorCtr="0" forceAA="0" compatLnSpc="1">
+            <a:noAutofit/>
+          </a:bodyPr>
+          <a:p>
+            <a:pPr lvl="0" algn="ctr">
+              <a:lnSpc>
+                <a:spcPct val="150000"/>
+              </a:lnSpc>
+              <a:buClrTx/>
+              <a:buSzTx/>
+              <a:buFontTx/>
+            </a:pPr>
+            <a:r>
+              <a:rPr lang="en-US" altLang="zh-CN" sz="2400">
+                <a:latin typeface="微软雅黑" panose="020B0503020204020204" charset="-122"/>
+                <a:ea typeface="微软雅黑" panose="020B0503020204020204" charset="-122"/>
+                <a:sym typeface="+mn-ea"/>
+              </a:rPr>
               <a:t>模块化</a:t>
             </a:r>
-            <a:endParaRPr lang="en-US" altLang="zh-CN" sz="1200"/>
+            <a:endParaRPr lang="en-US" altLang="zh-CN" sz="2800">
+              <a:latin typeface="微软雅黑" panose="020B0503020204020204" charset="-122"/>
+              <a:ea typeface="微软雅黑" panose="020B0503020204020204" charset="-122"/>
+              <a:sym typeface="+mn-ea"/>
+            </a:endParaRPr>
+          </a:p>
+          <a:p>
+            <a:pPr lvl="0" algn="ctr">
+              <a:lnSpc>
+                <a:spcPct val="150000"/>
+              </a:lnSpc>
+              <a:buClrTx/>
+              <a:buSzTx/>
+              <a:buFontTx/>
+            </a:pPr>
+            <a:r>
+              <a:rPr lang="zh-CN" altLang="en-US" sz="1400">
+                <a:latin typeface="微软雅黑" panose="020B0503020204020204" charset="-122"/>
+                <a:ea typeface="微软雅黑" panose="020B0503020204020204" charset="-122"/>
+                <a:sym typeface="+mn-ea"/>
+              </a:rPr>
+              <a:t>对</a:t>
+            </a:r>
+            <a:r>
+              <a:rPr lang="zh-CN" altLang="en-US" sz="1400">
+                <a:latin typeface="微软雅黑" panose="020B0503020204020204" charset="-122"/>
+                <a:ea typeface="微软雅黑" panose="020B0503020204020204" charset="-122"/>
+                <a:sym typeface="+mn-ea"/>
+              </a:rPr>
+              <a:t>代码进行拆分</a:t>
+            </a:r>
+            <a:endParaRPr lang="zh-CN" altLang="en-US" sz="1400">
+              <a:latin typeface="微软雅黑" panose="020B0503020204020204" charset="-122"/>
+              <a:ea typeface="微软雅黑" panose="020B0503020204020204" charset="-122"/>
+              <a:sym typeface="+mn-ea"/>
+            </a:endParaRPr>
           </a:p>
         </p:txBody>
       </p:sp>
@@ -12026,7 +12170,7 @@
         </p:nvSpPr>
         <p:spPr>
           <a:xfrm>
-            <a:off x="669882" y="428629"/>
+            <a:off x="669882" y="467999"/>
             <a:ext cx="10852237" cy="441964"/>
           </a:xfrm>
         </p:spPr>
@@ -12034,10 +12178,18 @@
           <a:bodyPr/>
           <a:p>
             <a:r>
-              <a:rPr lang="zh-CN" altLang="en-US"/>
+              <a:rPr lang="zh-CN" altLang="en-US">
+                <a:solidFill>
+                  <a:srgbClr val="3AB986"/>
+                </a:solidFill>
+              </a:rPr>
               <a:t>前端项目</a:t>
             </a:r>
-            <a:endParaRPr lang="zh-CN" altLang="en-US"/>
+            <a:endParaRPr lang="zh-CN" altLang="en-US">
+              <a:solidFill>
+                <a:srgbClr val="3AB986"/>
+              </a:solidFill>
+            </a:endParaRPr>
           </a:p>
         </p:txBody>
       </p:sp>
@@ -12049,19 +12201,17 @@
         </p:nvSpPr>
         <p:spPr>
           <a:xfrm>
-            <a:off x="1233170" y="4427220"/>
-            <a:ext cx="6787515" cy="691515"/>
+            <a:off x="1233170" y="3769995"/>
+            <a:ext cx="6787515" cy="720000"/>
           </a:xfrm>
           <a:prstGeom prst="rect">
             <a:avLst/>
           </a:prstGeom>
           <a:solidFill>
-            <a:srgbClr val="39BAE8"/>
+            <a:srgbClr val="3AB986"/>
           </a:solidFill>
           <a:ln>
-            <a:solidFill>
-              <a:srgbClr val="1F6ED4"/>
-            </a:solidFill>
+            <a:noFill/>
           </a:ln>
         </p:spPr>
         <p:style>
@@ -12081,22 +12231,48 @@
           </a:fontRef>
         </p:style>
         <p:txBody>
-          <a:bodyPr rtlCol="0" anchor="ctr"/>
-          <a:p>
-            <a:pPr algn="l"/>
-            <a:r>
-              <a:rPr lang="zh-CN" altLang="en-US" sz="1400"/>
+          <a:bodyPr vertOverflow="overflow" horzOverflow="overflow" vert="horz" wrap="square" numCol="1" spcCol="0" rtlCol="0" fromWordArt="0" anchor="ctr" anchorCtr="0" forceAA="0" compatLnSpc="1">
+            <a:noAutofit/>
+          </a:bodyPr>
+          <a:p>
+            <a:pPr lvl="0" algn="l">
+              <a:buClrTx/>
+              <a:buSzTx/>
+              <a:buFontTx/>
+            </a:pPr>
+            <a:r>
+              <a:rPr lang="en-US" altLang="zh-CN" sz="1400">
+                <a:latin typeface="微软雅黑" panose="020B0503020204020204" charset="-122"/>
+                <a:ea typeface="微软雅黑" panose="020B0503020204020204" charset="-122"/>
+                <a:sym typeface="+mn-ea"/>
+              </a:rPr>
               <a:t>前端框架</a:t>
             </a:r>
-            <a:endParaRPr lang="en-US" altLang="zh-CN" sz="900"/>
-          </a:p>
-          <a:p>
-            <a:pPr algn="l"/>
-            <a:r>
-              <a:rPr lang="en-US" altLang="zh-CN" sz="1400"/>
+            <a:endParaRPr lang="en-US" altLang="zh-CN" sz="1400">
+              <a:latin typeface="微软雅黑" panose="020B0503020204020204" charset="-122"/>
+              <a:ea typeface="微软雅黑" panose="020B0503020204020204" charset="-122"/>
+              <a:sym typeface="+mn-ea"/>
+            </a:endParaRPr>
+          </a:p>
+          <a:p>
+            <a:pPr lvl="0" algn="l">
+              <a:buClrTx/>
+              <a:buSzTx/>
+              <a:buFontTx/>
+            </a:pPr>
+            <a:r>
+              <a:rPr lang="en-US" altLang="zh-CN" sz="1400">
+                <a:latin typeface="微软雅黑" panose="020B0503020204020204" charset="-122"/>
+                <a:ea typeface="微软雅黑" panose="020B0503020204020204" charset="-122"/>
+                <a:sym typeface="+mn-ea"/>
+              </a:rPr>
               <a:t>Vue.js</a:t>
             </a:r>
-            <a:endParaRPr lang="en-US" altLang="zh-CN" sz="1400"/>
+            <a:endParaRPr lang="en-US" altLang="zh-CN" sz="1400">
+              <a:latin typeface="微软雅黑" panose="020B0503020204020204" charset="-122"/>
+              <a:ea typeface="微软雅黑" panose="020B0503020204020204" charset="-122"/>
+              <a:sym typeface="+mn-ea"/>
+            </a:endParaRPr>
           </a:p>
         </p:txBody>
       </p:sp>
@@ -12108,19 +12284,17 @@
         </p:nvSpPr>
         <p:spPr>
           <a:xfrm>
-            <a:off x="9765665" y="2338705"/>
-            <a:ext cx="1309370" cy="3947795"/>
+            <a:off x="9622790" y="2005330"/>
+            <a:ext cx="1309370" cy="4072255"/>
           </a:xfrm>
           <a:prstGeom prst="rect">
             <a:avLst/>
           </a:prstGeom>
           <a:solidFill>
-            <a:srgbClr val="39BAE8"/>
+            <a:srgbClr val="DB5762"/>
           </a:solidFill>
           <a:ln>
-            <a:solidFill>
-              <a:srgbClr val="1F6ED4"/>
-            </a:solidFill>
+            <a:noFill/>
           </a:ln>
         </p:spPr>
         <p:style>
@@ -12140,26 +12314,31 @@
           </a:fontRef>
         </p:style>
         <p:txBody>
-          <a:bodyPr rtlCol="0" anchor="t" anchorCtr="0"/>
-          <a:p>
-            <a:pPr algn="ctr" fontAlgn="t">
+          <a:bodyPr vertOverflow="overflow" horzOverflow="overflow" vert="horz" wrap="square" numCol="1" spcCol="0" rtlCol="0" fromWordArt="0" anchor="t" anchorCtr="0" forceAA="0" compatLnSpc="1">
+            <a:noAutofit/>
+          </a:bodyPr>
+          <a:p>
+            <a:pPr lvl="0" algn="ctr">
               <a:lnSpc>
-                <a:spcPct val="90000"/>
+                <a:spcPct val="150000"/>
               </a:lnSpc>
+              <a:buClrTx/>
+              <a:buSzTx/>
+              <a:buFontTx/>
             </a:pPr>
-            <a:endParaRPr lang="zh-CN" altLang="en-US" sz="800"/>
-          </a:p>
-          <a:p>
-            <a:pPr algn="ctr" fontAlgn="t">
-              <a:lnSpc>
-                <a:spcPct val="90000"/>
-              </a:lnSpc>
-            </a:pPr>
-            <a:r>
-              <a:rPr lang="zh-CN" altLang="en-US" sz="1600"/>
+            <a:r>
+              <a:rPr lang="en-US" altLang="zh-CN" sz="1400">
+                <a:latin typeface="微软雅黑" panose="020B0503020204020204" charset="-122"/>
+                <a:ea typeface="微软雅黑" panose="020B0503020204020204" charset="-122"/>
+                <a:sym typeface="+mn-ea"/>
+              </a:rPr>
               <a:t>规范</a:t>
             </a:r>
-            <a:endParaRPr lang="zh-CN" altLang="en-US" sz="1600"/>
+            <a:endParaRPr lang="en-US" altLang="zh-CN" sz="1400">
+              <a:latin typeface="微软雅黑" panose="020B0503020204020204" charset="-122"/>
+              <a:ea typeface="微软雅黑" panose="020B0503020204020204" charset="-122"/>
+              <a:sym typeface="+mn-ea"/>
+            </a:endParaRPr>
           </a:p>
         </p:txBody>
       </p:sp>
@@ -12172,18 +12351,16 @@
         <p:spPr>
           <a:xfrm>
             <a:off x="1233170" y="5356860"/>
-            <a:ext cx="8254365" cy="929005"/>
+            <a:ext cx="8253730" cy="720090"/>
           </a:xfrm>
           <a:prstGeom prst="rect">
             <a:avLst/>
           </a:prstGeom>
           <a:solidFill>
-            <a:srgbClr val="39BAE8"/>
+            <a:srgbClr val="5B7080"/>
           </a:solidFill>
           <a:ln>
-            <a:solidFill>
-              <a:srgbClr val="1F6ED4"/>
-            </a:solidFill>
+            <a:noFill/>
           </a:ln>
         </p:spPr>
         <p:style>
@@ -12203,22 +12380,48 @@
           </a:fontRef>
         </p:style>
         <p:txBody>
-          <a:bodyPr rtlCol="0" anchor="ctr"/>
-          <a:p>
-            <a:pPr algn="l"/>
-            <a:r>
-              <a:rPr lang="zh-CN" altLang="en-US" sz="1400"/>
+          <a:bodyPr vertOverflow="overflow" horzOverflow="overflow" vert="horz" wrap="square" numCol="1" spcCol="0" rtlCol="0" fromWordArt="0" anchor="ctr" anchorCtr="0" forceAA="0" compatLnSpc="1">
+            <a:noAutofit/>
+          </a:bodyPr>
+          <a:p>
+            <a:pPr lvl="0" algn="l">
+              <a:buClrTx/>
+              <a:buSzTx/>
+              <a:buFontTx/>
+            </a:pPr>
+            <a:r>
+              <a:rPr lang="en-US" altLang="zh-CN" sz="1400">
+                <a:latin typeface="微软雅黑" panose="020B0503020204020204" charset="-122"/>
+                <a:ea typeface="微软雅黑" panose="020B0503020204020204" charset="-122"/>
+                <a:sym typeface="+mn-ea"/>
+              </a:rPr>
               <a:t>构建</a:t>
             </a:r>
-            <a:endParaRPr lang="en-US" altLang="zh-CN" sz="1600"/>
-          </a:p>
-          <a:p>
-            <a:pPr algn="l"/>
-            <a:r>
-              <a:rPr lang="en-US" altLang="zh-CN" sz="1200"/>
+            <a:endParaRPr lang="en-US" altLang="zh-CN" sz="1400">
+              <a:latin typeface="微软雅黑" panose="020B0503020204020204" charset="-122"/>
+              <a:ea typeface="微软雅黑" panose="020B0503020204020204" charset="-122"/>
+              <a:sym typeface="+mn-ea"/>
+            </a:endParaRPr>
+          </a:p>
+          <a:p>
+            <a:pPr lvl="0" algn="l">
+              <a:buClrTx/>
+              <a:buSzTx/>
+              <a:buFontTx/>
+            </a:pPr>
+            <a:r>
+              <a:rPr lang="en-US" altLang="zh-CN" sz="1400">
+                <a:latin typeface="微软雅黑" panose="020B0503020204020204" charset="-122"/>
+                <a:ea typeface="微软雅黑" panose="020B0503020204020204" charset="-122"/>
+                <a:sym typeface="+mn-ea"/>
+              </a:rPr>
               <a:t>webpack</a:t>
             </a:r>
-            <a:endParaRPr lang="en-US" altLang="zh-CN" sz="1200"/>
+            <a:endParaRPr lang="en-US" altLang="zh-CN" sz="1400">
+              <a:latin typeface="微软雅黑" panose="020B0503020204020204" charset="-122"/>
+              <a:ea typeface="微软雅黑" panose="020B0503020204020204" charset="-122"/>
+              <a:sym typeface="+mn-ea"/>
+            </a:endParaRPr>
           </a:p>
         </p:txBody>
       </p:sp>
@@ -12230,19 +12433,19 @@
         </p:nvSpPr>
         <p:spPr>
           <a:xfrm>
-            <a:off x="9911715" y="2867660"/>
-            <a:ext cx="1014095" cy="486410"/>
+            <a:off x="9768840" y="2534285"/>
+            <a:ext cx="1014095" cy="504000"/>
           </a:xfrm>
           <a:prstGeom prst="rect">
             <a:avLst/>
           </a:prstGeom>
           <a:solidFill>
-            <a:srgbClr val="39BAE8"/>
+            <a:srgbClr val="FFFFFF">
+              <a:alpha val="15000"/>
+            </a:srgbClr>
           </a:solidFill>
           <a:ln>
-            <a:solidFill>
-              <a:srgbClr val="1F6ED4"/>
-            </a:solidFill>
+            <a:noFill/>
           </a:ln>
         </p:spPr>
         <p:style>
@@ -12272,18 +12475,27 @@
               <a:buFontTx/>
             </a:pPr>
             <a:r>
-              <a:rPr lang="zh-CN" altLang="en-US" sz="1200">
+              <a:rPr lang="en-US" altLang="zh-CN" sz="1200">
+                <a:solidFill>
+                  <a:schemeClr val="bg1"/>
+                </a:solidFill>
                 <a:sym typeface="+mn-ea"/>
               </a:rPr>
               <a:t>项目</a:t>
             </a:r>
             <a:r>
-              <a:rPr lang="zh-CN" altLang="en-US" sz="1200">
+              <a:rPr lang="en-US" altLang="zh-CN" sz="1200">
+                <a:solidFill>
+                  <a:schemeClr val="bg1"/>
+                </a:solidFill>
                 <a:sym typeface="+mn-ea"/>
               </a:rPr>
               <a:t>结构</a:t>
             </a:r>
-            <a:endParaRPr lang="zh-CN" altLang="en-US" sz="1200">
+            <a:endParaRPr lang="en-US" altLang="zh-CN" sz="1200">
+              <a:solidFill>
+                <a:schemeClr val="bg1"/>
+              </a:solidFill>
               <a:sym typeface="+mn-ea"/>
             </a:endParaRPr>
           </a:p>
@@ -12297,19 +12509,19 @@
         </p:nvSpPr>
         <p:spPr>
           <a:xfrm>
-            <a:off x="9916160" y="3572510"/>
-            <a:ext cx="1014095" cy="486410"/>
+            <a:off x="9773285" y="3239135"/>
+            <a:ext cx="1014095" cy="504000"/>
           </a:xfrm>
           <a:prstGeom prst="rect">
             <a:avLst/>
           </a:prstGeom>
           <a:solidFill>
-            <a:srgbClr val="39BAE8"/>
+            <a:srgbClr val="FFFFFF">
+              <a:alpha val="15000"/>
+            </a:srgbClr>
           </a:solidFill>
           <a:ln>
-            <a:solidFill>
-              <a:srgbClr val="1F6ED4"/>
-            </a:solidFill>
+            <a:noFill/>
           </a:ln>
         </p:spPr>
         <p:style>
@@ -12340,17 +12552,17 @@
             </a:pPr>
             <a:r>
               <a:rPr lang="zh-CN" altLang="en-US" sz="1200">
+                <a:solidFill>
+                  <a:schemeClr val="bg1"/>
+                </a:solidFill>
                 <a:sym typeface="+mn-ea"/>
               </a:rPr>
-              <a:t>命名</a:t>
-            </a:r>
-            <a:r>
-              <a:rPr lang="zh-CN" altLang="en-US" sz="1200">
-                <a:sym typeface="+mn-ea"/>
-              </a:rPr>
-              <a:t>规则</a:t>
-            </a:r>
-            <a:endParaRPr lang="zh-CN" altLang="en-US" sz="1200">
+              <a:t>编码风格</a:t>
+            </a:r>
+            <a:endParaRPr lang="en-US" altLang="zh-CN" sz="1200">
+              <a:solidFill>
+                <a:schemeClr val="bg1"/>
+              </a:solidFill>
               <a:sym typeface="+mn-ea"/>
             </a:endParaRPr>
           </a:p>
@@ -12364,19 +12576,19 @@
         </p:nvSpPr>
         <p:spPr>
           <a:xfrm>
-            <a:off x="9911715" y="4310380"/>
-            <a:ext cx="1014095" cy="486410"/>
+            <a:off x="9768840" y="4608830"/>
+            <a:ext cx="1014095" cy="504000"/>
           </a:xfrm>
           <a:prstGeom prst="rect">
             <a:avLst/>
           </a:prstGeom>
           <a:solidFill>
-            <a:srgbClr val="39BAE8"/>
+            <a:srgbClr val="FFFFFF">
+              <a:alpha val="15000"/>
+            </a:srgbClr>
           </a:solidFill>
           <a:ln>
-            <a:solidFill>
-              <a:srgbClr val="1F6ED4"/>
-            </a:solidFill>
+            <a:noFill/>
           </a:ln>
         </p:spPr>
         <p:style>
@@ -12406,12 +12618,18 @@
               <a:buFontTx/>
             </a:pPr>
             <a:r>
-              <a:rPr lang="zh-CN" altLang="en-US" sz="1200">
+              <a:rPr lang="en-US" altLang="zh-CN" sz="1200">
+                <a:solidFill>
+                  <a:schemeClr val="bg1"/>
+                </a:solidFill>
                 <a:sym typeface="+mn-ea"/>
               </a:rPr>
-              <a:t>代码风格</a:t>
-            </a:r>
-            <a:endParaRPr lang="zh-CN" altLang="en-US" sz="1200">
+              <a:t>文档规范</a:t>
+            </a:r>
+            <a:endParaRPr lang="en-US" altLang="zh-CN" sz="1200">
+              <a:solidFill>
+                <a:schemeClr val="bg1"/>
+              </a:solidFill>
               <a:sym typeface="+mn-ea"/>
             </a:endParaRPr>
           </a:p>
@@ -12419,25 +12637,25 @@
       </p:sp>
       <p:sp>
         <p:nvSpPr>
-          <p:cNvPr id="12" name="矩形 11"/>
+          <p:cNvPr id="14" name="矩形 13"/>
           <p:cNvSpPr/>
           <p:nvPr/>
         </p:nvSpPr>
         <p:spPr>
           <a:xfrm>
-            <a:off x="2328545" y="5532120"/>
-            <a:ext cx="1182370" cy="577850"/>
+            <a:off x="5695950" y="5465445"/>
+            <a:ext cx="1077595" cy="504190"/>
           </a:xfrm>
           <a:prstGeom prst="rect">
             <a:avLst/>
           </a:prstGeom>
           <a:solidFill>
-            <a:srgbClr val="39BAE8"/>
+            <a:srgbClr val="FFFFFF">
+              <a:alpha val="15000"/>
+            </a:srgbClr>
           </a:solidFill>
           <a:ln>
-            <a:solidFill>
-              <a:srgbClr val="1F6ED4"/>
-            </a:solidFill>
+            <a:noFill/>
           </a:ln>
         </p:spPr>
         <p:style>
@@ -12462,41 +12680,41 @@
             <a:pPr algn="ctr"/>
             <a:r>
               <a:rPr lang="zh-CN" altLang="en-US" sz="1400"/>
-              <a:t>模块化</a:t>
-            </a:r>
-            <a:endParaRPr lang="zh-CN" altLang="en-US" sz="1600"/>
+              <a:t>插件</a:t>
+            </a:r>
+            <a:endParaRPr lang="zh-CN" altLang="en-US"/>
           </a:p>
           <a:p>
             <a:pPr algn="ctr"/>
             <a:r>
-              <a:rPr lang="en-US" altLang="zh-CN" sz="1000"/>
-              <a:t>esm / commonjs</a:t>
-            </a:r>
-            <a:endParaRPr lang="en-US" altLang="zh-CN" sz="1000"/>
-          </a:p>
-        </p:txBody>
-      </p:sp>
-      <p:sp>
-        <p:nvSpPr>
-          <p:cNvPr id="14" name="矩形 13"/>
+              <a:rPr lang="zh-CN" altLang="en-US" sz="1000"/>
+              <a:t>扩展功能</a:t>
+            </a:r>
+            <a:endParaRPr lang="zh-CN" altLang="en-US" sz="1000"/>
+          </a:p>
+        </p:txBody>
+      </p:sp>
+      <p:sp>
+        <p:nvSpPr>
+          <p:cNvPr id="15" name="矩形 14"/>
           <p:cNvSpPr/>
           <p:nvPr/>
         </p:nvSpPr>
         <p:spPr>
           <a:xfrm>
-            <a:off x="6702425" y="5532120"/>
-            <a:ext cx="886460" cy="577850"/>
+            <a:off x="2345055" y="5465445"/>
+            <a:ext cx="1175385" cy="504190"/>
           </a:xfrm>
           <a:prstGeom prst="rect">
             <a:avLst/>
           </a:prstGeom>
           <a:solidFill>
-            <a:srgbClr val="39BAE8"/>
+            <a:srgbClr val="FFFFFF">
+              <a:alpha val="15000"/>
+            </a:srgbClr>
           </a:solidFill>
           <a:ln>
-            <a:solidFill>
-              <a:srgbClr val="1F6ED4"/>
-            </a:solidFill>
+            <a:noFill/>
           </a:ln>
         </p:spPr>
         <p:style>
@@ -12521,41 +12739,41 @@
             <a:pPr algn="ctr"/>
             <a:r>
               <a:rPr lang="zh-CN" altLang="en-US" sz="1400"/>
-              <a:t>插件</a:t>
-            </a:r>
-            <a:endParaRPr lang="zh-CN" altLang="en-US"/>
+              <a:t>编译</a:t>
+            </a:r>
+            <a:endParaRPr lang="zh-CN" altLang="en-US" sz="1400"/>
           </a:p>
           <a:p>
             <a:pPr algn="ctr"/>
             <a:r>
-              <a:rPr lang="zh-CN" altLang="en-US" sz="1000"/>
-              <a:t>扩展功能</a:t>
-            </a:r>
-            <a:endParaRPr lang="zh-CN" altLang="en-US" sz="1000"/>
-          </a:p>
-        </p:txBody>
-      </p:sp>
-      <p:sp>
-        <p:nvSpPr>
-          <p:cNvPr id="15" name="矩形 14"/>
+              <a:rPr lang="en-US" altLang="zh-CN" sz="1000"/>
+              <a:t>TS / SCSS</a:t>
+            </a:r>
+            <a:endParaRPr lang="en-US" altLang="zh-CN" sz="1000"/>
+          </a:p>
+        </p:txBody>
+      </p:sp>
+      <p:sp>
+        <p:nvSpPr>
+          <p:cNvPr id="16" name="矩形 15"/>
           <p:cNvSpPr/>
           <p:nvPr/>
         </p:nvSpPr>
         <p:spPr>
           <a:xfrm>
-            <a:off x="3696335" y="5532120"/>
-            <a:ext cx="1063625" cy="577850"/>
+            <a:off x="3639185" y="5465445"/>
+            <a:ext cx="1910715" cy="504190"/>
           </a:xfrm>
           <a:prstGeom prst="rect">
             <a:avLst/>
           </a:prstGeom>
           <a:solidFill>
-            <a:srgbClr val="39BAE8"/>
+            <a:srgbClr val="FFFFFF">
+              <a:alpha val="15000"/>
+            </a:srgbClr>
           </a:solidFill>
           <a:ln>
-            <a:solidFill>
-              <a:srgbClr val="1F6ED4"/>
-            </a:solidFill>
+            <a:noFill/>
           </a:ln>
         </p:spPr>
         <p:style>
@@ -12579,42 +12797,50 @@
           <a:p>
             <a:pPr algn="ctr"/>
             <a:r>
-              <a:rPr lang="zh-CN" altLang="en-US" sz="1400"/>
-              <a:t>编译</a:t>
-            </a:r>
-            <a:endParaRPr lang="zh-CN" altLang="en-US" sz="1400"/>
+              <a:rPr lang="en-US" altLang="zh-CN"/>
+              <a:t>dev-server</a:t>
+            </a:r>
+            <a:endParaRPr lang="en-US" altLang="zh-CN"/>
           </a:p>
           <a:p>
             <a:pPr algn="ctr"/>
             <a:r>
+              <a:rPr lang="zh-CN" altLang="en-US" sz="1000"/>
+              <a:t>实时编译</a:t>
+            </a:r>
+            <a:r>
               <a:rPr lang="en-US" altLang="zh-CN" sz="1000"/>
-              <a:t>TS / SCSS</a:t>
-            </a:r>
-            <a:endParaRPr lang="en-US" altLang="zh-CN" sz="1000"/>
-          </a:p>
-        </p:txBody>
-      </p:sp>
-      <p:sp>
-        <p:nvSpPr>
-          <p:cNvPr id="16" name="矩形 15"/>
+              <a:t> / </a:t>
+            </a:r>
+            <a:r>
+              <a:rPr lang="zh-CN" altLang="en-US" sz="1000"/>
+              <a:t>反向代理</a:t>
+            </a:r>
+            <a:endParaRPr lang="zh-CN" altLang="en-US" sz="1000"/>
+          </a:p>
+        </p:txBody>
+      </p:sp>
+      <p:sp>
+        <p:nvSpPr>
+          <p:cNvPr id="17" name="矩形 16"/>
           <p:cNvSpPr/>
           <p:nvPr/>
         </p:nvSpPr>
         <p:spPr>
           <a:xfrm>
-            <a:off x="4945380" y="5532120"/>
-            <a:ext cx="1571625" cy="577850"/>
+            <a:off x="6908800" y="5465445"/>
+            <a:ext cx="1541145" cy="504190"/>
           </a:xfrm>
           <a:prstGeom prst="rect">
             <a:avLst/>
           </a:prstGeom>
           <a:solidFill>
-            <a:srgbClr val="39BAE8"/>
+            <a:srgbClr val="FFFFFF">
+              <a:alpha val="15000"/>
+            </a:srgbClr>
           </a:solidFill>
           <a:ln>
-            <a:solidFill>
-              <a:srgbClr val="1F6ED4"/>
-            </a:solidFill>
+            <a:noFill/>
           </a:ln>
         </p:spPr>
         <p:style>
@@ -12638,16 +12864,16 @@
           <a:p>
             <a:pPr algn="ctr"/>
             <a:r>
-              <a:rPr lang="en-US" altLang="zh-CN"/>
-              <a:t>dev-server</a:t>
-            </a:r>
-            <a:endParaRPr lang="en-US" altLang="zh-CN"/>
+              <a:rPr lang="zh-CN" altLang="en-US" sz="1400"/>
+              <a:t>优化</a:t>
+            </a:r>
+            <a:endParaRPr lang="zh-CN" altLang="en-US" sz="1600"/>
           </a:p>
           <a:p>
             <a:pPr algn="ctr"/>
             <a:r>
               <a:rPr lang="zh-CN" altLang="en-US" sz="1000"/>
-              <a:t>实时编译</a:t>
+              <a:t>合并</a:t>
             </a:r>
             <a:r>
               <a:rPr lang="en-US" altLang="zh-CN" sz="1000"/>
@@ -12655,7 +12881,15 @@
             </a:r>
             <a:r>
               <a:rPr lang="zh-CN" altLang="en-US" sz="1000"/>
-              <a:t>反向代理</a:t>
+              <a:t>混淆</a:t>
+            </a:r>
+            <a:r>
+              <a:rPr lang="en-US" altLang="zh-CN" sz="1000"/>
+              <a:t> / </a:t>
+            </a:r>
+            <a:r>
+              <a:rPr lang="zh-CN" altLang="en-US" sz="1000"/>
+              <a:t>压缩</a:t>
             </a:r>
             <a:endParaRPr lang="zh-CN" altLang="en-US" sz="1000"/>
           </a:p>
@@ -12663,25 +12897,23 @@
       </p:sp>
       <p:sp>
         <p:nvSpPr>
-          <p:cNvPr id="17" name="矩形 16"/>
+          <p:cNvPr id="18" name="矩形 17"/>
           <p:cNvSpPr/>
           <p:nvPr/>
         </p:nvSpPr>
         <p:spPr>
           <a:xfrm>
-            <a:off x="7774305" y="5532120"/>
-            <a:ext cx="1267460" cy="577850"/>
+            <a:off x="5351145" y="2880360"/>
+            <a:ext cx="1267460" cy="720000"/>
           </a:xfrm>
           <a:prstGeom prst="rect">
             <a:avLst/>
           </a:prstGeom>
           <a:solidFill>
-            <a:srgbClr val="39BAE8"/>
+            <a:srgbClr val="FCB83B"/>
           </a:solidFill>
           <a:ln>
-            <a:solidFill>
-              <a:srgbClr val="1F6ED4"/>
-            </a:solidFill>
+            <a:noFill/>
           </a:ln>
         </p:spPr>
         <p:style>
@@ -12701,62 +12933,70 @@
           </a:fontRef>
         </p:style>
         <p:txBody>
-          <a:bodyPr rtlCol="0" anchor="ctr"/>
-          <a:p>
-            <a:pPr algn="ctr"/>
-            <a:r>
-              <a:rPr lang="zh-CN" altLang="en-US" sz="1400"/>
-              <a:t>优化</a:t>
-            </a:r>
-            <a:endParaRPr lang="zh-CN" altLang="en-US" sz="1600"/>
-          </a:p>
-          <a:p>
-            <a:pPr algn="ctr"/>
-            <a:r>
-              <a:rPr lang="zh-CN" altLang="en-US" sz="1000"/>
-              <a:t>合并</a:t>
-            </a:r>
-            <a:r>
-              <a:rPr lang="en-US" altLang="zh-CN" sz="1000"/>
-              <a:t> / </a:t>
-            </a:r>
-            <a:r>
-              <a:rPr lang="zh-CN" altLang="en-US" sz="1000"/>
-              <a:t>混淆</a:t>
-            </a:r>
-            <a:r>
-              <a:rPr lang="en-US" altLang="zh-CN" sz="1000"/>
-              <a:t> / </a:t>
-            </a:r>
-            <a:r>
-              <a:rPr lang="zh-CN" altLang="en-US" sz="1000"/>
-              <a:t>压缩</a:t>
-            </a:r>
-            <a:endParaRPr lang="zh-CN" altLang="en-US" sz="1000"/>
-          </a:p>
-        </p:txBody>
-      </p:sp>
-      <p:sp>
-        <p:nvSpPr>
-          <p:cNvPr id="18" name="矩形 17"/>
+          <a:bodyPr vertOverflow="overflow" horzOverflow="overflow" vert="horz" wrap="square" numCol="1" spcCol="0" rtlCol="0" fromWordArt="0" anchor="ctr" anchorCtr="0" forceAA="0" compatLnSpc="1">
+            <a:noAutofit/>
+          </a:bodyPr>
+          <a:p>
+            <a:pPr lvl="0" algn="ctr">
+              <a:buClrTx/>
+              <a:buSzTx/>
+              <a:buFontTx/>
+            </a:pPr>
+            <a:r>
+              <a:rPr lang="en-US" altLang="zh-CN" sz="1400">
+                <a:latin typeface="微软雅黑" panose="020B0503020204020204" charset="-122"/>
+                <a:ea typeface="微软雅黑" panose="020B0503020204020204" charset="-122"/>
+                <a:sym typeface="+mn-ea"/>
+              </a:rPr>
+              <a:t>前端路由</a:t>
+            </a:r>
+            <a:endParaRPr lang="en-US" altLang="zh-CN" sz="1400">
+              <a:latin typeface="微软雅黑" panose="020B0503020204020204" charset="-122"/>
+              <a:ea typeface="微软雅黑" panose="020B0503020204020204" charset="-122"/>
+              <a:sym typeface="+mn-ea"/>
+            </a:endParaRPr>
+          </a:p>
+          <a:p>
+            <a:pPr lvl="0" algn="ctr">
+              <a:buClrTx/>
+              <a:buSzTx/>
+              <a:buFontTx/>
+            </a:pPr>
+            <a:r>
+              <a:rPr lang="en-US" altLang="zh-CN" sz="1400">
+                <a:latin typeface="微软雅黑" panose="020B0503020204020204" charset="-122"/>
+                <a:ea typeface="微软雅黑" panose="020B0503020204020204" charset="-122"/>
+                <a:sym typeface="+mn-ea"/>
+              </a:rPr>
+              <a:t>vue-router</a:t>
+            </a:r>
+            <a:endParaRPr lang="en-US" altLang="zh-CN" sz="1400">
+              <a:latin typeface="微软雅黑" panose="020B0503020204020204" charset="-122"/>
+              <a:ea typeface="微软雅黑" panose="020B0503020204020204" charset="-122"/>
+              <a:sym typeface="+mn-ea"/>
+            </a:endParaRPr>
+          </a:p>
+        </p:txBody>
+      </p:sp>
+      <p:sp>
+        <p:nvSpPr>
+          <p:cNvPr id="19" name="矩形 18"/>
           <p:cNvSpPr/>
           <p:nvPr/>
         </p:nvSpPr>
         <p:spPr>
           <a:xfrm>
-            <a:off x="5351145" y="3385185"/>
-            <a:ext cx="1267460" cy="796925"/>
+            <a:off x="6753225" y="2880360"/>
+            <a:ext cx="1267460" cy="720000"/>
           </a:xfrm>
           <a:prstGeom prst="rect">
             <a:avLst/>
           </a:prstGeom>
           <a:solidFill>
-            <a:srgbClr val="39BAE8"/>
+            <a:srgbClr val="FCB83B"/>
           </a:solidFill>
           <a:ln>
-            <a:solidFill>
-              <a:srgbClr val="1F6ED4"/>
-            </a:solidFill>
+            <a:noFill/>
           </a:ln>
         </p:spPr>
         <p:style>
@@ -12776,46 +13016,70 @@
           </a:fontRef>
         </p:style>
         <p:txBody>
-          <a:bodyPr rtlCol="0" anchor="ctr"/>
-          <a:p>
-            <a:pPr algn="ctr"/>
-            <a:r>
-              <a:rPr lang="zh-CN" altLang="en-US" sz="1400"/>
-              <a:t>前端路由</a:t>
-            </a:r>
-            <a:endParaRPr lang="zh-CN" altLang="en-US" sz="1400"/>
-          </a:p>
-          <a:p>
-            <a:pPr algn="ctr"/>
-            <a:r>
-              <a:rPr lang="en-US" altLang="zh-CN" sz="1000"/>
-              <a:t>vue-router</a:t>
-            </a:r>
-            <a:endParaRPr lang="en-US" altLang="zh-CN" sz="1000"/>
-          </a:p>
-        </p:txBody>
-      </p:sp>
-      <p:sp>
-        <p:nvSpPr>
-          <p:cNvPr id="19" name="矩形 18"/>
+          <a:bodyPr vertOverflow="overflow" horzOverflow="overflow" vert="horz" wrap="square" numCol="1" spcCol="0" rtlCol="0" fromWordArt="0" anchor="ctr" anchorCtr="0" forceAA="0" compatLnSpc="1">
+            <a:noAutofit/>
+          </a:bodyPr>
+          <a:p>
+            <a:pPr lvl="0" algn="ctr">
+              <a:buClrTx/>
+              <a:buSzTx/>
+              <a:buFontTx/>
+            </a:pPr>
+            <a:r>
+              <a:rPr lang="en-US" altLang="zh-CN" sz="1400">
+                <a:latin typeface="微软雅黑" panose="020B0503020204020204" charset="-122"/>
+                <a:ea typeface="微软雅黑" panose="020B0503020204020204" charset="-122"/>
+                <a:sym typeface="+mn-ea"/>
+              </a:rPr>
+              <a:t>状态管理</a:t>
+            </a:r>
+            <a:endParaRPr lang="en-US" altLang="zh-CN" sz="1400">
+              <a:latin typeface="微软雅黑" panose="020B0503020204020204" charset="-122"/>
+              <a:ea typeface="微软雅黑" panose="020B0503020204020204" charset="-122"/>
+              <a:sym typeface="+mn-ea"/>
+            </a:endParaRPr>
+          </a:p>
+          <a:p>
+            <a:pPr lvl="0" algn="ctr">
+              <a:buClrTx/>
+              <a:buSzTx/>
+              <a:buFontTx/>
+            </a:pPr>
+            <a:r>
+              <a:rPr lang="en-US" altLang="zh-CN" sz="1400">
+                <a:latin typeface="微软雅黑" panose="020B0503020204020204" charset="-122"/>
+                <a:ea typeface="微软雅黑" panose="020B0503020204020204" charset="-122"/>
+                <a:sym typeface="+mn-ea"/>
+              </a:rPr>
+              <a:t>vuex</a:t>
+            </a:r>
+            <a:endParaRPr lang="en-US" altLang="zh-CN" sz="1400">
+              <a:latin typeface="微软雅黑" panose="020B0503020204020204" charset="-122"/>
+              <a:ea typeface="微软雅黑" panose="020B0503020204020204" charset="-122"/>
+              <a:sym typeface="+mn-ea"/>
+            </a:endParaRPr>
+          </a:p>
+        </p:txBody>
+      </p:sp>
+      <p:sp>
+        <p:nvSpPr>
+          <p:cNvPr id="21" name="矩形 20"/>
           <p:cNvSpPr/>
           <p:nvPr/>
         </p:nvSpPr>
         <p:spPr>
           <a:xfrm>
-            <a:off x="6753225" y="3385185"/>
-            <a:ext cx="1267460" cy="796925"/>
+            <a:off x="1233170" y="2880360"/>
+            <a:ext cx="3977640" cy="720000"/>
           </a:xfrm>
           <a:prstGeom prst="rect">
             <a:avLst/>
           </a:prstGeom>
           <a:solidFill>
-            <a:srgbClr val="39BAE8"/>
+            <a:srgbClr val="3AB986"/>
           </a:solidFill>
           <a:ln>
-            <a:solidFill>
-              <a:srgbClr val="1F6ED4"/>
-            </a:solidFill>
+            <a:noFill/>
           </a:ln>
         </p:spPr>
         <p:style>
@@ -12835,46 +13099,224 @@
           </a:fontRef>
         </p:style>
         <p:txBody>
-          <a:bodyPr rtlCol="0" anchor="ctr"/>
-          <a:p>
-            <a:pPr algn="ctr"/>
-            <a:r>
-              <a:rPr lang="zh-CN" altLang="en-US" sz="1400"/>
-              <a:t>状态管理</a:t>
-            </a:r>
-            <a:endParaRPr lang="zh-CN" altLang="en-US" sz="1400"/>
-          </a:p>
-          <a:p>
-            <a:pPr algn="ctr"/>
-            <a:r>
-              <a:rPr lang="en-US" altLang="zh-CN" sz="1000"/>
-              <a:t>vuex</a:t>
-            </a:r>
-            <a:endParaRPr lang="en-US" altLang="zh-CN" sz="1000"/>
-          </a:p>
-        </p:txBody>
-      </p:sp>
-      <p:sp>
-        <p:nvSpPr>
-          <p:cNvPr id="21" name="矩形 20"/>
+          <a:bodyPr vertOverflow="overflow" horzOverflow="overflow" vert="horz" wrap="square" numCol="1" spcCol="0" rtlCol="0" fromWordArt="0" anchor="ctr" anchorCtr="0" forceAA="0" compatLnSpc="1">
+            <a:noAutofit/>
+          </a:bodyPr>
+          <a:p>
+            <a:pPr lvl="0" algn="l">
+              <a:buClrTx/>
+              <a:buSzTx/>
+              <a:buFontTx/>
+            </a:pPr>
+            <a:r>
+              <a:rPr lang="en-US" altLang="zh-CN" sz="1400">
+                <a:latin typeface="微软雅黑" panose="020B0503020204020204" charset="-122"/>
+                <a:ea typeface="微软雅黑" panose="020B0503020204020204" charset="-122"/>
+                <a:sym typeface="+mn-ea"/>
+              </a:rPr>
+              <a:t>基础组件库</a:t>
+            </a:r>
+            <a:endParaRPr lang="en-US" altLang="zh-CN" sz="1400">
+              <a:latin typeface="微软雅黑" panose="020B0503020204020204" charset="-122"/>
+              <a:ea typeface="微软雅黑" panose="020B0503020204020204" charset="-122"/>
+              <a:sym typeface="+mn-ea"/>
+            </a:endParaRPr>
+          </a:p>
+          <a:p>
+            <a:pPr lvl="0" algn="l">
+              <a:buClrTx/>
+              <a:buSzTx/>
+              <a:buFontTx/>
+            </a:pPr>
+            <a:r>
+              <a:rPr lang="en-US" altLang="zh-CN" sz="1400">
+                <a:latin typeface="微软雅黑" panose="020B0503020204020204" charset="-122"/>
+                <a:ea typeface="微软雅黑" panose="020B0503020204020204" charset="-122"/>
+                <a:sym typeface="+mn-ea"/>
+              </a:rPr>
+              <a:t>element-ui</a:t>
+            </a:r>
+            <a:endParaRPr lang="en-US" altLang="zh-CN" sz="1400">
+              <a:latin typeface="微软雅黑" panose="020B0503020204020204" charset="-122"/>
+              <a:ea typeface="微软雅黑" panose="020B0503020204020204" charset="-122"/>
+              <a:sym typeface="+mn-ea"/>
+            </a:endParaRPr>
+          </a:p>
+        </p:txBody>
+      </p:sp>
+      <p:sp>
+        <p:nvSpPr>
+          <p:cNvPr id="24" name="矩形 23"/>
           <p:cNvSpPr/>
           <p:nvPr/>
         </p:nvSpPr>
         <p:spPr>
           <a:xfrm>
-            <a:off x="1233170" y="3385185"/>
-            <a:ext cx="3977640" cy="801370"/>
+            <a:off x="2348230" y="3030220"/>
+            <a:ext cx="648970" cy="502285"/>
           </a:xfrm>
           <a:prstGeom prst="rect">
             <a:avLst/>
           </a:prstGeom>
           <a:solidFill>
-            <a:srgbClr val="39BAE8"/>
+            <a:srgbClr val="FFFFFF">
+              <a:alpha val="15000"/>
+            </a:srgbClr>
           </a:solidFill>
           <a:ln>
-            <a:solidFill>
-              <a:srgbClr val="1F6ED4"/>
-            </a:solidFill>
+            <a:noFill/>
+          </a:ln>
+          <a:extLst>
+            <a:ext uri="{909E8E84-426E-40DD-AFC4-6F175D3DCCD1}">
+              <a14:hiddenFill xmlns:a14="http://schemas.microsoft.com/office/drawing/2010/main">
+                <a:solidFill>
+                  <a:srgbClr val="40A87D"/>
+                </a:solidFill>
+              </a14:hiddenFill>
+            </a:ext>
+          </a:extLst>
+        </p:spPr>
+        <p:style>
+          <a:lnRef idx="2">
+            <a:schemeClr val="accent1">
+              <a:shade val="50000"/>
+            </a:schemeClr>
+          </a:lnRef>
+          <a:fillRef idx="1">
+            <a:schemeClr val="accent1"/>
+          </a:fillRef>
+          <a:effectRef idx="0">
+            <a:schemeClr val="accent1"/>
+          </a:effectRef>
+          <a:fontRef idx="minor">
+            <a:schemeClr val="lt1"/>
+          </a:fontRef>
+        </p:style>
+        <p:txBody>
+          <a:bodyPr vertOverflow="overflow" horzOverflow="overflow" vert="horz" wrap="square" numCol="1" spcCol="0" rtlCol="0" fromWordArt="0" anchor="ctr" anchorCtr="0" forceAA="0" compatLnSpc="1">
+            <a:noAutofit/>
+          </a:bodyPr>
+          <a:p>
+            <a:pPr lvl="0" algn="ctr">
+              <a:buClrTx/>
+              <a:buSzTx/>
+              <a:buFontTx/>
+            </a:pPr>
+            <a:r>
+              <a:rPr lang="en-US" altLang="zh-CN" sz="1200">
+                <a:solidFill>
+                  <a:schemeClr val="bg1"/>
+                </a:solidFill>
+                <a:sym typeface="+mn-ea"/>
+              </a:rPr>
+              <a:t>Button</a:t>
+            </a:r>
+            <a:endParaRPr lang="en-US" altLang="zh-CN" sz="1200">
+              <a:solidFill>
+                <a:schemeClr val="bg1"/>
+              </a:solidFill>
+              <a:sym typeface="+mn-ea"/>
+            </a:endParaRPr>
+          </a:p>
+        </p:txBody>
+      </p:sp>
+      <p:sp>
+        <p:nvSpPr>
+          <p:cNvPr id="28" name="矩形 27"/>
+          <p:cNvSpPr/>
+          <p:nvPr/>
+        </p:nvSpPr>
+        <p:spPr>
+          <a:xfrm>
+            <a:off x="3167380" y="3030220"/>
+            <a:ext cx="635000" cy="502285"/>
+          </a:xfrm>
+          <a:prstGeom prst="rect">
+            <a:avLst/>
+          </a:prstGeom>
+          <a:solidFill>
+            <a:srgbClr val="FFFFFF">
+              <a:alpha val="15000"/>
+            </a:srgbClr>
+          </a:solidFill>
+          <a:ln>
+            <a:noFill/>
+          </a:ln>
+          <a:extLst>
+            <a:ext uri="{909E8E84-426E-40DD-AFC4-6F175D3DCCD1}">
+              <a14:hiddenFill xmlns:a14="http://schemas.microsoft.com/office/drawing/2010/main">
+                <a:solidFill>
+                  <a:srgbClr val="40A87D"/>
+                </a:solidFill>
+              </a14:hiddenFill>
+            </a:ext>
+          </a:extLst>
+        </p:spPr>
+        <p:style>
+          <a:lnRef idx="2">
+            <a:schemeClr val="accent1">
+              <a:shade val="50000"/>
+            </a:schemeClr>
+          </a:lnRef>
+          <a:fillRef idx="1">
+            <a:schemeClr val="accent1"/>
+          </a:fillRef>
+          <a:effectRef idx="0">
+            <a:schemeClr val="accent1"/>
+          </a:effectRef>
+          <a:fontRef idx="minor">
+            <a:schemeClr val="lt1"/>
+          </a:fontRef>
+        </p:style>
+        <p:txBody>
+          <a:bodyPr vertOverflow="overflow" horzOverflow="overflow" vert="horz" wrap="square" numCol="1" spcCol="0" rtlCol="0" fromWordArt="0" anchor="ctr" anchorCtr="0" forceAA="0" compatLnSpc="1">
+            <a:noAutofit/>
+          </a:bodyPr>
+          <a:p>
+            <a:pPr lvl="0" algn="ctr">
+              <a:buClrTx/>
+              <a:buSzTx/>
+              <a:buFontTx/>
+            </a:pPr>
+            <a:r>
+              <a:rPr lang="en-US" altLang="zh-CN" sz="1200">
+                <a:solidFill>
+                  <a:schemeClr val="bg1"/>
+                </a:solidFill>
+                <a:sym typeface="+mn-ea"/>
+              </a:rPr>
+              <a:t>Form</a:t>
+            </a:r>
+            <a:endParaRPr lang="en-US" altLang="zh-CN" sz="1200">
+              <a:solidFill>
+                <a:schemeClr val="bg1"/>
+              </a:solidFill>
+              <a:sym typeface="+mn-ea"/>
+            </a:endParaRPr>
+          </a:p>
+        </p:txBody>
+      </p:sp>
+      <p:sp>
+        <p:nvSpPr>
+          <p:cNvPr id="29" name="矩形 28"/>
+          <p:cNvSpPr/>
+          <p:nvPr/>
+        </p:nvSpPr>
+        <p:spPr>
+          <a:xfrm>
+            <a:off x="3967480" y="3030220"/>
+            <a:ext cx="982345" cy="502285"/>
+          </a:xfrm>
+          <a:prstGeom prst="rect">
+            <a:avLst/>
+          </a:prstGeom>
+          <a:solidFill>
+            <a:srgbClr val="FFFFFF">
+              <a:alpha val="15000"/>
+            </a:srgbClr>
+          </a:solidFill>
+          <a:ln>
+            <a:noFill/>
           </a:ln>
         </p:spPr>
         <p:style>
@@ -12894,46 +13336,54 @@
           </a:fontRef>
         </p:style>
         <p:txBody>
-          <a:bodyPr rtlCol="0" anchor="ctr"/>
-          <a:p>
-            <a:pPr algn="l"/>
-            <a:r>
-              <a:rPr lang="zh-CN" altLang="en-US" sz="1400"/>
-              <a:t>基础组件库</a:t>
-            </a:r>
-            <a:endParaRPr lang="zh-CN" altLang="en-US" sz="1400"/>
-          </a:p>
-          <a:p>
-            <a:pPr algn="l"/>
-            <a:r>
-              <a:rPr lang="en-US" altLang="zh-CN" sz="1200"/>
-              <a:t>element-ui</a:t>
-            </a:r>
-            <a:endParaRPr lang="en-US" altLang="zh-CN" sz="1200"/>
-          </a:p>
-        </p:txBody>
-      </p:sp>
-      <p:sp>
-        <p:nvSpPr>
-          <p:cNvPr id="24" name="矩形 23"/>
+          <a:bodyPr vertOverflow="overflow" horzOverflow="overflow" vert="horz" wrap="square" numCol="1" spcCol="0" rtlCol="0" fromWordArt="0" anchor="ctr" anchorCtr="0" forceAA="0" compatLnSpc="1">
+            <a:noAutofit/>
+          </a:bodyPr>
+          <a:p>
+            <a:pPr lvl="0" algn="ctr">
+              <a:buClrTx/>
+              <a:buSzTx/>
+              <a:buFontTx/>
+            </a:pPr>
+            <a:r>
+              <a:rPr lang="en-US" altLang="zh-CN" sz="1200">
+                <a:solidFill>
+                  <a:schemeClr val="bg1"/>
+                </a:solidFill>
+                <a:sym typeface="+mn-ea"/>
+              </a:rPr>
+              <a:t>Datepicker</a:t>
+            </a:r>
+            <a:endParaRPr lang="en-US" altLang="zh-CN" sz="1200">
+              <a:solidFill>
+                <a:schemeClr val="bg1"/>
+              </a:solidFill>
+              <a:sym typeface="+mn-ea"/>
+            </a:endParaRPr>
+          </a:p>
+        </p:txBody>
+      </p:sp>
+      <p:sp>
+        <p:nvSpPr>
+          <p:cNvPr id="30" name="矩形 29"/>
           <p:cNvSpPr/>
           <p:nvPr/>
         </p:nvSpPr>
         <p:spPr>
           <a:xfrm>
-            <a:off x="2348230" y="3535045"/>
+            <a:off x="3775710" y="3872230"/>
             <a:ext cx="648970" cy="502285"/>
           </a:xfrm>
           <a:prstGeom prst="rect">
             <a:avLst/>
           </a:prstGeom>
           <a:solidFill>
-            <a:srgbClr val="39BAE8"/>
+            <a:srgbClr val="FFFFFF">
+              <a:alpha val="15000"/>
+            </a:srgbClr>
           </a:solidFill>
           <a:ln>
-            <a:solidFill>
-              <a:srgbClr val="1F6ED4"/>
-            </a:solidFill>
+            <a:noFill/>
           </a:ln>
         </p:spPr>
         <p:style>
@@ -12958,7 +13408,7 @@
             <a:pPr algn="ctr"/>
             <a:r>
               <a:rPr lang="en-US" altLang="zh-CN" sz="1200"/>
-              <a:t>Button</a:t>
+              <a:t>MV“C”</a:t>
             </a:r>
             <a:endParaRPr lang="en-US" altLang="zh-CN" sz="1200"/>
           </a:p>
@@ -12966,25 +13416,25 @@
       </p:sp>
       <p:sp>
         <p:nvSpPr>
-          <p:cNvPr id="28" name="矩形 27"/>
+          <p:cNvPr id="31" name="矩形 30"/>
           <p:cNvSpPr/>
           <p:nvPr/>
         </p:nvSpPr>
         <p:spPr>
           <a:xfrm>
-            <a:off x="3167380" y="3535045"/>
-            <a:ext cx="635000" cy="502285"/>
+            <a:off x="4689475" y="3872230"/>
+            <a:ext cx="844550" cy="502285"/>
           </a:xfrm>
           <a:prstGeom prst="rect">
             <a:avLst/>
           </a:prstGeom>
           <a:solidFill>
-            <a:srgbClr val="39BAE8"/>
+            <a:srgbClr val="FFFFFF">
+              <a:alpha val="15000"/>
+            </a:srgbClr>
           </a:solidFill>
           <a:ln>
-            <a:solidFill>
-              <a:srgbClr val="1F6ED4"/>
-            </a:solidFill>
+            <a:noFill/>
           </a:ln>
         </p:spPr>
         <p:style>
@@ -13008,34 +13458,34 @@
           <a:p>
             <a:pPr algn="ctr"/>
             <a:r>
-              <a:rPr lang="en-US" altLang="zh-CN" sz="1200"/>
-              <a:t>Form</a:t>
-            </a:r>
-            <a:endParaRPr lang="en-US" altLang="zh-CN" sz="1200"/>
-          </a:p>
-        </p:txBody>
-      </p:sp>
-      <p:sp>
-        <p:nvSpPr>
-          <p:cNvPr id="29" name="矩形 28"/>
+              <a:rPr lang="zh-CN" altLang="en-US" sz="1200"/>
+              <a:t>模板引擎</a:t>
+            </a:r>
+            <a:endParaRPr lang="zh-CN" altLang="en-US" sz="1200"/>
+          </a:p>
+        </p:txBody>
+      </p:sp>
+      <p:sp>
+        <p:nvSpPr>
+          <p:cNvPr id="33" name="矩形 32"/>
           <p:cNvSpPr/>
           <p:nvPr/>
         </p:nvSpPr>
         <p:spPr>
           <a:xfrm>
-            <a:off x="3967480" y="3535045"/>
-            <a:ext cx="982345" cy="502285"/>
+            <a:off x="5798820" y="3872230"/>
+            <a:ext cx="844550" cy="502285"/>
           </a:xfrm>
           <a:prstGeom prst="rect">
             <a:avLst/>
           </a:prstGeom>
           <a:solidFill>
-            <a:srgbClr val="39BAE8"/>
+            <a:srgbClr val="FFFFFF">
+              <a:alpha val="15000"/>
+            </a:srgbClr>
           </a:solidFill>
           <a:ln>
-            <a:solidFill>
-              <a:srgbClr val="1F6ED4"/>
-            </a:solidFill>
+            <a:noFill/>
           </a:ln>
         </p:spPr>
         <p:style>
@@ -13059,34 +13509,34 @@
           <a:p>
             <a:pPr algn="ctr"/>
             <a:r>
-              <a:rPr lang="en-US" altLang="zh-CN" sz="1200"/>
-              <a:t>Datepicker</a:t>
-            </a:r>
-            <a:endParaRPr lang="en-US" altLang="zh-CN" sz="1200"/>
-          </a:p>
-        </p:txBody>
-      </p:sp>
-      <p:sp>
-        <p:nvSpPr>
-          <p:cNvPr id="30" name="矩形 29"/>
+              <a:rPr lang="zh-CN" altLang="en-US" sz="1200"/>
+              <a:t>数据绑定</a:t>
+            </a:r>
+            <a:endParaRPr lang="zh-CN" altLang="en-US" sz="1200"/>
+          </a:p>
+        </p:txBody>
+      </p:sp>
+      <p:sp>
+        <p:nvSpPr>
+          <p:cNvPr id="34" name="矩形 33"/>
           <p:cNvSpPr/>
           <p:nvPr/>
         </p:nvSpPr>
         <p:spPr>
           <a:xfrm>
-            <a:off x="3775710" y="4529455"/>
-            <a:ext cx="648970" cy="502285"/>
+            <a:off x="6908165" y="3872230"/>
+            <a:ext cx="844550" cy="502285"/>
           </a:xfrm>
           <a:prstGeom prst="rect">
             <a:avLst/>
           </a:prstGeom>
           <a:solidFill>
-            <a:srgbClr val="39BAE8"/>
+            <a:srgbClr val="FFFFFF">
+              <a:alpha val="15000"/>
+            </a:srgbClr>
           </a:solidFill>
           <a:ln>
-            <a:solidFill>
-              <a:srgbClr val="1F6ED4"/>
-            </a:solidFill>
+            <a:noFill/>
           </a:ln>
         </p:spPr>
         <p:style>
@@ -13110,34 +13560,34 @@
           <a:p>
             <a:pPr algn="ctr"/>
             <a:r>
-              <a:rPr lang="en-US" altLang="zh-CN" sz="1200"/>
-              <a:t>MV“C”</a:t>
-            </a:r>
-            <a:endParaRPr lang="en-US" altLang="zh-CN" sz="1200"/>
-          </a:p>
-        </p:txBody>
-      </p:sp>
-      <p:sp>
-        <p:nvSpPr>
-          <p:cNvPr id="31" name="矩形 30"/>
+              <a:rPr lang="zh-CN" altLang="en-US" sz="1200"/>
+              <a:t>事件绑定</a:t>
+            </a:r>
+            <a:endParaRPr lang="zh-CN" altLang="en-US" sz="1200"/>
+          </a:p>
+        </p:txBody>
+      </p:sp>
+      <p:sp>
+        <p:nvSpPr>
+          <p:cNvPr id="35" name="矩形 34"/>
           <p:cNvSpPr/>
           <p:nvPr/>
         </p:nvSpPr>
         <p:spPr>
           <a:xfrm>
-            <a:off x="4689475" y="4529455"/>
-            <a:ext cx="844550" cy="502285"/>
+            <a:off x="2333625" y="3872230"/>
+            <a:ext cx="1177290" cy="502285"/>
           </a:xfrm>
           <a:prstGeom prst="rect">
             <a:avLst/>
           </a:prstGeom>
           <a:solidFill>
-            <a:srgbClr val="39BAE8"/>
+            <a:srgbClr val="FFFFFF">
+              <a:alpha val="15000"/>
+            </a:srgbClr>
           </a:solidFill>
           <a:ln>
-            <a:solidFill>
-              <a:srgbClr val="1F6ED4"/>
-            </a:solidFill>
+            <a:noFill/>
           </a:ln>
         </p:spPr>
         <p:style>
@@ -13157,38 +13607,48 @@
           </a:fontRef>
         </p:style>
         <p:txBody>
-          <a:bodyPr rtlCol="0" anchor="ctr"/>
-          <a:p>
-            <a:pPr algn="ctr"/>
-            <a:r>
-              <a:rPr lang="zh-CN" altLang="en-US" sz="1200"/>
-              <a:t>模板引擎</a:t>
-            </a:r>
-            <a:endParaRPr lang="zh-CN" altLang="en-US" sz="1200"/>
-          </a:p>
-        </p:txBody>
-      </p:sp>
-      <p:sp>
-        <p:nvSpPr>
-          <p:cNvPr id="33" name="矩形 32"/>
+          <a:bodyPr vertOverflow="overflow" horzOverflow="overflow" vert="horz" wrap="square" numCol="1" spcCol="0" rtlCol="0" fromWordArt="0" anchor="ctr" anchorCtr="0" forceAA="0" compatLnSpc="1">
+            <a:noAutofit/>
+          </a:bodyPr>
+          <a:p>
+            <a:pPr lvl="0" algn="ctr">
+              <a:buClrTx/>
+              <a:buSzTx/>
+              <a:buFontTx/>
+            </a:pPr>
+            <a:r>
+              <a:rPr lang="zh-CN" altLang="en-US" sz="1400">
+                <a:sym typeface="+mn-ea"/>
+              </a:rPr>
+              <a:t>组件化</a:t>
+            </a:r>
+            <a:endParaRPr lang="zh-CN" altLang="en-US" sz="1400">
+              <a:sym typeface="+mn-ea"/>
+            </a:endParaRPr>
+          </a:p>
+        </p:txBody>
+      </p:sp>
+      <p:sp>
+        <p:nvSpPr>
+          <p:cNvPr id="38" name="矩形 37"/>
           <p:cNvSpPr/>
           <p:nvPr/>
         </p:nvSpPr>
         <p:spPr>
           <a:xfrm>
-            <a:off x="5798820" y="4529455"/>
-            <a:ext cx="844550" cy="502285"/>
+            <a:off x="9768840" y="5266055"/>
+            <a:ext cx="1014095" cy="504000"/>
           </a:xfrm>
           <a:prstGeom prst="rect">
             <a:avLst/>
           </a:prstGeom>
           <a:solidFill>
-            <a:srgbClr val="39BAE8"/>
+            <a:srgbClr val="FFFFFF">
+              <a:alpha val="15000"/>
+            </a:srgbClr>
           </a:solidFill>
           <a:ln>
-            <a:solidFill>
-              <a:srgbClr val="1F6ED4"/>
-            </a:solidFill>
+            <a:noFill/>
           </a:ln>
         </p:spPr>
         <p:style>
@@ -13208,38 +13668,52 @@
           </a:fontRef>
         </p:style>
         <p:txBody>
-          <a:bodyPr rtlCol="0" anchor="ctr"/>
-          <a:p>
-            <a:pPr algn="ctr"/>
-            <a:r>
-              <a:rPr lang="zh-CN" altLang="en-US" sz="1200"/>
-              <a:t>数据绑定</a:t>
-            </a:r>
-            <a:endParaRPr lang="zh-CN" altLang="en-US" sz="1200"/>
-          </a:p>
-        </p:txBody>
-      </p:sp>
-      <p:sp>
-        <p:nvSpPr>
-          <p:cNvPr id="34" name="矩形 33"/>
+          <a:bodyPr vertOverflow="overflow" horzOverflow="overflow" vert="horz" wrap="square" numCol="1" spcCol="0" rtlCol="0" fromWordArt="0" anchor="ctr" anchorCtr="0" forceAA="0" compatLnSpc="1">
+            <a:noAutofit/>
+          </a:bodyPr>
+          <a:p>
+            <a:pPr lvl="0" algn="ctr">
+              <a:buClrTx/>
+              <a:buSzTx/>
+              <a:buFontTx/>
+            </a:pPr>
+            <a:r>
+              <a:rPr lang="en-US" altLang="zh-CN" sz="1200">
+                <a:solidFill>
+                  <a:schemeClr val="bg1"/>
+                </a:solidFill>
+                <a:sym typeface="+mn-ea"/>
+              </a:rPr>
+              <a:t>组件管理</a:t>
+            </a:r>
+            <a:endParaRPr lang="en-US" altLang="zh-CN" sz="1200">
+              <a:solidFill>
+                <a:schemeClr val="bg1"/>
+              </a:solidFill>
+              <a:sym typeface="+mn-ea"/>
+            </a:endParaRPr>
+          </a:p>
+        </p:txBody>
+      </p:sp>
+      <p:sp>
+        <p:nvSpPr>
+          <p:cNvPr id="40" name="矩形 39"/>
           <p:cNvSpPr/>
           <p:nvPr/>
         </p:nvSpPr>
         <p:spPr>
           <a:xfrm>
-            <a:off x="6908165" y="4529455"/>
-            <a:ext cx="844550" cy="502285"/>
+            <a:off x="8248015" y="2884170"/>
+            <a:ext cx="1229995" cy="1606550"/>
           </a:xfrm>
           <a:prstGeom prst="rect">
             <a:avLst/>
           </a:prstGeom>
           <a:solidFill>
-            <a:srgbClr val="39BAE8"/>
+            <a:srgbClr val="FCB83B"/>
           </a:solidFill>
           <a:ln>
-            <a:solidFill>
-              <a:srgbClr val="1F6ED4"/>
-            </a:solidFill>
+            <a:noFill/>
           </a:ln>
         </p:spPr>
         <p:style>
@@ -13259,38 +13733,64 @@
           </a:fontRef>
         </p:style>
         <p:txBody>
-          <a:bodyPr rtlCol="0" anchor="ctr"/>
-          <a:p>
-            <a:pPr algn="ctr"/>
-            <a:r>
-              <a:rPr lang="zh-CN" altLang="en-US" sz="1200"/>
-              <a:t>事件绑定</a:t>
-            </a:r>
-            <a:endParaRPr lang="zh-CN" altLang="en-US" sz="1200"/>
-          </a:p>
-        </p:txBody>
-      </p:sp>
-      <p:sp>
-        <p:nvSpPr>
-          <p:cNvPr id="35" name="矩形 34"/>
+          <a:bodyPr vertOverflow="overflow" horzOverflow="overflow" vert="horz" wrap="square" numCol="1" spcCol="0" rtlCol="0" fromWordArt="0" anchor="t" anchorCtr="0" forceAA="0" compatLnSpc="1">
+            <a:noAutofit/>
+          </a:bodyPr>
+          <a:p>
+            <a:pPr lvl="0" algn="ctr">
+              <a:buClrTx/>
+              <a:buSzTx/>
+              <a:buFontTx/>
+            </a:pPr>
+            <a:r>
+              <a:rPr lang="en-US" altLang="zh-CN" sz="1400">
+                <a:latin typeface="微软雅黑" panose="020B0503020204020204" charset="-122"/>
+                <a:ea typeface="微软雅黑" panose="020B0503020204020204" charset="-122"/>
+                <a:sym typeface="+mn-ea"/>
+              </a:rPr>
+              <a:t>Lib</a:t>
+            </a:r>
+            <a:endParaRPr lang="en-US" altLang="zh-CN" sz="1400">
+              <a:latin typeface="微软雅黑" panose="020B0503020204020204" charset="-122"/>
+              <a:ea typeface="微软雅黑" panose="020B0503020204020204" charset="-122"/>
+              <a:sym typeface="+mn-ea"/>
+            </a:endParaRPr>
+          </a:p>
+          <a:p>
+            <a:pPr lvl="0" algn="ctr">
+              <a:buClrTx/>
+              <a:buSzTx/>
+              <a:buFontTx/>
+            </a:pPr>
+            <a:endParaRPr lang="en-US" altLang="zh-CN" sz="1400">
+              <a:latin typeface="微软雅黑" panose="020B0503020204020204" charset="-122"/>
+              <a:ea typeface="微软雅黑" panose="020B0503020204020204" charset="-122"/>
+              <a:sym typeface="+mn-ea"/>
+            </a:endParaRPr>
+          </a:p>
+        </p:txBody>
+      </p:sp>
+      <p:sp>
+        <p:nvSpPr>
+          <p:cNvPr id="41" name="矩形 40"/>
           <p:cNvSpPr/>
           <p:nvPr/>
         </p:nvSpPr>
         <p:spPr>
           <a:xfrm>
-            <a:off x="2333625" y="4529455"/>
-            <a:ext cx="1177290" cy="502285"/>
+            <a:off x="8449945" y="3187065"/>
+            <a:ext cx="844550" cy="502285"/>
           </a:xfrm>
           <a:prstGeom prst="rect">
             <a:avLst/>
           </a:prstGeom>
           <a:solidFill>
-            <a:srgbClr val="39BAE8"/>
+            <a:srgbClr val="FFFFFF">
+              <a:alpha val="15000"/>
+            </a:srgbClr>
           </a:solidFill>
           <a:ln>
-            <a:solidFill>
-              <a:srgbClr val="1F6ED4"/>
-            </a:solidFill>
+            <a:noFill/>
           </a:ln>
         </p:spPr>
         <p:style>
@@ -13310,38 +13810,76 @@
           </a:fontRef>
         </p:style>
         <p:txBody>
-          <a:bodyPr rtlCol="0" anchor="ctr"/>
-          <a:p>
-            <a:pPr algn="ctr"/>
-            <a:r>
-              <a:rPr lang="zh-CN" altLang="en-US" sz="1200"/>
-              <a:t>组件化</a:t>
-            </a:r>
-            <a:endParaRPr lang="zh-CN" altLang="en-US" sz="1200"/>
-          </a:p>
-        </p:txBody>
-      </p:sp>
-      <p:sp>
-        <p:nvSpPr>
-          <p:cNvPr id="38" name="矩形 37"/>
+          <a:bodyPr vertOverflow="overflow" horzOverflow="overflow" vert="horz" wrap="square" numCol="1" spcCol="0" rtlCol="0" fromWordArt="0" anchor="ctr" anchorCtr="0" forceAA="0" compatLnSpc="1">
+            <a:noAutofit/>
+          </a:bodyPr>
+          <a:p>
+            <a:pPr lvl="0" algn="ctr">
+              <a:buClrTx/>
+              <a:buSzTx/>
+              <a:buFontTx/>
+            </a:pPr>
+            <a:r>
+              <a:rPr lang="en-US" altLang="zh-CN" sz="1200">
+                <a:solidFill>
+                  <a:schemeClr val="bg1"/>
+                </a:solidFill>
+                <a:sym typeface="+mn-ea"/>
+              </a:rPr>
+              <a:t>HTTP</a:t>
+            </a:r>
+            <a:endParaRPr lang="en-US" altLang="zh-CN" sz="1200">
+              <a:solidFill>
+                <a:schemeClr val="bg1"/>
+              </a:solidFill>
+              <a:sym typeface="+mn-ea"/>
+            </a:endParaRPr>
+          </a:p>
+          <a:p>
+            <a:pPr lvl="0" algn="ctr">
+              <a:buClrTx/>
+              <a:buSzTx/>
+              <a:buFontTx/>
+            </a:pPr>
+            <a:r>
+              <a:rPr lang="en-US" altLang="zh-CN" sz="1200">
+                <a:solidFill>
+                  <a:schemeClr val="bg1"/>
+                </a:solidFill>
+                <a:sym typeface="+mn-ea"/>
+              </a:rPr>
+              <a:t>axios.js</a:t>
+            </a:r>
+            <a:endParaRPr lang="en-US" altLang="zh-CN" sz="1200">
+              <a:solidFill>
+                <a:schemeClr val="bg1"/>
+              </a:solidFill>
+              <a:sym typeface="+mn-ea"/>
+            </a:endParaRPr>
+          </a:p>
+        </p:txBody>
+      </p:sp>
+      <p:sp>
+        <p:nvSpPr>
+          <p:cNvPr id="42" name="矩形 41"/>
           <p:cNvSpPr/>
           <p:nvPr/>
         </p:nvSpPr>
         <p:spPr>
           <a:xfrm>
-            <a:off x="9911715" y="4967605"/>
-            <a:ext cx="1014095" cy="486410"/>
+            <a:off x="8449945" y="3865245"/>
+            <a:ext cx="844550" cy="502285"/>
           </a:xfrm>
           <a:prstGeom prst="rect">
             <a:avLst/>
           </a:prstGeom>
           <a:solidFill>
-            <a:srgbClr val="39BAE8"/>
+            <a:srgbClr val="FFFFFF">
+              <a:alpha val="15000"/>
+            </a:srgbClr>
           </a:solidFill>
           <a:ln>
-            <a:solidFill>
-              <a:srgbClr val="1F6ED4"/>
-            </a:solidFill>
+            <a:noFill/>
           </a:ln>
         </p:spPr>
         <p:style>
@@ -13372,37 +13910,63 @@
             </a:pPr>
             <a:r>
               <a:rPr lang="en-US" altLang="zh-CN" sz="1200">
+                <a:solidFill>
+                  <a:schemeClr val="bg1"/>
+                </a:solidFill>
                 <a:sym typeface="+mn-ea"/>
               </a:rPr>
-              <a:t>API</a:t>
+              <a:t>工具库</a:t>
             </a:r>
             <a:endParaRPr lang="en-US" altLang="zh-CN" sz="1200">
+              <a:solidFill>
+                <a:schemeClr val="bg1"/>
+              </a:solidFill>
               <a:sym typeface="+mn-ea"/>
             </a:endParaRPr>
           </a:p>
-        </p:txBody>
-      </p:sp>
-      <p:sp>
-        <p:nvSpPr>
-          <p:cNvPr id="40" name="矩形 39"/>
+          <a:p>
+            <a:pPr lvl="0" algn="ctr">
+              <a:buClrTx/>
+              <a:buSzTx/>
+              <a:buFontTx/>
+            </a:pPr>
+            <a:r>
+              <a:rPr lang="en-US" altLang="zh-CN" sz="1200">
+                <a:solidFill>
+                  <a:schemeClr val="bg1"/>
+                </a:solidFill>
+                <a:sym typeface="+mn-ea"/>
+              </a:rPr>
+              <a:t>Lodash</a:t>
+            </a:r>
+            <a:endParaRPr lang="en-US" altLang="zh-CN" sz="1200">
+              <a:solidFill>
+                <a:schemeClr val="bg1"/>
+              </a:solidFill>
+              <a:sym typeface="+mn-ea"/>
+            </a:endParaRPr>
+          </a:p>
+        </p:txBody>
+      </p:sp>
+      <p:sp>
+        <p:nvSpPr>
+          <p:cNvPr id="43" name="矩形 42"/>
           <p:cNvSpPr/>
           <p:nvPr/>
         </p:nvSpPr>
         <p:spPr>
           <a:xfrm>
-            <a:off x="8257540" y="3398520"/>
-            <a:ext cx="1229995" cy="1720215"/>
+            <a:off x="1232535" y="2005330"/>
+            <a:ext cx="3047365" cy="720000"/>
           </a:xfrm>
           <a:prstGeom prst="rect">
             <a:avLst/>
           </a:prstGeom>
           <a:solidFill>
-            <a:srgbClr val="39BAE8"/>
+            <a:srgbClr val="3AB986"/>
           </a:solidFill>
           <a:ln>
-            <a:solidFill>
-              <a:srgbClr val="1F6ED4"/>
-            </a:solidFill>
+            <a:noFill/>
           </a:ln>
         </p:spPr>
         <p:style>
@@ -13422,42 +13986,72 @@
           </a:fontRef>
         </p:style>
         <p:txBody>
-          <a:bodyPr rtlCol="0" anchor="t" anchorCtr="0"/>
-          <a:p>
-            <a:pPr algn="ctr"/>
-            <a:r>
-              <a:rPr lang="en-US" altLang="zh-CN" sz="1400"/>
-              <a:t>Lib</a:t>
-            </a:r>
-            <a:endParaRPr lang="zh-CN" altLang="en-US" sz="1400"/>
-          </a:p>
-          <a:p>
-            <a:pPr algn="ctr"/>
-            <a:endParaRPr lang="en-US" altLang="zh-CN" sz="1000"/>
-          </a:p>
-        </p:txBody>
-      </p:sp>
-      <p:sp>
-        <p:nvSpPr>
-          <p:cNvPr id="41" name="矩形 40"/>
+          <a:bodyPr vertOverflow="overflow" horzOverflow="overflow" vert="horz" wrap="square" numCol="1" spcCol="0" rtlCol="0" fromWordArt="0" anchor="ctr" anchorCtr="0" forceAA="0" compatLnSpc="1">
+            <a:noAutofit/>
+          </a:bodyPr>
+          <a:p>
+            <a:pPr lvl="0" algn="l">
+              <a:buClrTx/>
+              <a:buSzTx/>
+              <a:buFontTx/>
+            </a:pPr>
+            <a:r>
+              <a:rPr lang="en-US" altLang="zh-CN" sz="1400">
+                <a:latin typeface="微软雅黑" panose="020B0503020204020204" charset="-122"/>
+                <a:ea typeface="微软雅黑" panose="020B0503020204020204" charset="-122"/>
+                <a:sym typeface="+mn-ea"/>
+              </a:rPr>
+              <a:t>业务组件库</a:t>
+            </a:r>
+            <a:endParaRPr lang="en-US" altLang="zh-CN" sz="1400">
+              <a:latin typeface="微软雅黑" panose="020B0503020204020204" charset="-122"/>
+              <a:ea typeface="微软雅黑" panose="020B0503020204020204" charset="-122"/>
+              <a:sym typeface="+mn-ea"/>
+            </a:endParaRPr>
+          </a:p>
+          <a:p>
+            <a:pPr lvl="0" algn="l">
+              <a:buClrTx/>
+              <a:buSzTx/>
+              <a:buFontTx/>
+            </a:pPr>
+            <a:r>
+              <a:rPr lang="en-US" altLang="zh-CN" sz="1400">
+                <a:latin typeface="微软雅黑" panose="020B0503020204020204" charset="-122"/>
+                <a:ea typeface="微软雅黑" panose="020B0503020204020204" charset="-122"/>
+                <a:sym typeface="+mn-ea"/>
+              </a:rPr>
+              <a:t>hui</a:t>
+            </a:r>
+            <a:endParaRPr lang="en-US" altLang="zh-CN" sz="1400">
+              <a:latin typeface="微软雅黑" panose="020B0503020204020204" charset="-122"/>
+              <a:ea typeface="微软雅黑" panose="020B0503020204020204" charset="-122"/>
+              <a:sym typeface="+mn-ea"/>
+            </a:endParaRPr>
+          </a:p>
+        </p:txBody>
+      </p:sp>
+      <p:sp>
+        <p:nvSpPr>
+          <p:cNvPr id="44" name="矩形 43"/>
           <p:cNvSpPr/>
           <p:nvPr/>
         </p:nvSpPr>
         <p:spPr>
           <a:xfrm>
-            <a:off x="8449945" y="3787140"/>
-            <a:ext cx="844550" cy="502285"/>
+            <a:off x="2348230" y="2158365"/>
+            <a:ext cx="748030" cy="502285"/>
           </a:xfrm>
           <a:prstGeom prst="rect">
             <a:avLst/>
           </a:prstGeom>
           <a:solidFill>
-            <a:srgbClr val="39BAE8"/>
+            <a:srgbClr val="FFFFFF">
+              <a:alpha val="15000"/>
+            </a:srgbClr>
           </a:solidFill>
           <a:ln>
-            <a:solidFill>
-              <a:srgbClr val="1F6ED4"/>
-            </a:solidFill>
+            <a:noFill/>
           </a:ln>
         </p:spPr>
         <p:style>
@@ -13481,42 +14075,42 @@
           <a:p>
             <a:pPr algn="ctr"/>
             <a:r>
-              <a:rPr lang="en-US" altLang="zh-CN" sz="1200"/>
-              <a:t>HTTP</a:t>
-            </a:r>
-            <a:endParaRPr lang="en-US" altLang="zh-CN" sz="1200"/>
-          </a:p>
-          <a:p>
-            <a:pPr algn="ctr"/>
-            <a:r>
-              <a:rPr lang="en-US" altLang="zh-CN" sz="1200"/>
-              <a:t>axios.js</a:t>
-            </a:r>
-            <a:endParaRPr lang="en-US" altLang="zh-CN" sz="1200"/>
-          </a:p>
-        </p:txBody>
-      </p:sp>
-      <p:sp>
-        <p:nvSpPr>
-          <p:cNvPr id="42" name="矩形 41"/>
+              <a:rPr lang="en-US" altLang="zh-CN" sz="1200">
+                <a:solidFill>
+                  <a:schemeClr val="bg1"/>
+                </a:solidFill>
+              </a:rPr>
+              <a:t>HButton</a:t>
+            </a:r>
+            <a:endParaRPr lang="en-US" altLang="zh-CN" sz="1200">
+              <a:solidFill>
+                <a:schemeClr val="bg1"/>
+              </a:solidFill>
+            </a:endParaRPr>
+          </a:p>
+        </p:txBody>
+      </p:sp>
+      <p:sp>
+        <p:nvSpPr>
+          <p:cNvPr id="46" name="矩形 45"/>
           <p:cNvSpPr/>
           <p:nvPr/>
         </p:nvSpPr>
         <p:spPr>
           <a:xfrm>
-            <a:off x="8449945" y="4465320"/>
-            <a:ext cx="844550" cy="502285"/>
+            <a:off x="3262630" y="2158365"/>
+            <a:ext cx="815340" cy="502285"/>
           </a:xfrm>
           <a:prstGeom prst="rect">
             <a:avLst/>
           </a:prstGeom>
           <a:solidFill>
-            <a:srgbClr val="39BAE8"/>
+            <a:srgbClr val="FFFFFF">
+              <a:alpha val="15000"/>
+            </a:srgbClr>
           </a:solidFill>
           <a:ln>
-            <a:solidFill>
-              <a:srgbClr val="1F6ED4"/>
-            </a:solidFill>
+            <a:noFill/>
           </a:ln>
         </p:spPr>
         <p:style>
@@ -13536,46 +14130,52 @@
           </a:fontRef>
         </p:style>
         <p:txBody>
-          <a:bodyPr rtlCol="0" anchor="ctr"/>
-          <a:p>
-            <a:pPr algn="ctr"/>
-            <a:r>
-              <a:rPr lang="zh-CN" altLang="en-US" sz="1200"/>
-              <a:t>工具库</a:t>
-            </a:r>
-            <a:endParaRPr lang="en-US" altLang="zh-CN" sz="1200"/>
-          </a:p>
-          <a:p>
-            <a:pPr algn="ctr"/>
-            <a:r>
-              <a:rPr lang="en-US" altLang="zh-CN" sz="1200"/>
-              <a:t>Lodash</a:t>
-            </a:r>
-            <a:endParaRPr lang="en-US" altLang="zh-CN" sz="1200"/>
-          </a:p>
-        </p:txBody>
-      </p:sp>
-      <p:sp>
-        <p:nvSpPr>
-          <p:cNvPr id="43" name="矩形 42"/>
+          <a:bodyPr vertOverflow="overflow" horzOverflow="overflow" vert="horz" wrap="square" numCol="1" spcCol="0" rtlCol="0" fromWordArt="0" anchor="ctr" anchorCtr="0" forceAA="0" compatLnSpc="1">
+            <a:noAutofit/>
+          </a:bodyPr>
+          <a:p>
+            <a:pPr lvl="0" algn="ctr">
+              <a:buClrTx/>
+              <a:buSzTx/>
+              <a:buFontTx/>
+            </a:pPr>
+            <a:r>
+              <a:rPr lang="en-US" altLang="zh-CN" sz="1200">
+                <a:solidFill>
+                  <a:schemeClr val="bg1"/>
+                </a:solidFill>
+                <a:sym typeface="+mn-ea"/>
+              </a:rPr>
+              <a:t>Menu</a:t>
+            </a:r>
+            <a:endParaRPr lang="en-US" altLang="zh-CN" sz="1200">
+              <a:solidFill>
+                <a:schemeClr val="bg1"/>
+              </a:solidFill>
+              <a:sym typeface="+mn-ea"/>
+            </a:endParaRPr>
+          </a:p>
+        </p:txBody>
+      </p:sp>
+      <p:sp>
+        <p:nvSpPr>
+          <p:cNvPr id="48" name="矩形 47"/>
           <p:cNvSpPr/>
           <p:nvPr/>
         </p:nvSpPr>
         <p:spPr>
           <a:xfrm>
-            <a:off x="1232535" y="2338705"/>
-            <a:ext cx="3047365" cy="801370"/>
+            <a:off x="4428490" y="2005330"/>
+            <a:ext cx="5048885" cy="720000"/>
           </a:xfrm>
           <a:prstGeom prst="rect">
             <a:avLst/>
           </a:prstGeom>
           <a:solidFill>
-            <a:srgbClr val="39BAE8"/>
+            <a:srgbClr val="3AB986"/>
           </a:solidFill>
           <a:ln>
-            <a:solidFill>
-              <a:srgbClr val="1F6ED4"/>
-            </a:solidFill>
+            <a:noFill/>
           </a:ln>
         </p:spPr>
         <p:style>
@@ -13595,46 +14195,72 @@
           </a:fontRef>
         </p:style>
         <p:txBody>
-          <a:bodyPr rtlCol="0" anchor="ctr"/>
-          <a:p>
-            <a:pPr algn="l"/>
-            <a:r>
-              <a:rPr lang="zh-CN" altLang="en-US" sz="1400"/>
-              <a:t>业务组件库</a:t>
-            </a:r>
-            <a:endParaRPr lang="zh-CN" altLang="en-US" sz="1400"/>
-          </a:p>
-          <a:p>
-            <a:pPr algn="l"/>
-            <a:r>
-              <a:rPr lang="en-US" altLang="zh-CN" sz="1200"/>
-              <a:t>hui</a:t>
-            </a:r>
-            <a:endParaRPr lang="en-US" altLang="zh-CN" sz="1200"/>
-          </a:p>
-        </p:txBody>
-      </p:sp>
-      <p:sp>
-        <p:nvSpPr>
-          <p:cNvPr id="44" name="矩形 43"/>
+          <a:bodyPr vertOverflow="overflow" horzOverflow="overflow" vert="horz" wrap="square" numCol="1" spcCol="0" rtlCol="0" fromWordArt="0" anchor="ctr" anchorCtr="0" forceAA="0" compatLnSpc="1">
+            <a:noAutofit/>
+          </a:bodyPr>
+          <a:p>
+            <a:pPr lvl="0" algn="l">
+              <a:buClrTx/>
+              <a:buSzTx/>
+              <a:buFontTx/>
+            </a:pPr>
+            <a:r>
+              <a:rPr lang="en-US" altLang="zh-CN" sz="1400">
+                <a:latin typeface="微软雅黑" panose="020B0503020204020204" charset="-122"/>
+                <a:ea typeface="微软雅黑" panose="020B0503020204020204" charset="-122"/>
+                <a:sym typeface="+mn-ea"/>
+              </a:rPr>
+              <a:t>模板库</a:t>
+            </a:r>
+            <a:endParaRPr lang="en-US" altLang="zh-CN" sz="1400">
+              <a:latin typeface="微软雅黑" panose="020B0503020204020204" charset="-122"/>
+              <a:ea typeface="微软雅黑" panose="020B0503020204020204" charset="-122"/>
+              <a:sym typeface="+mn-ea"/>
+            </a:endParaRPr>
+          </a:p>
+          <a:p>
+            <a:pPr lvl="0" algn="l">
+              <a:buClrTx/>
+              <a:buSzTx/>
+              <a:buFontTx/>
+            </a:pPr>
+            <a:r>
+              <a:rPr lang="en-US" altLang="zh-CN" sz="1400">
+                <a:latin typeface="微软雅黑" panose="020B0503020204020204" charset="-122"/>
+                <a:ea typeface="微软雅黑" panose="020B0503020204020204" charset="-122"/>
+                <a:sym typeface="+mn-ea"/>
+              </a:rPr>
+              <a:t>卡片库</a:t>
+            </a:r>
+            <a:endParaRPr lang="en-US" altLang="zh-CN" sz="1400">
+              <a:latin typeface="微软雅黑" panose="020B0503020204020204" charset="-122"/>
+              <a:ea typeface="微软雅黑" panose="020B0503020204020204" charset="-122"/>
+              <a:sym typeface="+mn-ea"/>
+            </a:endParaRPr>
+          </a:p>
+        </p:txBody>
+      </p:sp>
+      <p:sp>
+        <p:nvSpPr>
+          <p:cNvPr id="49" name="矩形 48"/>
           <p:cNvSpPr/>
           <p:nvPr/>
         </p:nvSpPr>
         <p:spPr>
           <a:xfrm>
-            <a:off x="2348230" y="2491740"/>
+            <a:off x="5210810" y="2158365"/>
             <a:ext cx="748030" cy="502285"/>
           </a:xfrm>
           <a:prstGeom prst="rect">
             <a:avLst/>
           </a:prstGeom>
           <a:solidFill>
-            <a:srgbClr val="39BAE8"/>
+            <a:srgbClr val="FFFFFF">
+              <a:alpha val="15000"/>
+            </a:srgbClr>
           </a:solidFill>
           <a:ln>
-            <a:solidFill>
-              <a:srgbClr val="1F6ED4"/>
-            </a:solidFill>
+            <a:noFill/>
           </a:ln>
         </p:spPr>
         <p:style>
@@ -13654,38 +14280,54 @@
           </a:fontRef>
         </p:style>
         <p:txBody>
-          <a:bodyPr rtlCol="0" anchor="ctr"/>
-          <a:p>
-            <a:pPr algn="ctr"/>
-            <a:r>
-              <a:rPr lang="en-US" altLang="zh-CN" sz="1200"/>
-              <a:t>HButton</a:t>
-            </a:r>
-            <a:endParaRPr lang="en-US" altLang="zh-CN" sz="1200"/>
-          </a:p>
-        </p:txBody>
-      </p:sp>
-      <p:sp>
-        <p:nvSpPr>
-          <p:cNvPr id="46" name="矩形 45"/>
+          <a:bodyPr vertOverflow="overflow" horzOverflow="overflow" vert="horz" wrap="square" numCol="1" spcCol="0" rtlCol="0" fromWordArt="0" anchor="ctr" anchorCtr="0" forceAA="0" compatLnSpc="1">
+            <a:noAutofit/>
+          </a:bodyPr>
+          <a:p>
+            <a:pPr lvl="0" algn="ctr">
+              <a:buClrTx/>
+              <a:buSzTx/>
+              <a:buFontTx/>
+            </a:pPr>
+            <a:r>
+              <a:rPr lang="en-US" altLang="zh-CN" sz="1200">
+                <a:solidFill>
+                  <a:schemeClr val="bg1"/>
+                </a:solidFill>
+                <a:sym typeface="+mn-ea"/>
+              </a:rPr>
+              <a:t>Login</a:t>
+            </a:r>
+            <a:endParaRPr lang="en-US" altLang="zh-CN" sz="1200">
+              <a:solidFill>
+                <a:schemeClr val="bg1"/>
+              </a:solidFill>
+              <a:sym typeface="+mn-ea"/>
+            </a:endParaRPr>
+          </a:p>
+        </p:txBody>
+      </p:sp>
+      <p:sp>
+        <p:nvSpPr>
+          <p:cNvPr id="50" name="矩形 49"/>
           <p:cNvSpPr/>
           <p:nvPr/>
         </p:nvSpPr>
         <p:spPr>
           <a:xfrm>
-            <a:off x="3262630" y="2491740"/>
+            <a:off x="6125210" y="2158365"/>
             <a:ext cx="815340" cy="502285"/>
           </a:xfrm>
           <a:prstGeom prst="rect">
             <a:avLst/>
           </a:prstGeom>
           <a:solidFill>
-            <a:srgbClr val="39BAE8"/>
+            <a:srgbClr val="FFFFFF">
+              <a:alpha val="15000"/>
+            </a:srgbClr>
           </a:solidFill>
           <a:ln>
-            <a:solidFill>
-              <a:srgbClr val="1F6ED4"/>
-            </a:solidFill>
+            <a:noFill/>
           </a:ln>
         </p:spPr>
         <p:style>
@@ -13705,38 +14347,54 @@
           </a:fontRef>
         </p:style>
         <p:txBody>
-          <a:bodyPr rtlCol="0" anchor="ctr"/>
-          <a:p>
-            <a:pPr algn="ctr"/>
-            <a:r>
-              <a:rPr lang="en-US" altLang="zh-CN" sz="1200"/>
-              <a:t>Menu</a:t>
-            </a:r>
-            <a:endParaRPr lang="en-US" altLang="zh-CN" sz="1200"/>
-          </a:p>
-        </p:txBody>
-      </p:sp>
-      <p:sp>
-        <p:nvSpPr>
-          <p:cNvPr id="48" name="矩形 47"/>
+          <a:bodyPr vertOverflow="overflow" horzOverflow="overflow" vert="horz" wrap="square" numCol="1" spcCol="0" rtlCol="0" fromWordArt="0" anchor="ctr" anchorCtr="0" forceAA="0" compatLnSpc="1">
+            <a:noAutofit/>
+          </a:bodyPr>
+          <a:p>
+            <a:pPr lvl="0" algn="ctr">
+              <a:buClrTx/>
+              <a:buSzTx/>
+              <a:buFontTx/>
+            </a:pPr>
+            <a:r>
+              <a:rPr lang="en-US" altLang="zh-CN" sz="1200">
+                <a:solidFill>
+                  <a:schemeClr val="bg1"/>
+                </a:solidFill>
+                <a:sym typeface="+mn-ea"/>
+              </a:rPr>
+              <a:t>Sidebar</a:t>
+            </a:r>
+            <a:endParaRPr lang="en-US" altLang="zh-CN" sz="1200">
+              <a:solidFill>
+                <a:schemeClr val="bg1"/>
+              </a:solidFill>
+              <a:sym typeface="+mn-ea"/>
+            </a:endParaRPr>
+          </a:p>
+        </p:txBody>
+      </p:sp>
+      <p:sp>
+        <p:nvSpPr>
+          <p:cNvPr id="51" name="矩形 50"/>
           <p:cNvSpPr/>
           <p:nvPr/>
         </p:nvSpPr>
         <p:spPr>
           <a:xfrm>
-            <a:off x="4428490" y="2338705"/>
-            <a:ext cx="5059045" cy="801370"/>
+            <a:off x="7134860" y="2158365"/>
+            <a:ext cx="906145" cy="502285"/>
           </a:xfrm>
           <a:prstGeom prst="rect">
             <a:avLst/>
           </a:prstGeom>
           <a:solidFill>
-            <a:srgbClr val="39BAE8"/>
+            <a:srgbClr val="FFFFFF">
+              <a:alpha val="15000"/>
+            </a:srgbClr>
           </a:solidFill>
           <a:ln>
-            <a:solidFill>
-              <a:srgbClr val="1F6ED4"/>
-            </a:solidFill>
+            <a:noFill/>
           </a:ln>
         </p:spPr>
         <p:style>
@@ -13756,46 +14414,54 @@
           </a:fontRef>
         </p:style>
         <p:txBody>
-          <a:bodyPr rtlCol="0" anchor="ctr"/>
-          <a:p>
-            <a:pPr algn="l"/>
-            <a:r>
-              <a:rPr lang="zh-CN" altLang="en-US" sz="1400"/>
-              <a:t>模板库</a:t>
-            </a:r>
-            <a:endParaRPr lang="zh-CN" altLang="en-US" sz="1400"/>
-          </a:p>
-          <a:p>
-            <a:pPr algn="l"/>
-            <a:r>
-              <a:rPr lang="zh-CN" altLang="en-US" sz="1000"/>
-              <a:t>卡片库</a:t>
-            </a:r>
-            <a:endParaRPr lang="zh-CN" altLang="en-US" sz="1000"/>
-          </a:p>
-        </p:txBody>
-      </p:sp>
-      <p:sp>
-        <p:nvSpPr>
-          <p:cNvPr id="49" name="矩形 48"/>
+          <a:bodyPr vertOverflow="overflow" horzOverflow="overflow" vert="horz" wrap="square" numCol="1" spcCol="0" rtlCol="0" fromWordArt="0" anchor="ctr" anchorCtr="0" forceAA="0" compatLnSpc="1">
+            <a:noAutofit/>
+          </a:bodyPr>
+          <a:p>
+            <a:pPr lvl="0" algn="ctr">
+              <a:buClrTx/>
+              <a:buSzTx/>
+              <a:buFontTx/>
+            </a:pPr>
+            <a:r>
+              <a:rPr lang="en-US" altLang="zh-CN" sz="1200">
+                <a:solidFill>
+                  <a:schemeClr val="bg1"/>
+                </a:solidFill>
+                <a:sym typeface="+mn-ea"/>
+              </a:rPr>
+              <a:t>DataTable</a:t>
+            </a:r>
+            <a:endParaRPr lang="en-US" altLang="zh-CN" sz="1200">
+              <a:solidFill>
+                <a:schemeClr val="bg1"/>
+              </a:solidFill>
+              <a:sym typeface="+mn-ea"/>
+            </a:endParaRPr>
+          </a:p>
+        </p:txBody>
+      </p:sp>
+      <p:sp>
+        <p:nvSpPr>
+          <p:cNvPr id="56" name="矩形 55"/>
           <p:cNvSpPr/>
           <p:nvPr/>
         </p:nvSpPr>
         <p:spPr>
           <a:xfrm>
-            <a:off x="5210810" y="2491740"/>
-            <a:ext cx="748030" cy="502285"/>
+            <a:off x="8268335" y="2158365"/>
+            <a:ext cx="906145" cy="502285"/>
           </a:xfrm>
           <a:prstGeom prst="rect">
             <a:avLst/>
           </a:prstGeom>
           <a:solidFill>
-            <a:srgbClr val="39BAE8"/>
+            <a:srgbClr val="FFFFFF">
+              <a:alpha val="15000"/>
+            </a:srgbClr>
           </a:solidFill>
           <a:ln>
-            <a:solidFill>
-              <a:srgbClr val="1F6ED4"/>
-            </a:solidFill>
+            <a:noFill/>
           </a:ln>
         </p:spPr>
         <p:style>
@@ -13815,38 +14481,131 @@
           </a:fontRef>
         </p:style>
         <p:txBody>
-          <a:bodyPr rtlCol="0" anchor="ctr"/>
-          <a:p>
-            <a:pPr algn="ctr"/>
-            <a:r>
-              <a:rPr lang="en-US" altLang="zh-CN" sz="1200"/>
-              <a:t>Login</a:t>
-            </a:r>
-            <a:endParaRPr lang="en-US" altLang="zh-CN" sz="1200"/>
-          </a:p>
-        </p:txBody>
-      </p:sp>
-      <p:sp>
-        <p:nvSpPr>
-          <p:cNvPr id="50" name="矩形 49"/>
+          <a:bodyPr vertOverflow="overflow" horzOverflow="overflow" vert="horz" wrap="square" numCol="1" spcCol="0" rtlCol="0" fromWordArt="0" anchor="ctr" anchorCtr="0" forceAA="0" compatLnSpc="1">
+            <a:noAutofit/>
+          </a:bodyPr>
+          <a:p>
+            <a:pPr lvl="0" algn="ctr">
+              <a:buClrTx/>
+              <a:buSzTx/>
+              <a:buFontTx/>
+            </a:pPr>
+            <a:r>
+              <a:rPr lang="en-US" altLang="zh-CN" sz="1200">
+                <a:solidFill>
+                  <a:schemeClr val="bg1"/>
+                </a:solidFill>
+                <a:sym typeface="+mn-ea"/>
+              </a:rPr>
+              <a:t>Layout</a:t>
+            </a:r>
+            <a:endParaRPr lang="en-US" altLang="zh-CN" sz="1200">
+              <a:solidFill>
+                <a:schemeClr val="bg1"/>
+              </a:solidFill>
+              <a:sym typeface="+mn-ea"/>
+            </a:endParaRPr>
+          </a:p>
+        </p:txBody>
+      </p:sp>
+      <p:sp>
+        <p:nvSpPr>
+          <p:cNvPr id="57" name="矩形 56"/>
           <p:cNvSpPr/>
           <p:nvPr/>
         </p:nvSpPr>
         <p:spPr>
           <a:xfrm>
-            <a:off x="6125210" y="2491740"/>
-            <a:ext cx="815340" cy="502285"/>
+            <a:off x="1233170" y="1270000"/>
+            <a:ext cx="9698355" cy="582295"/>
+          </a:xfrm>
+          <a:prstGeom prst="rect">
+            <a:avLst/>
+          </a:prstGeom>
+          <a:noFill/>
+          <a:ln w="19050">
+            <a:solidFill>
+              <a:srgbClr val="3AB986"/>
+            </a:solidFill>
+            <a:prstDash val="dash"/>
+          </a:ln>
+          <a:extLst>
+            <a:ext uri="{909E8E84-426E-40DD-AFC4-6F175D3DCCD1}">
+              <a14:hiddenFill xmlns:a14="http://schemas.microsoft.com/office/drawing/2010/main">
+                <a:solidFill>
+                  <a:srgbClr val="3AB986"/>
+                </a:solidFill>
+              </a14:hiddenFill>
+            </a:ext>
+          </a:extLst>
+        </p:spPr>
+        <p:style>
+          <a:lnRef idx="2">
+            <a:schemeClr val="accent1">
+              <a:shade val="50000"/>
+            </a:schemeClr>
+          </a:lnRef>
+          <a:fillRef idx="1">
+            <a:schemeClr val="accent1"/>
+          </a:fillRef>
+          <a:effectRef idx="0">
+            <a:schemeClr val="accent1"/>
+          </a:effectRef>
+          <a:fontRef idx="minor">
+            <a:schemeClr val="lt1"/>
+          </a:fontRef>
+        </p:style>
+        <p:txBody>
+          <a:bodyPr vertOverflow="overflow" horzOverflow="overflow" vert="horz" wrap="square" numCol="1" spcCol="0" rtlCol="0" fromWordArt="0" anchor="ctr" anchorCtr="0" forceAA="0" compatLnSpc="1">
+            <a:noAutofit/>
+          </a:bodyPr>
+          <a:p>
+            <a:pPr lvl="0" algn="ctr">
+              <a:buClrTx/>
+              <a:buSzTx/>
+              <a:buFontTx/>
+            </a:pPr>
+            <a:r>
+              <a:rPr lang="en-US" altLang="zh-CN" sz="1400">
+                <a:solidFill>
+                  <a:schemeClr val="tx1"/>
+                </a:solidFill>
+                <a:latin typeface="微软雅黑" panose="020B0503020204020204" charset="-122"/>
+                <a:ea typeface="微软雅黑" panose="020B0503020204020204" charset="-122"/>
+                <a:sym typeface="+mn-ea"/>
+              </a:rPr>
+              <a:t>业务开发</a:t>
+            </a:r>
+            <a:endParaRPr lang="en-US" altLang="zh-CN" sz="1400">
+              <a:solidFill>
+                <a:schemeClr val="tx1"/>
+              </a:solidFill>
+              <a:latin typeface="微软雅黑" panose="020B0503020204020204" charset="-122"/>
+              <a:ea typeface="微软雅黑" panose="020B0503020204020204" charset="-122"/>
+              <a:sym typeface="+mn-ea"/>
+            </a:endParaRPr>
+          </a:p>
+        </p:txBody>
+      </p:sp>
+      <p:sp>
+        <p:nvSpPr>
+          <p:cNvPr id="3" name="矩形 2"/>
+          <p:cNvSpPr/>
+          <p:nvPr/>
+        </p:nvSpPr>
+        <p:spPr>
+          <a:xfrm>
+            <a:off x="1231900" y="4644390"/>
+            <a:ext cx="8255000" cy="720000"/>
           </a:xfrm>
           <a:prstGeom prst="rect">
             <a:avLst/>
           </a:prstGeom>
           <a:solidFill>
-            <a:srgbClr val="39BAE8"/>
+            <a:srgbClr val="8F7BB8"/>
           </a:solidFill>
           <a:ln>
-            <a:solidFill>
-              <a:srgbClr val="1F6ED4"/>
-            </a:solidFill>
+            <a:noFill/>
           </a:ln>
         </p:spPr>
         <p:style>
@@ -13866,38 +14625,60 @@
           </a:fontRef>
         </p:style>
         <p:txBody>
-          <a:bodyPr rtlCol="0" anchor="ctr"/>
-          <a:p>
-            <a:pPr algn="ctr"/>
-            <a:r>
-              <a:rPr lang="en-US" altLang="zh-CN" sz="1200"/>
-              <a:t>Sidebar</a:t>
-            </a:r>
-            <a:endParaRPr lang="en-US" altLang="zh-CN" sz="1200"/>
-          </a:p>
-        </p:txBody>
-      </p:sp>
-      <p:sp>
-        <p:nvSpPr>
-          <p:cNvPr id="51" name="矩形 50"/>
+          <a:bodyPr vertOverflow="overflow" horzOverflow="overflow" vert="horz" wrap="square" numCol="1" spcCol="0" rtlCol="0" fromWordArt="0" anchor="ctr" anchorCtr="0" forceAA="0" compatLnSpc="1">
+            <a:noAutofit/>
+          </a:bodyPr>
+          <a:p>
+            <a:pPr lvl="0" algn="l">
+              <a:buClrTx/>
+              <a:buSzTx/>
+              <a:buFontTx/>
+            </a:pPr>
+            <a:r>
+              <a:rPr lang="zh-CN" altLang="en-US" sz="1400">
+                <a:latin typeface="微软雅黑" panose="020B0503020204020204" charset="-122"/>
+                <a:ea typeface="微软雅黑" panose="020B0503020204020204" charset="-122"/>
+                <a:sym typeface="+mn-ea"/>
+              </a:rPr>
+              <a:t>模</a:t>
+            </a:r>
+            <a:r>
+              <a:rPr lang="zh-CN" altLang="en-US" sz="1400">
+                <a:latin typeface="微软雅黑" panose="020B0503020204020204" charset="-122"/>
+                <a:ea typeface="微软雅黑" panose="020B0503020204020204" charset="-122"/>
+                <a:sym typeface="+mn-ea"/>
+              </a:rPr>
+              <a:t>块系统</a:t>
+            </a:r>
+            <a:endParaRPr lang="zh-CN" altLang="en-US" sz="1400">
+              <a:latin typeface="微软雅黑" panose="020B0503020204020204" charset="-122"/>
+              <a:ea typeface="微软雅黑" panose="020B0503020204020204" charset="-122"/>
+              <a:sym typeface="+mn-ea"/>
+            </a:endParaRPr>
+          </a:p>
+        </p:txBody>
+      </p:sp>
+      <p:sp>
+        <p:nvSpPr>
+          <p:cNvPr id="26" name="矩形 25"/>
           <p:cNvSpPr/>
           <p:nvPr/>
         </p:nvSpPr>
         <p:spPr>
           <a:xfrm>
-            <a:off x="7134860" y="2491740"/>
-            <a:ext cx="906145" cy="502285"/>
+            <a:off x="5078095" y="4765675"/>
+            <a:ext cx="761365" cy="504190"/>
           </a:xfrm>
           <a:prstGeom prst="rect">
             <a:avLst/>
           </a:prstGeom>
           <a:solidFill>
-            <a:srgbClr val="39BAE8"/>
+            <a:srgbClr val="FFFFFF">
+              <a:alpha val="15000"/>
+            </a:srgbClr>
           </a:solidFill>
           <a:ln>
-            <a:solidFill>
-              <a:srgbClr val="1F6ED4"/>
-            </a:solidFill>
+            <a:noFill/>
           </a:ln>
         </p:spPr>
         <p:style>
@@ -13921,34 +14702,34 @@
           <a:p>
             <a:pPr algn="ctr"/>
             <a:r>
-              <a:rPr lang="en-US" altLang="zh-CN" sz="1200"/>
-              <a:t>DataTable</a:t>
-            </a:r>
-            <a:endParaRPr lang="en-US" altLang="zh-CN" sz="1200"/>
-          </a:p>
-        </p:txBody>
-      </p:sp>
-      <p:sp>
-        <p:nvSpPr>
-          <p:cNvPr id="56" name="矩形 55"/>
+              <a:rPr lang="en-US" altLang="zh-CN" sz="1400"/>
+              <a:t>ESM</a:t>
+            </a:r>
+            <a:endParaRPr lang="en-US" altLang="zh-CN" sz="1400"/>
+          </a:p>
+        </p:txBody>
+      </p:sp>
+      <p:sp>
+        <p:nvSpPr>
+          <p:cNvPr id="27" name="矩形 26"/>
           <p:cNvSpPr/>
           <p:nvPr/>
         </p:nvSpPr>
         <p:spPr>
           <a:xfrm>
-            <a:off x="8268335" y="2491740"/>
-            <a:ext cx="906145" cy="502285"/>
+            <a:off x="6008370" y="4765675"/>
+            <a:ext cx="1175385" cy="504190"/>
           </a:xfrm>
           <a:prstGeom prst="rect">
             <a:avLst/>
           </a:prstGeom>
           <a:solidFill>
-            <a:srgbClr val="39BAE8"/>
+            <a:srgbClr val="FFFFFF">
+              <a:alpha val="15000"/>
+            </a:srgbClr>
           </a:solidFill>
           <a:ln>
-            <a:solidFill>
-              <a:srgbClr val="1F6ED4"/>
-            </a:solidFill>
+            <a:noFill/>
           </a:ln>
         </p:spPr>
         <p:style>
@@ -13972,34 +14753,34 @@
           <a:p>
             <a:pPr algn="ctr"/>
             <a:r>
-              <a:rPr lang="en-US" altLang="zh-CN" sz="1200"/>
-              <a:t>Layout</a:t>
-            </a:r>
-            <a:endParaRPr lang="en-US" altLang="zh-CN" sz="1200"/>
-          </a:p>
-        </p:txBody>
-      </p:sp>
-      <p:sp>
-        <p:nvSpPr>
-          <p:cNvPr id="57" name="矩形 56"/>
+              <a:rPr lang="en-US" altLang="zh-CN" sz="1400"/>
+              <a:t>CommonJS</a:t>
+            </a:r>
+            <a:endParaRPr lang="en-US" altLang="zh-CN" sz="1400"/>
+          </a:p>
+        </p:txBody>
+      </p:sp>
+      <p:sp>
+        <p:nvSpPr>
+          <p:cNvPr id="32" name="矩形 31"/>
           <p:cNvSpPr/>
           <p:nvPr/>
         </p:nvSpPr>
         <p:spPr>
           <a:xfrm>
-            <a:off x="1233170" y="1327150"/>
-            <a:ext cx="9841865" cy="747395"/>
+            <a:off x="7361555" y="4765675"/>
+            <a:ext cx="762000" cy="504190"/>
           </a:xfrm>
           <a:prstGeom prst="rect">
             <a:avLst/>
           </a:prstGeom>
           <a:solidFill>
-            <a:srgbClr val="39BAE8"/>
+            <a:srgbClr val="FFFFFF">
+              <a:alpha val="15000"/>
+            </a:srgbClr>
           </a:solidFill>
           <a:ln>
-            <a:solidFill>
-              <a:srgbClr val="1F6ED4"/>
-            </a:solidFill>
+            <a:noFill/>
           </a:ln>
         </p:spPr>
         <p:style>
@@ -14023,10 +14804,238 @@
           <a:p>
             <a:pPr algn="ctr"/>
             <a:r>
-              <a:rPr lang="zh-CN" altLang="en-US" sz="1600"/>
-              <a:t>业务开发</a:t>
-            </a:r>
-            <a:endParaRPr lang="en-US" altLang="zh-CN" sz="1200"/>
+              <a:rPr lang="en-US" altLang="zh-CN" sz="1400"/>
+              <a:t>AMD</a:t>
+            </a:r>
+            <a:endParaRPr lang="en-US" altLang="zh-CN" sz="1400"/>
+          </a:p>
+        </p:txBody>
+      </p:sp>
+      <p:sp>
+        <p:nvSpPr>
+          <p:cNvPr id="36" name="矩形 35"/>
+          <p:cNvSpPr/>
+          <p:nvPr/>
+        </p:nvSpPr>
+        <p:spPr>
+          <a:xfrm>
+            <a:off x="8321675" y="4765675"/>
+            <a:ext cx="709930" cy="504190"/>
+          </a:xfrm>
+          <a:prstGeom prst="rect">
+            <a:avLst/>
+          </a:prstGeom>
+          <a:solidFill>
+            <a:srgbClr val="FFFFFF">
+              <a:alpha val="15000"/>
+            </a:srgbClr>
+          </a:solidFill>
+          <a:ln>
+            <a:noFill/>
+          </a:ln>
+        </p:spPr>
+        <p:style>
+          <a:lnRef idx="2">
+            <a:schemeClr val="accent1">
+              <a:shade val="50000"/>
+            </a:schemeClr>
+          </a:lnRef>
+          <a:fillRef idx="1">
+            <a:schemeClr val="accent1"/>
+          </a:fillRef>
+          <a:effectRef idx="0">
+            <a:schemeClr val="accent1"/>
+          </a:effectRef>
+          <a:fontRef idx="minor">
+            <a:schemeClr val="lt1"/>
+          </a:fontRef>
+        </p:style>
+        <p:txBody>
+          <a:bodyPr rtlCol="0" anchor="ctr"/>
+          <a:p>
+            <a:pPr algn="ctr"/>
+            <a:r>
+              <a:rPr lang="en-US" altLang="zh-CN" sz="1400"/>
+              <a:t>UMD</a:t>
+            </a:r>
+            <a:endParaRPr lang="en-US" altLang="zh-CN" sz="1400"/>
+          </a:p>
+        </p:txBody>
+      </p:sp>
+      <p:sp>
+        <p:nvSpPr>
+          <p:cNvPr id="37" name="矩形 36"/>
+          <p:cNvSpPr/>
+          <p:nvPr/>
+        </p:nvSpPr>
+        <p:spPr>
+          <a:xfrm>
+            <a:off x="2348230" y="4761865"/>
+            <a:ext cx="1175385" cy="504190"/>
+          </a:xfrm>
+          <a:prstGeom prst="rect">
+            <a:avLst/>
+          </a:prstGeom>
+          <a:solidFill>
+            <a:srgbClr val="FFFFFF">
+              <a:alpha val="15000"/>
+            </a:srgbClr>
+          </a:solidFill>
+          <a:ln>
+            <a:noFill/>
+          </a:ln>
+        </p:spPr>
+        <p:style>
+          <a:lnRef idx="2">
+            <a:schemeClr val="accent1">
+              <a:shade val="50000"/>
+            </a:schemeClr>
+          </a:lnRef>
+          <a:fillRef idx="1">
+            <a:schemeClr val="accent1"/>
+          </a:fillRef>
+          <a:effectRef idx="0">
+            <a:schemeClr val="accent1"/>
+          </a:effectRef>
+          <a:fontRef idx="minor">
+            <a:schemeClr val="lt1"/>
+          </a:fontRef>
+        </p:style>
+        <p:txBody>
+          <a:bodyPr rtlCol="0" anchor="ctr"/>
+          <a:p>
+            <a:pPr algn="ctr"/>
+            <a:r>
+              <a:rPr lang="en-US" altLang="zh-CN" sz="1400"/>
+              <a:t>JS</a:t>
+            </a:r>
+            <a:r>
+              <a:rPr lang="zh-CN" altLang="en-US" sz="1400"/>
+              <a:t>模块化</a:t>
+            </a:r>
+            <a:endParaRPr lang="zh-CN" altLang="en-US" sz="1400"/>
+          </a:p>
+        </p:txBody>
+      </p:sp>
+      <p:sp>
+        <p:nvSpPr>
+          <p:cNvPr id="39" name="矩形 38"/>
+          <p:cNvSpPr/>
+          <p:nvPr/>
+        </p:nvSpPr>
+        <p:spPr>
+          <a:xfrm>
+            <a:off x="3699510" y="4761865"/>
+            <a:ext cx="1175385" cy="504190"/>
+          </a:xfrm>
+          <a:prstGeom prst="rect">
+            <a:avLst/>
+          </a:prstGeom>
+          <a:solidFill>
+            <a:srgbClr val="FFFFFF">
+              <a:alpha val="15000"/>
+            </a:srgbClr>
+          </a:solidFill>
+          <a:ln>
+            <a:noFill/>
+          </a:ln>
+        </p:spPr>
+        <p:style>
+          <a:lnRef idx="2">
+            <a:schemeClr val="accent1">
+              <a:shade val="50000"/>
+            </a:schemeClr>
+          </a:lnRef>
+          <a:fillRef idx="1">
+            <a:schemeClr val="accent1"/>
+          </a:fillRef>
+          <a:effectRef idx="0">
+            <a:schemeClr val="accent1"/>
+          </a:effectRef>
+          <a:fontRef idx="minor">
+            <a:schemeClr val="lt1"/>
+          </a:fontRef>
+        </p:style>
+        <p:txBody>
+          <a:bodyPr rtlCol="0" anchor="ctr"/>
+          <a:p>
+            <a:pPr algn="ctr"/>
+            <a:r>
+              <a:rPr lang="en-US" altLang="zh-CN" sz="1400"/>
+              <a:t>CSS</a:t>
+            </a:r>
+            <a:r>
+              <a:rPr lang="zh-CN" altLang="en-US" sz="1400"/>
+              <a:t>模块化</a:t>
+            </a:r>
+            <a:endParaRPr lang="zh-CN" altLang="en-US" sz="1400"/>
+          </a:p>
+        </p:txBody>
+      </p:sp>
+      <p:sp>
+        <p:nvSpPr>
+          <p:cNvPr id="47" name="矩形 46"/>
+          <p:cNvSpPr/>
+          <p:nvPr/>
+        </p:nvSpPr>
+        <p:spPr>
+          <a:xfrm>
+            <a:off x="9773285" y="3909695"/>
+            <a:ext cx="1014095" cy="504000"/>
+          </a:xfrm>
+          <a:prstGeom prst="rect">
+            <a:avLst/>
+          </a:prstGeom>
+          <a:solidFill>
+            <a:srgbClr val="FFFFFF">
+              <a:alpha val="15000"/>
+            </a:srgbClr>
+          </a:solidFill>
+          <a:ln>
+            <a:noFill/>
+          </a:ln>
+        </p:spPr>
+        <p:style>
+          <a:lnRef idx="2">
+            <a:schemeClr val="accent1">
+              <a:shade val="50000"/>
+            </a:schemeClr>
+          </a:lnRef>
+          <a:fillRef idx="1">
+            <a:schemeClr val="accent1"/>
+          </a:fillRef>
+          <a:effectRef idx="0">
+            <a:schemeClr val="accent1"/>
+          </a:effectRef>
+          <a:fontRef idx="minor">
+            <a:schemeClr val="lt1"/>
+          </a:fontRef>
+        </p:style>
+        <p:txBody>
+          <a:bodyPr vertOverflow="overflow" horzOverflow="overflow" vert="horz" wrap="square" numCol="1" spcCol="0" rtlCol="0" fromWordArt="0" anchor="ctr" anchorCtr="0" forceAA="0" compatLnSpc="1">
+            <a:noAutofit/>
+          </a:bodyPr>
+          <a:p>
+            <a:pPr lvl="0" algn="ctr">
+              <a:buClrTx/>
+              <a:buSzTx/>
+              <a:buFontTx/>
+            </a:pPr>
+            <a:r>
+              <a:rPr lang="zh-CN" altLang="en-US" sz="1200">
+                <a:solidFill>
+                  <a:schemeClr val="bg1"/>
+                </a:solidFill>
+                <a:sym typeface="+mn-ea"/>
+              </a:rPr>
+              <a:t>前后端接口</a:t>
+            </a:r>
+            <a:endParaRPr lang="zh-CN" altLang="en-US" sz="1200">
+              <a:solidFill>
+                <a:schemeClr val="bg1"/>
+              </a:solidFill>
+              <a:sym typeface="+mn-ea"/>
+            </a:endParaRPr>
           </a:p>
         </p:txBody>
       </p:sp>
@@ -14088,8 +15097,11 @@
             <a:avLst/>
           </a:prstGeom>
           <a:solidFill>
-            <a:srgbClr val="39BAE8"/>
+            <a:srgbClr val="3AB986"/>
           </a:solidFill>
+          <a:ln>
+            <a:noFill/>
+          </a:ln>
         </p:spPr>
         <p:style>
           <a:lnRef idx="2">
@@ -14108,14 +15120,28 @@
           </a:fontRef>
         </p:style>
         <p:txBody>
-          <a:bodyPr rtlCol="0" anchor="ctr"/>
-          <a:p>
-            <a:pPr algn="ctr"/>
-            <a:r>
-              <a:rPr lang="zh-CN" altLang="en-US" sz="1200"/>
+          <a:bodyPr vertOverflow="overflow" horzOverflow="overflow" vert="horz" wrap="square" numCol="1" spcCol="0" rtlCol="0" fromWordArt="0" anchor="ctr" anchorCtr="0" forceAA="0" compatLnSpc="1">
+            <a:noAutofit/>
+          </a:bodyPr>
+          <a:p>
+            <a:pPr lvl="0" algn="ctr">
+              <a:buClrTx/>
+              <a:buSzTx/>
+              <a:buFontTx/>
+            </a:pPr>
+            <a:r>
+              <a:rPr lang="en-US" altLang="zh-CN" sz="1400">
+                <a:latin typeface="微软雅黑" panose="020B0503020204020204" charset="-122"/>
+                <a:ea typeface="微软雅黑" panose="020B0503020204020204" charset="-122"/>
+                <a:sym typeface="+mn-ea"/>
+              </a:rPr>
               <a:t>开始</a:t>
             </a:r>
-            <a:endParaRPr lang="zh-CN" altLang="en-US" sz="1200"/>
+            <a:endParaRPr lang="en-US" altLang="zh-CN" sz="1400">
+              <a:latin typeface="微软雅黑" panose="020B0503020204020204" charset="-122"/>
+              <a:ea typeface="微软雅黑" panose="020B0503020204020204" charset="-122"/>
+              <a:sym typeface="+mn-ea"/>
+            </a:endParaRPr>
           </a:p>
         </p:txBody>
       </p:sp>
@@ -14134,8 +15160,11 @@
             <a:avLst/>
           </a:prstGeom>
           <a:solidFill>
-            <a:srgbClr val="39BAE8"/>
+            <a:srgbClr val="3AB986"/>
           </a:solidFill>
+          <a:ln>
+            <a:noFill/>
+          </a:ln>
         </p:spPr>
         <p:style>
           <a:lnRef idx="2">
@@ -14154,14 +15183,28 @@
           </a:fontRef>
         </p:style>
         <p:txBody>
-          <a:bodyPr rtlCol="0" anchor="ctr"/>
-          <a:p>
-            <a:pPr algn="ctr"/>
-            <a:r>
-              <a:rPr lang="zh-CN" altLang="en-US" sz="1400"/>
+          <a:bodyPr vertOverflow="overflow" horzOverflow="overflow" vert="horz" wrap="square" numCol="1" spcCol="0" rtlCol="0" fromWordArt="0" anchor="ctr" anchorCtr="0" forceAA="0" compatLnSpc="1">
+            <a:noAutofit/>
+          </a:bodyPr>
+          <a:p>
+            <a:pPr lvl="0" algn="ctr">
+              <a:buClrTx/>
+              <a:buSzTx/>
+              <a:buFontTx/>
+            </a:pPr>
+            <a:r>
+              <a:rPr lang="en-US" altLang="zh-CN" sz="1400">
+                <a:latin typeface="微软雅黑" panose="020B0503020204020204" charset="-122"/>
+                <a:ea typeface="微软雅黑" panose="020B0503020204020204" charset="-122"/>
+                <a:sym typeface="+mn-ea"/>
+              </a:rPr>
               <a:t>输入账号</a:t>
             </a:r>
-            <a:endParaRPr lang="zh-CN" altLang="en-US" sz="1400"/>
+            <a:endParaRPr lang="en-US" altLang="zh-CN" sz="1400">
+              <a:latin typeface="微软雅黑" panose="020B0503020204020204" charset="-122"/>
+              <a:ea typeface="微软雅黑" panose="020B0503020204020204" charset="-122"/>
+              <a:sym typeface="+mn-ea"/>
+            </a:endParaRPr>
           </a:p>
         </p:txBody>
       </p:sp>
@@ -14180,8 +15223,11 @@
             <a:avLst/>
           </a:prstGeom>
           <a:solidFill>
-            <a:srgbClr val="39BAE8"/>
+            <a:srgbClr val="3AB986"/>
           </a:solidFill>
+          <a:ln>
+            <a:noFill/>
+          </a:ln>
         </p:spPr>
         <p:style>
           <a:lnRef idx="2">
@@ -14200,14 +15246,28 @@
           </a:fontRef>
         </p:style>
         <p:txBody>
-          <a:bodyPr rtlCol="0" anchor="ctr"/>
-          <a:p>
-            <a:pPr algn="ctr"/>
-            <a:r>
-              <a:rPr lang="zh-CN" altLang="en-US" sz="1400"/>
+          <a:bodyPr vertOverflow="overflow" horzOverflow="overflow" vert="horz" wrap="square" numCol="1" spcCol="0" rtlCol="0" fromWordArt="0" anchor="ctr" anchorCtr="0" forceAA="0" compatLnSpc="1">
+            <a:noAutofit/>
+          </a:bodyPr>
+          <a:p>
+            <a:pPr lvl="0" algn="ctr">
+              <a:buClrTx/>
+              <a:buSzTx/>
+              <a:buFontTx/>
+            </a:pPr>
+            <a:r>
+              <a:rPr lang="en-US" altLang="zh-CN" sz="1400">
+                <a:latin typeface="微软雅黑" panose="020B0503020204020204" charset="-122"/>
+                <a:ea typeface="微软雅黑" panose="020B0503020204020204" charset="-122"/>
+                <a:sym typeface="+mn-ea"/>
+              </a:rPr>
               <a:t>发送请求</a:t>
             </a:r>
-            <a:endParaRPr lang="zh-CN" altLang="en-US" sz="1400"/>
+            <a:endParaRPr lang="en-US" altLang="zh-CN" sz="1400">
+              <a:latin typeface="微软雅黑" panose="020B0503020204020204" charset="-122"/>
+              <a:ea typeface="微软雅黑" panose="020B0503020204020204" charset="-122"/>
+              <a:sym typeface="+mn-ea"/>
+            </a:endParaRPr>
           </a:p>
         </p:txBody>
       </p:sp>
@@ -14228,8 +15288,11 @@
             <a:avLst/>
           </a:prstGeom>
           <a:solidFill>
-            <a:srgbClr val="39BAE8"/>
+            <a:srgbClr val="3AB986"/>
           </a:solidFill>
+          <a:ln>
+            <a:noFill/>
+          </a:ln>
         </p:spPr>
         <p:style>
           <a:lnRef idx="2">
@@ -14248,10 +15311,20 @@
           </a:fontRef>
         </p:style>
         <p:txBody>
-          <a:bodyPr rtlCol="0" anchor="ctr"/>
-          <a:p>
-            <a:pPr algn="ctr"/>
-            <a:endParaRPr lang="zh-CN" altLang="en-US" sz="1400"/>
+          <a:bodyPr vertOverflow="overflow" horzOverflow="overflow" vert="horz" wrap="square" numCol="1" spcCol="0" rtlCol="0" fromWordArt="0" anchor="ctr" anchorCtr="0" forceAA="0" compatLnSpc="1">
+            <a:noAutofit/>
+          </a:bodyPr>
+          <a:p>
+            <a:pPr lvl="0" algn="ctr">
+              <a:buClrTx/>
+              <a:buSzTx/>
+              <a:buFontTx/>
+            </a:pPr>
+            <a:endParaRPr lang="en-US" altLang="zh-CN" sz="1400">
+              <a:latin typeface="微软雅黑" panose="020B0503020204020204" charset="-122"/>
+              <a:ea typeface="微软雅黑" panose="020B0503020204020204" charset="-122"/>
+              <a:sym typeface="+mn-ea"/>
+            </a:endParaRPr>
           </a:p>
         </p:txBody>
       </p:sp>
@@ -14270,8 +15343,11 @@
             <a:avLst/>
           </a:prstGeom>
           <a:solidFill>
-            <a:srgbClr val="39BAE8"/>
+            <a:srgbClr val="3AB986"/>
           </a:solidFill>
+          <a:ln>
+            <a:noFill/>
+          </a:ln>
         </p:spPr>
         <p:style>
           <a:lnRef idx="2">
@@ -14290,14 +15366,28 @@
           </a:fontRef>
         </p:style>
         <p:txBody>
-          <a:bodyPr rtlCol="0" anchor="ctr"/>
-          <a:p>
-            <a:pPr algn="ctr"/>
-            <a:r>
-              <a:rPr lang="zh-CN" altLang="en-US" sz="1400"/>
+          <a:bodyPr vertOverflow="overflow" horzOverflow="overflow" vert="horz" wrap="square" numCol="1" spcCol="0" rtlCol="0" fromWordArt="0" anchor="ctr" anchorCtr="0" forceAA="0" compatLnSpc="1">
+            <a:noAutofit/>
+          </a:bodyPr>
+          <a:p>
+            <a:pPr lvl="0" algn="ctr">
+              <a:buClrTx/>
+              <a:buSzTx/>
+              <a:buFontTx/>
+            </a:pPr>
+            <a:r>
+              <a:rPr lang="en-US" altLang="zh-CN" sz="1400">
+                <a:latin typeface="微软雅黑" panose="020B0503020204020204" charset="-122"/>
+                <a:ea typeface="微软雅黑" panose="020B0503020204020204" charset="-122"/>
+                <a:sym typeface="+mn-ea"/>
+              </a:rPr>
               <a:t>保存用户信息</a:t>
             </a:r>
-            <a:endParaRPr lang="zh-CN" altLang="en-US" sz="1400"/>
+            <a:endParaRPr lang="en-US" altLang="zh-CN" sz="1400">
+              <a:latin typeface="微软雅黑" panose="020B0503020204020204" charset="-122"/>
+              <a:ea typeface="微软雅黑" panose="020B0503020204020204" charset="-122"/>
+              <a:sym typeface="+mn-ea"/>
+            </a:endParaRPr>
           </a:p>
         </p:txBody>
       </p:sp>
@@ -14320,11 +15410,12 @@
               <a:gd name="adj1" fmla="val 146875"/>
             </a:avLst>
           </a:prstGeom>
-          <a:solidFill>
-            <a:srgbClr val="39BAE8"/>
-          </a:solidFill>
-          <a:ln>
-            <a:tailEnd type="arrow"/>
+          <a:ln w="25400">
+            <a:solidFill>
+              <a:srgbClr val="8C9793"/>
+            </a:solidFill>
+            <a:headEnd type="none"/>
+            <a:tailEnd type="triangle" w="lg" len="lg"/>
           </a:ln>
         </p:spPr>
         <p:style>
@@ -14359,11 +15450,12 @@
           <a:prstGeom prst="straightConnector1">
             <a:avLst/>
           </a:prstGeom>
-          <a:solidFill>
-            <a:srgbClr val="39BAE8"/>
-          </a:solidFill>
-          <a:ln>
-            <a:tailEnd type="arrow"/>
+          <a:ln w="25400">
+            <a:solidFill>
+              <a:srgbClr val="8C9793"/>
+            </a:solidFill>
+            <a:headEnd type="none"/>
+            <a:tailEnd type="triangle" w="lg" len="lg"/>
           </a:ln>
         </p:spPr>
         <p:style>
@@ -14398,11 +15490,12 @@
           <a:prstGeom prst="straightConnector1">
             <a:avLst/>
           </a:prstGeom>
-          <a:solidFill>
-            <a:srgbClr val="39BAE8"/>
-          </a:solidFill>
-          <a:ln>
-            <a:tailEnd type="arrow"/>
+          <a:ln w="25400">
+            <a:solidFill>
+              <a:srgbClr val="8C9793"/>
+            </a:solidFill>
+            <a:headEnd type="none"/>
+            <a:tailEnd type="triangle" w="lg" len="lg"/>
           </a:ln>
         </p:spPr>
         <p:style>
@@ -14437,11 +15530,12 @@
           <a:prstGeom prst="straightConnector1">
             <a:avLst/>
           </a:prstGeom>
-          <a:solidFill>
-            <a:srgbClr val="39BAE8"/>
-          </a:solidFill>
-          <a:ln>
-            <a:tailEnd type="arrow"/>
+          <a:ln w="25400">
+            <a:solidFill>
+              <a:srgbClr val="8C9793"/>
+            </a:solidFill>
+            <a:headEnd type="none"/>
+            <a:tailEnd type="triangle" w="lg" len="lg"/>
           </a:ln>
         </p:spPr>
         <p:style>
@@ -14476,11 +15570,12 @@
           <a:prstGeom prst="straightConnector1">
             <a:avLst/>
           </a:prstGeom>
-          <a:solidFill>
-            <a:srgbClr val="39BAE8"/>
-          </a:solidFill>
-          <a:ln>
-            <a:tailEnd type="arrow"/>
+          <a:ln w="25400">
+            <a:solidFill>
+              <a:srgbClr val="8C9793"/>
+            </a:solidFill>
+            <a:headEnd type="none"/>
+            <a:tailEnd type="triangle" w="lg" len="lg"/>
           </a:ln>
         </p:spPr>
         <p:style>
@@ -14513,14 +15608,10 @@
             <a:avLst/>
           </a:prstGeom>
           <a:solidFill>
-            <a:schemeClr val="bg1">
-              <a:lumMod val="85000"/>
-            </a:schemeClr>
+            <a:srgbClr val="5B7080"/>
           </a:solidFill>
           <a:ln>
-            <a:solidFill>
-              <a:schemeClr val="bg1"/>
-            </a:solidFill>
+            <a:noFill/>
           </a:ln>
         </p:spPr>
         <p:style>
@@ -14540,38 +15631,35 @@
           </a:fontRef>
         </p:style>
         <p:txBody>
-          <a:bodyPr rtlCol="0" anchor="ctr"/>
-          <a:p>
-            <a:pPr algn="ctr"/>
-            <a:r>
-              <a:rPr lang="zh-CN" altLang="en-US" sz="1200">
-                <a:solidFill>
-                  <a:schemeClr val="tx1">
-                    <a:lumMod val="75000"/>
-                    <a:lumOff val="25000"/>
-                  </a:schemeClr>
-                </a:solidFill>
+          <a:bodyPr vertOverflow="overflow" horzOverflow="overflow" vert="horz" wrap="square" numCol="1" spcCol="0" rtlCol="0" fromWordArt="0" anchor="ctr" anchorCtr="0" forceAA="0" compatLnSpc="1">
+            <a:noAutofit/>
+          </a:bodyPr>
+          <a:p>
+            <a:pPr lvl="0" algn="ctr">
+              <a:buClrTx/>
+              <a:buSzTx/>
+              <a:buFontTx/>
+            </a:pPr>
+            <a:r>
+              <a:rPr lang="en-US" altLang="zh-CN" sz="1400">
+                <a:latin typeface="微软雅黑" panose="020B0503020204020204" charset="-122"/>
+                <a:ea typeface="微软雅黑" panose="020B0503020204020204" charset="-122"/>
+                <a:sym typeface="+mn-ea"/>
               </a:rPr>
               <a:t>内存：</a:t>
             </a:r>
             <a:r>
-              <a:rPr lang="en-US" altLang="zh-CN" sz="1200">
-                <a:solidFill>
-                  <a:schemeClr val="tx1">
-                    <a:lumMod val="75000"/>
-                    <a:lumOff val="25000"/>
-                  </a:schemeClr>
-                </a:solidFill>
+              <a:rPr lang="en-US" altLang="zh-CN" sz="1400">
+                <a:latin typeface="微软雅黑" panose="020B0503020204020204" charset="-122"/>
+                <a:ea typeface="微软雅黑" panose="020B0503020204020204" charset="-122"/>
+                <a:sym typeface="+mn-ea"/>
               </a:rPr>
               <a:t>vuex</a:t>
             </a:r>
-            <a:endParaRPr lang="en-US" altLang="zh-CN" sz="1200">
-              <a:solidFill>
-                <a:schemeClr val="tx1">
-                  <a:lumMod val="75000"/>
-                  <a:lumOff val="25000"/>
-                </a:schemeClr>
-              </a:solidFill>
+            <a:endParaRPr lang="en-US" altLang="zh-CN" sz="1400">
+              <a:latin typeface="微软雅黑" panose="020B0503020204020204" charset="-122"/>
+              <a:ea typeface="微软雅黑" panose="020B0503020204020204" charset="-122"/>
+              <a:sym typeface="+mn-ea"/>
             </a:endParaRPr>
           </a:p>
         </p:txBody>
@@ -14591,14 +15679,10 @@
             <a:avLst/>
           </a:prstGeom>
           <a:solidFill>
-            <a:schemeClr val="bg1">
-              <a:lumMod val="85000"/>
-            </a:schemeClr>
+            <a:srgbClr val="5B7080"/>
           </a:solidFill>
           <a:ln>
-            <a:solidFill>
-              <a:schemeClr val="bg1"/>
-            </a:solidFill>
+            <a:noFill/>
           </a:ln>
         </p:spPr>
         <p:style>
@@ -14618,38 +15702,35 @@
           </a:fontRef>
         </p:style>
         <p:txBody>
-          <a:bodyPr rtlCol="0" anchor="ctr"/>
-          <a:p>
-            <a:pPr algn="ctr"/>
-            <a:r>
-              <a:rPr lang="zh-CN" altLang="en-US" sz="1200">
-                <a:solidFill>
-                  <a:schemeClr val="tx1">
-                    <a:lumMod val="75000"/>
-                    <a:lumOff val="25000"/>
-                  </a:schemeClr>
-                </a:solidFill>
+          <a:bodyPr vertOverflow="overflow" horzOverflow="overflow" vert="horz" wrap="square" numCol="1" spcCol="0" rtlCol="0" fromWordArt="0" anchor="ctr" anchorCtr="0" forceAA="0" compatLnSpc="1">
+            <a:noAutofit/>
+          </a:bodyPr>
+          <a:p>
+            <a:pPr lvl="0" algn="ctr">
+              <a:buClrTx/>
+              <a:buSzTx/>
+              <a:buFontTx/>
+            </a:pPr>
+            <a:r>
+              <a:rPr lang="en-US" altLang="zh-CN" sz="1400">
+                <a:latin typeface="微软雅黑" panose="020B0503020204020204" charset="-122"/>
+                <a:ea typeface="微软雅黑" panose="020B0503020204020204" charset="-122"/>
+                <a:sym typeface="+mn-ea"/>
               </a:rPr>
               <a:t>硬盘：</a:t>
             </a:r>
             <a:r>
-              <a:rPr lang="en-US" altLang="zh-CN" sz="1200">
-                <a:solidFill>
-                  <a:schemeClr val="tx1">
-                    <a:lumMod val="75000"/>
-                    <a:lumOff val="25000"/>
-                  </a:schemeClr>
-                </a:solidFill>
+              <a:rPr lang="en-US" altLang="zh-CN" sz="1400">
+                <a:latin typeface="微软雅黑" panose="020B0503020204020204" charset="-122"/>
+                <a:ea typeface="微软雅黑" panose="020B0503020204020204" charset="-122"/>
+                <a:sym typeface="+mn-ea"/>
               </a:rPr>
               <a:t>localStorage</a:t>
             </a:r>
-            <a:endParaRPr lang="en-US" altLang="zh-CN" sz="1200">
-              <a:solidFill>
-                <a:schemeClr val="tx1">
-                  <a:lumMod val="75000"/>
-                  <a:lumOff val="25000"/>
-                </a:schemeClr>
-              </a:solidFill>
+            <a:endParaRPr lang="en-US" altLang="zh-CN" sz="1400">
+              <a:latin typeface="微软雅黑" panose="020B0503020204020204" charset="-122"/>
+              <a:ea typeface="微软雅黑" panose="020B0503020204020204" charset="-122"/>
+              <a:sym typeface="+mn-ea"/>
             </a:endParaRPr>
           </a:p>
         </p:txBody>
@@ -14673,8 +15754,13 @@
               <a:gd name="adj1" fmla="val 49956"/>
             </a:avLst>
           </a:prstGeom>
-          <a:ln>
-            <a:prstDash val="sysDash"/>
+          <a:ln w="25400">
+            <a:solidFill>
+              <a:srgbClr val="C6C9CE"/>
+            </a:solidFill>
+            <a:prstDash val="sysDot"/>
+            <a:headEnd type="none" w="lg" len="lg"/>
+            <a:tailEnd type="none" w="lg" len="lg"/>
           </a:ln>
         </p:spPr>
         <p:style>
@@ -14711,8 +15797,13 @@
               <a:gd name="adj1" fmla="val 49956"/>
             </a:avLst>
           </a:prstGeom>
-          <a:ln>
-            <a:prstDash val="sysDash"/>
+          <a:ln w="25400">
+            <a:solidFill>
+              <a:srgbClr val="C6C9CE"/>
+            </a:solidFill>
+            <a:prstDash val="sysDot"/>
+            <a:headEnd type="none" w="lg" len="lg"/>
+            <a:tailEnd type="none" w="lg" len="lg"/>
           </a:ln>
         </p:spPr>
         <p:style>
@@ -14745,8 +15836,11 @@
             <a:avLst/>
           </a:prstGeom>
           <a:solidFill>
-            <a:srgbClr val="39BAE8"/>
+            <a:srgbClr val="3AB986"/>
           </a:solidFill>
+          <a:ln>
+            <a:noFill/>
+          </a:ln>
         </p:spPr>
         <p:style>
           <a:lnRef idx="2">
@@ -14765,14 +15859,28 @@
           </a:fontRef>
         </p:style>
         <p:txBody>
-          <a:bodyPr rtlCol="0" anchor="ctr"/>
-          <a:p>
-            <a:pPr algn="ctr"/>
-            <a:r>
-              <a:rPr lang="zh-CN" altLang="en-US" sz="1200"/>
+          <a:bodyPr vertOverflow="overflow" horzOverflow="overflow" vert="horz" wrap="square" numCol="1" spcCol="0" rtlCol="0" fromWordArt="0" anchor="ctr" anchorCtr="0" forceAA="0" compatLnSpc="1">
+            <a:noAutofit/>
+          </a:bodyPr>
+          <a:p>
+            <a:pPr lvl="0" algn="ctr">
+              <a:buClrTx/>
+              <a:buSzTx/>
+              <a:buFontTx/>
+            </a:pPr>
+            <a:r>
+              <a:rPr lang="en-US" altLang="zh-CN" sz="1400">
+                <a:latin typeface="微软雅黑" panose="020B0503020204020204" charset="-122"/>
+                <a:ea typeface="微软雅黑" panose="020B0503020204020204" charset="-122"/>
+                <a:sym typeface="+mn-ea"/>
+              </a:rPr>
               <a:t>结束</a:t>
             </a:r>
-            <a:endParaRPr lang="zh-CN" altLang="en-US" sz="1200"/>
+            <a:endParaRPr lang="en-US" altLang="zh-CN" sz="1400">
+              <a:latin typeface="微软雅黑" panose="020B0503020204020204" charset="-122"/>
+              <a:ea typeface="微软雅黑" panose="020B0503020204020204" charset="-122"/>
+              <a:sym typeface="+mn-ea"/>
+            </a:endParaRPr>
           </a:p>
         </p:txBody>
       </p:sp>
@@ -14793,11 +15901,12 @@
           <a:prstGeom prst="straightConnector1">
             <a:avLst/>
           </a:prstGeom>
-          <a:solidFill>
-            <a:srgbClr val="39BAE8"/>
-          </a:solidFill>
-          <a:ln>
-            <a:tailEnd type="arrow"/>
+          <a:ln w="25400">
+            <a:solidFill>
+              <a:srgbClr val="8C9793"/>
+            </a:solidFill>
+            <a:headEnd type="none"/>
+            <a:tailEnd type="triangle" w="lg" len="lg"/>
           </a:ln>
         </p:spPr>
         <p:style>
@@ -14871,14 +15980,10 @@
             <a:avLst/>
           </a:prstGeom>
           <a:solidFill>
-            <a:schemeClr val="bg1">
-              <a:lumMod val="85000"/>
-            </a:schemeClr>
+            <a:srgbClr val="5B7080"/>
           </a:solidFill>
           <a:ln>
-            <a:solidFill>
-              <a:schemeClr val="bg1"/>
-            </a:solidFill>
+            <a:noFill/>
           </a:ln>
         </p:spPr>
         <p:style>
@@ -14898,27 +16003,27 @@
           </a:fontRef>
         </p:style>
         <p:txBody>
-          <a:bodyPr rtlCol="0" anchor="ctr"/>
-          <a:p>
-            <a:pPr algn="ctr"/>
-            <a:r>
-              <a:rPr lang="zh-CN" altLang="en-US" sz="1200">
-                <a:solidFill>
-                  <a:schemeClr val="tx1">
-                    <a:lumMod val="75000"/>
-                    <a:lumOff val="25000"/>
-                  </a:schemeClr>
-                </a:solidFill>
+          <a:bodyPr vertOverflow="overflow" horzOverflow="overflow" vert="horz" wrap="square" numCol="1" spcCol="0" rtlCol="0" fromWordArt="0" anchor="ctr" anchorCtr="0" forceAA="0" compatLnSpc="1">
+            <a:noAutofit/>
+          </a:bodyPr>
+          <a:p>
+            <a:pPr lvl="0" algn="ctr">
+              <a:buClrTx/>
+              <a:buSzTx/>
+              <a:buFontTx/>
+            </a:pPr>
+            <a:r>
+              <a:rPr lang="en-US" altLang="zh-CN" sz="1400">
+                <a:latin typeface="微软雅黑" panose="020B0503020204020204" charset="-122"/>
+                <a:ea typeface="微软雅黑" panose="020B0503020204020204" charset="-122"/>
+                <a:sym typeface="+mn-ea"/>
               </a:rPr>
               <a:t>表单验证</a:t>
             </a:r>
-            <a:endParaRPr lang="zh-CN" altLang="en-US" sz="1200">
-              <a:solidFill>
-                <a:schemeClr val="tx1">
-                  <a:lumMod val="75000"/>
-                  <a:lumOff val="25000"/>
-                </a:schemeClr>
-              </a:solidFill>
+            <a:endParaRPr lang="en-US" altLang="zh-CN" sz="1400">
+              <a:latin typeface="微软雅黑" panose="020B0503020204020204" charset="-122"/>
+              <a:ea typeface="微软雅黑" panose="020B0503020204020204" charset="-122"/>
+              <a:sym typeface="+mn-ea"/>
             </a:endParaRPr>
           </a:p>
         </p:txBody>
@@ -14942,8 +16047,13 @@
               <a:gd name="adj1" fmla="val 50000"/>
             </a:avLst>
           </a:prstGeom>
-          <a:ln>
-            <a:prstDash val="sysDash"/>
+          <a:ln w="25400">
+            <a:solidFill>
+              <a:srgbClr val="C6C9CE"/>
+            </a:solidFill>
+            <a:prstDash val="sysDot"/>
+            <a:headEnd type="none" w="lg" len="lg"/>
+            <a:tailEnd type="none" w="lg" len="lg"/>
           </a:ln>
         </p:spPr>
         <p:style>
@@ -15019,8 +16129,11 @@
             <a:avLst/>
           </a:prstGeom>
           <a:solidFill>
-            <a:srgbClr val="39BAE8"/>
+            <a:srgbClr val="3AB986"/>
           </a:solidFill>
+          <a:ln>
+            <a:noFill/>
+          </a:ln>
         </p:spPr>
         <p:style>
           <a:lnRef idx="2">
@@ -15039,14 +16152,28 @@
           </a:fontRef>
         </p:style>
         <p:txBody>
-          <a:bodyPr rtlCol="0" anchor="ctr"/>
-          <a:p>
-            <a:pPr algn="ctr"/>
-            <a:r>
-              <a:rPr lang="zh-CN" altLang="en-US" sz="1200"/>
+          <a:bodyPr vertOverflow="overflow" horzOverflow="overflow" vert="horz" wrap="square" numCol="1" spcCol="0" rtlCol="0" fromWordArt="0" anchor="ctr" anchorCtr="0" forceAA="0" compatLnSpc="1">
+            <a:noAutofit/>
+          </a:bodyPr>
+          <a:p>
+            <a:pPr lvl="0" algn="ctr">
+              <a:buClrTx/>
+              <a:buSzTx/>
+              <a:buFontTx/>
+            </a:pPr>
+            <a:r>
+              <a:rPr lang="en-US" altLang="zh-CN" sz="1400">
+                <a:latin typeface="微软雅黑" panose="020B0503020204020204" charset="-122"/>
+                <a:ea typeface="微软雅黑" panose="020B0503020204020204" charset="-122"/>
+                <a:sym typeface="+mn-ea"/>
+              </a:rPr>
               <a:t>开始</a:t>
             </a:r>
-            <a:endParaRPr lang="zh-CN" altLang="en-US" sz="1200"/>
+            <a:endParaRPr lang="en-US" altLang="zh-CN" sz="1400">
+              <a:latin typeface="微软雅黑" panose="020B0503020204020204" charset="-122"/>
+              <a:ea typeface="微软雅黑" panose="020B0503020204020204" charset="-122"/>
+              <a:sym typeface="+mn-ea"/>
+            </a:endParaRPr>
           </a:p>
         </p:txBody>
       </p:sp>
@@ -15065,8 +16192,11 @@
             <a:avLst/>
           </a:prstGeom>
           <a:solidFill>
-            <a:srgbClr val="39BAE8"/>
+            <a:srgbClr val="3AB986"/>
           </a:solidFill>
+          <a:ln>
+            <a:noFill/>
+          </a:ln>
         </p:spPr>
         <p:style>
           <a:lnRef idx="2">
@@ -15085,14 +16215,28 @@
           </a:fontRef>
         </p:style>
         <p:txBody>
-          <a:bodyPr rtlCol="0" anchor="ctr"/>
-          <a:p>
-            <a:pPr algn="ctr"/>
-            <a:r>
-              <a:rPr lang="zh-CN" altLang="en-US" sz="1400"/>
+          <a:bodyPr vertOverflow="overflow" horzOverflow="overflow" vert="horz" wrap="square" numCol="1" spcCol="0" rtlCol="0" fromWordArt="0" anchor="ctr" anchorCtr="0" forceAA="0" compatLnSpc="1">
+            <a:noAutofit/>
+          </a:bodyPr>
+          <a:p>
+            <a:pPr lvl="0" algn="ctr">
+              <a:buClrTx/>
+              <a:buSzTx/>
+              <a:buFontTx/>
+            </a:pPr>
+            <a:r>
+              <a:rPr lang="en-US" altLang="zh-CN" sz="1400">
+                <a:latin typeface="微软雅黑" panose="020B0503020204020204" charset="-122"/>
+                <a:ea typeface="微软雅黑" panose="020B0503020204020204" charset="-122"/>
+                <a:sym typeface="+mn-ea"/>
+              </a:rPr>
               <a:t>校验登录信息</a:t>
             </a:r>
-            <a:endParaRPr lang="zh-CN" altLang="en-US" sz="1400"/>
+            <a:endParaRPr lang="en-US" altLang="zh-CN" sz="1400">
+              <a:latin typeface="微软雅黑" panose="020B0503020204020204" charset="-122"/>
+              <a:ea typeface="微软雅黑" panose="020B0503020204020204" charset="-122"/>
+              <a:sym typeface="+mn-ea"/>
+            </a:endParaRPr>
           </a:p>
         </p:txBody>
       </p:sp>
@@ -15113,11 +16257,12 @@
           <a:prstGeom prst="straightConnector1">
             <a:avLst/>
           </a:prstGeom>
-          <a:solidFill>
-            <a:srgbClr val="39BAE8"/>
-          </a:solidFill>
-          <a:ln>
-            <a:tailEnd type="arrow"/>
+          <a:ln w="25400">
+            <a:solidFill>
+              <a:srgbClr val="8C9793"/>
+            </a:solidFill>
+            <a:headEnd type="none"/>
+            <a:tailEnd type="triangle" w="lg" len="lg"/>
           </a:ln>
         </p:spPr>
         <p:style>
@@ -15152,11 +16297,12 @@
           <a:prstGeom prst="straightConnector1">
             <a:avLst/>
           </a:prstGeom>
-          <a:solidFill>
-            <a:srgbClr val="39BAE8"/>
-          </a:solidFill>
-          <a:ln>
-            <a:tailEnd type="arrow"/>
+          <a:ln w="25400">
+            <a:solidFill>
+              <a:srgbClr val="8C9793"/>
+            </a:solidFill>
+            <a:headEnd type="none"/>
+            <a:tailEnd type="triangle" w="lg" len="lg"/>
           </a:ln>
         </p:spPr>
         <p:style>
@@ -15189,8 +16335,11 @@
             <a:avLst/>
           </a:prstGeom>
           <a:solidFill>
-            <a:srgbClr val="39BAE8"/>
+            <a:srgbClr val="3AB986"/>
           </a:solidFill>
+          <a:ln>
+            <a:noFill/>
+          </a:ln>
         </p:spPr>
         <p:style>
           <a:lnRef idx="2">
@@ -15209,14 +16358,28 @@
           </a:fontRef>
         </p:style>
         <p:txBody>
-          <a:bodyPr rtlCol="0" anchor="ctr"/>
-          <a:p>
-            <a:pPr algn="ctr"/>
-            <a:r>
-              <a:rPr lang="zh-CN" altLang="en-US" sz="1200"/>
+          <a:bodyPr vertOverflow="overflow" horzOverflow="overflow" vert="horz" wrap="square" numCol="1" spcCol="0" rtlCol="0" fromWordArt="0" anchor="ctr" anchorCtr="0" forceAA="0" compatLnSpc="1">
+            <a:noAutofit/>
+          </a:bodyPr>
+          <a:p>
+            <a:pPr lvl="0" algn="ctr">
+              <a:buClrTx/>
+              <a:buSzTx/>
+              <a:buFontTx/>
+            </a:pPr>
+            <a:r>
+              <a:rPr lang="en-US" altLang="zh-CN" sz="1400">
+                <a:latin typeface="微软雅黑" panose="020B0503020204020204" charset="-122"/>
+                <a:ea typeface="微软雅黑" panose="020B0503020204020204" charset="-122"/>
+                <a:sym typeface="+mn-ea"/>
+              </a:rPr>
               <a:t>结束</a:t>
             </a:r>
-            <a:endParaRPr lang="zh-CN" altLang="en-US" sz="1200"/>
+            <a:endParaRPr lang="en-US" altLang="zh-CN" sz="1400">
+              <a:latin typeface="微软雅黑" panose="020B0503020204020204" charset="-122"/>
+              <a:ea typeface="微软雅黑" panose="020B0503020204020204" charset="-122"/>
+              <a:sym typeface="+mn-ea"/>
+            </a:endParaRPr>
           </a:p>
         </p:txBody>
       </p:sp>
@@ -15237,11 +16400,12 @@
           <a:prstGeom prst="straightConnector1">
             <a:avLst/>
           </a:prstGeom>
-          <a:solidFill>
-            <a:srgbClr val="39BAE8"/>
-          </a:solidFill>
-          <a:ln>
-            <a:tailEnd type="arrow"/>
+          <a:ln w="25400">
+            <a:solidFill>
+              <a:srgbClr val="8C9793"/>
+            </a:solidFill>
+            <a:headEnd type="none"/>
+            <a:tailEnd type="triangle" w="lg" len="lg"/>
           </a:ln>
         </p:spPr>
         <p:style>
@@ -15274,14 +16438,10 @@
             <a:avLst/>
           </a:prstGeom>
           <a:solidFill>
-            <a:schemeClr val="bg1">
-              <a:lumMod val="85000"/>
-            </a:schemeClr>
+            <a:srgbClr val="5B7080"/>
           </a:solidFill>
           <a:ln>
-            <a:solidFill>
-              <a:schemeClr val="bg1"/>
-            </a:solidFill>
+            <a:noFill/>
           </a:ln>
         </p:spPr>
         <p:style>
@@ -15301,27 +16461,27 @@
           </a:fontRef>
         </p:style>
         <p:txBody>
-          <a:bodyPr rtlCol="0" anchor="ctr"/>
-          <a:p>
-            <a:pPr algn="ctr"/>
-            <a:r>
-              <a:rPr lang="zh-CN" altLang="en-US" sz="1200">
-                <a:solidFill>
-                  <a:schemeClr val="tx1">
-                    <a:lumMod val="75000"/>
-                    <a:lumOff val="25000"/>
-                  </a:schemeClr>
-                </a:solidFill>
+          <a:bodyPr vertOverflow="overflow" horzOverflow="overflow" vert="horz" wrap="square" numCol="1" spcCol="0" rtlCol="0" fromWordArt="0" anchor="ctr" anchorCtr="0" forceAA="0" compatLnSpc="1">
+            <a:noAutofit/>
+          </a:bodyPr>
+          <a:p>
+            <a:pPr lvl="0" algn="ctr">
+              <a:buClrTx/>
+              <a:buSzTx/>
+              <a:buFontTx/>
+            </a:pPr>
+            <a:r>
+              <a:rPr lang="en-US" altLang="zh-CN" sz="1400">
+                <a:latin typeface="微软雅黑" panose="020B0503020204020204" charset="-122"/>
+                <a:ea typeface="微软雅黑" panose="020B0503020204020204" charset="-122"/>
+                <a:sym typeface="+mn-ea"/>
               </a:rPr>
               <a:t>打开页面</a:t>
             </a:r>
-            <a:endParaRPr lang="zh-CN" altLang="en-US" sz="1200">
-              <a:solidFill>
-                <a:schemeClr val="tx1">
-                  <a:lumMod val="75000"/>
-                  <a:lumOff val="25000"/>
-                </a:schemeClr>
-              </a:solidFill>
+            <a:endParaRPr lang="en-US" altLang="zh-CN" sz="1400">
+              <a:latin typeface="微软雅黑" panose="020B0503020204020204" charset="-122"/>
+              <a:ea typeface="微软雅黑" panose="020B0503020204020204" charset="-122"/>
+              <a:sym typeface="+mn-ea"/>
             </a:endParaRPr>
           </a:p>
         </p:txBody>
@@ -15343,8 +16503,13 @@
           <a:prstGeom prst="curvedConnector2">
             <a:avLst/>
           </a:prstGeom>
-          <a:ln>
-            <a:prstDash val="sysDash"/>
+          <a:ln w="25400">
+            <a:solidFill>
+              <a:srgbClr val="C6C9CE"/>
+            </a:solidFill>
+            <a:prstDash val="sysDot"/>
+            <a:headEnd type="none" w="lg" len="lg"/>
+            <a:tailEnd type="none" w="lg" len="lg"/>
           </a:ln>
         </p:spPr>
         <p:style>
@@ -15377,14 +16542,10 @@
             <a:avLst/>
           </a:prstGeom>
           <a:solidFill>
-            <a:schemeClr val="bg1">
-              <a:lumMod val="85000"/>
-            </a:schemeClr>
+            <a:srgbClr val="5B7080"/>
           </a:solidFill>
           <a:ln>
-            <a:solidFill>
-              <a:schemeClr val="bg1"/>
-            </a:solidFill>
+            <a:noFill/>
           </a:ln>
         </p:spPr>
         <p:style>
@@ -15404,60 +16565,51 @@
           </a:fontRef>
         </p:style>
         <p:txBody>
-          <a:bodyPr rtlCol="0" anchor="ctr"/>
-          <a:p>
-            <a:pPr algn="ctr"/>
-            <a:r>
-              <a:rPr lang="zh-CN" altLang="en-US" sz="1200">
-                <a:solidFill>
-                  <a:schemeClr val="tx1">
-                    <a:lumMod val="75000"/>
-                    <a:lumOff val="25000"/>
-                  </a:schemeClr>
-                </a:solidFill>
+          <a:bodyPr vertOverflow="overflow" horzOverflow="overflow" vert="horz" wrap="square" numCol="1" spcCol="0" rtlCol="0" fromWordArt="0" anchor="ctr" anchorCtr="0" forceAA="0" compatLnSpc="1">
+            <a:noAutofit/>
+          </a:bodyPr>
+          <a:p>
+            <a:pPr lvl="0" algn="ctr">
+              <a:buClrTx/>
+              <a:buSzTx/>
+              <a:buFontTx/>
+            </a:pPr>
+            <a:r>
+              <a:rPr lang="en-US" altLang="zh-CN" sz="1400">
+                <a:latin typeface="微软雅黑" panose="020B0503020204020204" charset="-122"/>
+                <a:ea typeface="微软雅黑" panose="020B0503020204020204" charset="-122"/>
+                <a:sym typeface="+mn-ea"/>
               </a:rPr>
               <a:t>发送请求校验</a:t>
             </a:r>
             <a:r>
-              <a:rPr lang="en-US" altLang="zh-CN" sz="1200">
-                <a:solidFill>
-                  <a:schemeClr val="tx1">
-                    <a:lumMod val="75000"/>
-                    <a:lumOff val="25000"/>
-                  </a:schemeClr>
-                </a:solidFill>
+              <a:rPr lang="en-US" altLang="zh-CN" sz="1400">
+                <a:latin typeface="微软雅黑" panose="020B0503020204020204" charset="-122"/>
+                <a:ea typeface="微软雅黑" panose="020B0503020204020204" charset="-122"/>
+                <a:sym typeface="+mn-ea"/>
               </a:rPr>
               <a:t> localStorage </a:t>
             </a:r>
             <a:r>
-              <a:rPr lang="zh-CN" altLang="en-US" sz="1200">
-                <a:solidFill>
-                  <a:schemeClr val="tx1">
-                    <a:lumMod val="75000"/>
-                    <a:lumOff val="25000"/>
-                  </a:schemeClr>
-                </a:solidFill>
+              <a:rPr lang="en-US" altLang="zh-CN" sz="1400">
+                <a:latin typeface="微软雅黑" panose="020B0503020204020204" charset="-122"/>
+                <a:ea typeface="微软雅黑" panose="020B0503020204020204" charset="-122"/>
+                <a:sym typeface="+mn-ea"/>
               </a:rPr>
               <a:t>中的</a:t>
             </a:r>
             <a:r>
-              <a:rPr lang="en-US" altLang="zh-CN" sz="1200">
-                <a:solidFill>
-                  <a:schemeClr val="tx1">
-                    <a:lumMod val="75000"/>
-                    <a:lumOff val="25000"/>
-                  </a:schemeClr>
-                </a:solidFill>
+              <a:rPr lang="en-US" altLang="zh-CN" sz="1400">
+                <a:latin typeface="微软雅黑" panose="020B0503020204020204" charset="-122"/>
+                <a:ea typeface="微软雅黑" panose="020B0503020204020204" charset="-122"/>
+                <a:sym typeface="+mn-ea"/>
               </a:rPr>
               <a:t> token</a:t>
             </a:r>
-            <a:endParaRPr lang="en-US" altLang="zh-CN" sz="1200">
-              <a:solidFill>
-                <a:schemeClr val="tx1">
-                  <a:lumMod val="75000"/>
-                  <a:lumOff val="25000"/>
-                </a:schemeClr>
-              </a:solidFill>
+            <a:endParaRPr lang="en-US" altLang="zh-CN" sz="1400">
+              <a:latin typeface="微软雅黑" panose="020B0503020204020204" charset="-122"/>
+              <a:ea typeface="微软雅黑" panose="020B0503020204020204" charset="-122"/>
+              <a:sym typeface="+mn-ea"/>
             </a:endParaRPr>
           </a:p>
         </p:txBody>
@@ -15481,8 +16633,13 @@
               <a:gd name="adj1" fmla="val 49956"/>
             </a:avLst>
           </a:prstGeom>
-          <a:ln>
-            <a:prstDash val="sysDash"/>
+          <a:ln w="25400">
+            <a:solidFill>
+              <a:srgbClr val="C6C9CE"/>
+            </a:solidFill>
+            <a:prstDash val="sysDot"/>
+            <a:headEnd type="none" w="lg" len="lg"/>
+            <a:tailEnd type="none" w="lg" len="lg"/>
           </a:ln>
         </p:spPr>
         <p:style>
@@ -15517,8 +16674,11 @@
             <a:avLst/>
           </a:prstGeom>
           <a:solidFill>
-            <a:srgbClr val="39BAE8"/>
+            <a:srgbClr val="3AB986"/>
           </a:solidFill>
+          <a:ln>
+            <a:noFill/>
+          </a:ln>
         </p:spPr>
         <p:style>
           <a:lnRef idx="2">
@@ -15537,10 +16697,20 @@
           </a:fontRef>
         </p:style>
         <p:txBody>
-          <a:bodyPr rtlCol="0" anchor="ctr"/>
-          <a:p>
-            <a:pPr algn="ctr"/>
-            <a:endParaRPr lang="zh-CN" altLang="en-US" sz="1400"/>
+          <a:bodyPr vertOverflow="overflow" horzOverflow="overflow" vert="horz" wrap="square" numCol="1" spcCol="0" rtlCol="0" fromWordArt="0" anchor="ctr" anchorCtr="0" forceAA="0" compatLnSpc="1">
+            <a:noAutofit/>
+          </a:bodyPr>
+          <a:p>
+            <a:pPr lvl="0" algn="ctr">
+              <a:buClrTx/>
+              <a:buSzTx/>
+              <a:buFontTx/>
+            </a:pPr>
+            <a:endParaRPr lang="en-US" altLang="zh-CN" sz="1400">
+              <a:latin typeface="微软雅黑" panose="020B0503020204020204" charset="-122"/>
+              <a:ea typeface="微软雅黑" panose="020B0503020204020204" charset="-122"/>
+              <a:sym typeface="+mn-ea"/>
+            </a:endParaRPr>
           </a:p>
         </p:txBody>
       </p:sp>
@@ -15559,8 +16729,11 @@
             <a:avLst/>
           </a:prstGeom>
           <a:solidFill>
-            <a:srgbClr val="39BAE8"/>
+            <a:srgbClr val="3AB986"/>
           </a:solidFill>
+          <a:ln>
+            <a:noFill/>
+          </a:ln>
         </p:spPr>
         <p:style>
           <a:lnRef idx="2">
@@ -15579,14 +16752,28 @@
           </a:fontRef>
         </p:style>
         <p:txBody>
-          <a:bodyPr rtlCol="0" anchor="ctr"/>
-          <a:p>
-            <a:pPr algn="ctr"/>
-            <a:r>
-              <a:rPr lang="zh-CN" altLang="en-US" sz="1400"/>
+          <a:bodyPr vertOverflow="overflow" horzOverflow="overflow" vert="horz" wrap="square" numCol="1" spcCol="0" rtlCol="0" fromWordArt="0" anchor="ctr" anchorCtr="0" forceAA="0" compatLnSpc="1">
+            <a:noAutofit/>
+          </a:bodyPr>
+          <a:p>
+            <a:pPr lvl="0" algn="ctr">
+              <a:buClrTx/>
+              <a:buSzTx/>
+              <a:buFontTx/>
+            </a:pPr>
+            <a:r>
+              <a:rPr lang="en-US" altLang="zh-CN" sz="1400">
+                <a:latin typeface="微软雅黑" panose="020B0503020204020204" charset="-122"/>
+                <a:ea typeface="微软雅黑" panose="020B0503020204020204" charset="-122"/>
+                <a:sym typeface="+mn-ea"/>
+              </a:rPr>
               <a:t>跳转登录页</a:t>
             </a:r>
-            <a:endParaRPr lang="zh-CN" altLang="en-US" sz="1400"/>
+            <a:endParaRPr lang="en-US" altLang="zh-CN" sz="1400">
+              <a:latin typeface="微软雅黑" panose="020B0503020204020204" charset="-122"/>
+              <a:ea typeface="微软雅黑" panose="020B0503020204020204" charset="-122"/>
+              <a:sym typeface="+mn-ea"/>
+            </a:endParaRPr>
           </a:p>
         </p:txBody>
       </p:sp>
@@ -15607,11 +16794,12 @@
           <a:prstGeom prst="straightConnector1">
             <a:avLst/>
           </a:prstGeom>
-          <a:solidFill>
-            <a:srgbClr val="39BAE8"/>
-          </a:solidFill>
-          <a:ln>
-            <a:tailEnd type="arrow"/>
+          <a:ln w="25400">
+            <a:solidFill>
+              <a:srgbClr val="8C9793"/>
+            </a:solidFill>
+            <a:headEnd type="none"/>
+            <a:tailEnd type="triangle" w="lg" len="lg"/>
           </a:ln>
         </p:spPr>
         <p:style>
@@ -15644,8 +16832,11 @@
             <a:avLst/>
           </a:prstGeom>
           <a:solidFill>
-            <a:srgbClr val="39BAE8"/>
+            <a:srgbClr val="3AB986"/>
           </a:solidFill>
+          <a:ln>
+            <a:noFill/>
+          </a:ln>
         </p:spPr>
         <p:style>
           <a:lnRef idx="2">
@@ -15664,14 +16855,28 @@
           </a:fontRef>
         </p:style>
         <p:txBody>
-          <a:bodyPr rtlCol="0" anchor="ctr"/>
-          <a:p>
-            <a:pPr algn="ctr"/>
-            <a:r>
-              <a:rPr lang="zh-CN" altLang="en-US" sz="1400"/>
+          <a:bodyPr vertOverflow="overflow" horzOverflow="overflow" vert="horz" wrap="square" numCol="1" spcCol="0" rtlCol="0" fromWordArt="0" anchor="ctr" anchorCtr="0" forceAA="0" compatLnSpc="1">
+            <a:noAutofit/>
+          </a:bodyPr>
+          <a:p>
+            <a:pPr lvl="0" algn="ctr">
+              <a:buClrTx/>
+              <a:buSzTx/>
+              <a:buFontTx/>
+            </a:pPr>
+            <a:r>
+              <a:rPr lang="en-US" altLang="zh-CN" sz="1400">
+                <a:latin typeface="微软雅黑" panose="020B0503020204020204" charset="-122"/>
+                <a:ea typeface="微软雅黑" panose="020B0503020204020204" charset="-122"/>
+                <a:sym typeface="+mn-ea"/>
+              </a:rPr>
               <a:t>获取菜单数据</a:t>
             </a:r>
-            <a:endParaRPr lang="zh-CN" altLang="en-US" sz="1400"/>
+            <a:endParaRPr lang="en-US" altLang="zh-CN" sz="1400">
+              <a:latin typeface="微软雅黑" panose="020B0503020204020204" charset="-122"/>
+              <a:ea typeface="微软雅黑" panose="020B0503020204020204" charset="-122"/>
+              <a:sym typeface="+mn-ea"/>
+            </a:endParaRPr>
           </a:p>
         </p:txBody>
       </p:sp>
@@ -15690,8 +16895,11 @@
             <a:avLst/>
           </a:prstGeom>
           <a:solidFill>
-            <a:srgbClr val="39BAE8"/>
+            <a:srgbClr val="3AB986"/>
           </a:solidFill>
+          <a:ln>
+            <a:noFill/>
+          </a:ln>
         </p:spPr>
         <p:style>
           <a:lnRef idx="2">
@@ -15710,14 +16918,28 @@
           </a:fontRef>
         </p:style>
         <p:txBody>
-          <a:bodyPr rtlCol="0" anchor="ctr"/>
-          <a:p>
-            <a:pPr algn="ctr"/>
-            <a:r>
-              <a:rPr lang="zh-CN" altLang="en-US" sz="1400"/>
+          <a:bodyPr vertOverflow="overflow" horzOverflow="overflow" vert="horz" wrap="square" numCol="1" spcCol="0" rtlCol="0" fromWordArt="0" anchor="ctr" anchorCtr="0" forceAA="0" compatLnSpc="1">
+            <a:noAutofit/>
+          </a:bodyPr>
+          <a:p>
+            <a:pPr lvl="0" algn="ctr">
+              <a:buClrTx/>
+              <a:buSzTx/>
+              <a:buFontTx/>
+            </a:pPr>
+            <a:r>
+              <a:rPr lang="en-US" altLang="zh-CN" sz="1400">
+                <a:latin typeface="微软雅黑" panose="020B0503020204020204" charset="-122"/>
+                <a:ea typeface="微软雅黑" panose="020B0503020204020204" charset="-122"/>
+                <a:sym typeface="+mn-ea"/>
+              </a:rPr>
               <a:t>构建前端路由</a:t>
             </a:r>
-            <a:endParaRPr lang="zh-CN" altLang="en-US" sz="1400"/>
+            <a:endParaRPr lang="en-US" altLang="zh-CN" sz="1400">
+              <a:latin typeface="微软雅黑" panose="020B0503020204020204" charset="-122"/>
+              <a:ea typeface="微软雅黑" panose="020B0503020204020204" charset="-122"/>
+              <a:sym typeface="+mn-ea"/>
+            </a:endParaRPr>
           </a:p>
         </p:txBody>
       </p:sp>
@@ -15738,11 +16960,12 @@
           <a:prstGeom prst="straightConnector1">
             <a:avLst/>
           </a:prstGeom>
-          <a:solidFill>
-            <a:srgbClr val="39BAE8"/>
-          </a:solidFill>
-          <a:ln>
-            <a:tailEnd type="arrow"/>
+          <a:ln w="25400">
+            <a:solidFill>
+              <a:srgbClr val="8C9793"/>
+            </a:solidFill>
+            <a:headEnd type="none"/>
+            <a:tailEnd type="triangle" w="lg" len="lg"/>
           </a:ln>
         </p:spPr>
         <p:style>
@@ -15777,11 +17000,12 @@
           <a:prstGeom prst="straightConnector1">
             <a:avLst/>
           </a:prstGeom>
-          <a:solidFill>
-            <a:srgbClr val="39BAE8"/>
-          </a:solidFill>
-          <a:ln>
-            <a:tailEnd type="arrow"/>
+          <a:ln w="25400">
+            <a:solidFill>
+              <a:srgbClr val="8C9793"/>
+            </a:solidFill>
+            <a:headEnd type="none"/>
+            <a:tailEnd type="triangle" w="lg" len="lg"/>
           </a:ln>
         </p:spPr>
         <p:style>
@@ -15847,7 +17071,7 @@
       </p:sp>
       <p:pic>
         <p:nvPicPr>
-          <p:cNvPr id="4" name="图片 3"/>
+          <p:cNvPr id="3" name="图片 2" descr="vuex-原理"/>
           <p:cNvPicPr>
             <a:picLocks noChangeAspect="1"/>
           </p:cNvPicPr>
@@ -15865,14 +17089,462 @@
         </p:blipFill>
         <p:spPr>
           <a:xfrm>
-            <a:off x="4764405" y="1911985"/>
-            <a:ext cx="2662555" cy="3034030"/>
+            <a:off x="4979035" y="593725"/>
+            <a:ext cx="7212965" cy="5669915"/>
           </a:xfrm>
           <a:prstGeom prst="rect">
             <a:avLst/>
           </a:prstGeom>
         </p:spPr>
       </p:pic>
+      <p:sp>
+        <p:nvSpPr>
+          <p:cNvPr id="5" name="圆角矩形 4"/>
+          <p:cNvSpPr/>
+          <p:nvPr/>
+        </p:nvSpPr>
+        <p:spPr>
+          <a:xfrm>
+            <a:off x="775335" y="1233170"/>
+            <a:ext cx="1850390" cy="594360"/>
+          </a:xfrm>
+          <a:prstGeom prst="roundRect">
+            <a:avLst/>
+          </a:prstGeom>
+          <a:solidFill>
+            <a:srgbClr val="3AB986"/>
+          </a:solidFill>
+          <a:ln>
+            <a:noFill/>
+          </a:ln>
+        </p:spPr>
+        <p:style>
+          <a:lnRef idx="2">
+            <a:schemeClr val="accent1">
+              <a:shade val="50000"/>
+            </a:schemeClr>
+          </a:lnRef>
+          <a:fillRef idx="1">
+            <a:schemeClr val="accent1"/>
+          </a:fillRef>
+          <a:effectRef idx="0">
+            <a:schemeClr val="accent1"/>
+          </a:effectRef>
+          <a:fontRef idx="minor">
+            <a:schemeClr val="lt1"/>
+          </a:fontRef>
+        </p:style>
+        <p:txBody>
+          <a:bodyPr rtlCol="0" anchor="ctr"/>
+          <a:p>
+            <a:pPr algn="ctr"/>
+            <a:r>
+              <a:rPr lang="en-US" altLang="zh-CN" sz="1400">
+                <a:latin typeface="微软雅黑" panose="020B0503020204020204" charset="-122"/>
+                <a:ea typeface="微软雅黑" panose="020B0503020204020204" charset="-122"/>
+              </a:rPr>
+              <a:t>Vue Components</a:t>
+            </a:r>
+            <a:endParaRPr lang="en-US" altLang="zh-CN" sz="1400">
+              <a:latin typeface="微软雅黑" panose="020B0503020204020204" charset="-122"/>
+              <a:ea typeface="微软雅黑" panose="020B0503020204020204" charset="-122"/>
+            </a:endParaRPr>
+          </a:p>
+        </p:txBody>
+      </p:sp>
+      <p:sp>
+        <p:nvSpPr>
+          <p:cNvPr id="6" name="圆角矩形 5"/>
+          <p:cNvSpPr/>
+          <p:nvPr/>
+        </p:nvSpPr>
+        <p:spPr>
+          <a:xfrm>
+            <a:off x="775335" y="1950085"/>
+            <a:ext cx="1850390" cy="594360"/>
+          </a:xfrm>
+          <a:prstGeom prst="roundRect">
+            <a:avLst/>
+          </a:prstGeom>
+          <a:solidFill>
+            <a:srgbClr val="5B7080"/>
+          </a:solidFill>
+          <a:ln>
+            <a:noFill/>
+          </a:ln>
+        </p:spPr>
+        <p:style>
+          <a:lnRef idx="2">
+            <a:schemeClr val="accent1">
+              <a:shade val="50000"/>
+            </a:schemeClr>
+          </a:lnRef>
+          <a:fillRef idx="1">
+            <a:schemeClr val="accent1"/>
+          </a:fillRef>
+          <a:effectRef idx="0">
+            <a:schemeClr val="accent1"/>
+          </a:effectRef>
+          <a:fontRef idx="minor">
+            <a:schemeClr val="lt1"/>
+          </a:fontRef>
+        </p:style>
+        <p:txBody>
+          <a:bodyPr rtlCol="0" anchor="ctr"/>
+          <a:p>
+            <a:pPr algn="ctr"/>
+            <a:r>
+              <a:rPr lang="en-US" altLang="zh-CN" sz="1400">
+                <a:latin typeface="微软雅黑" panose="020B0503020204020204" charset="-122"/>
+                <a:ea typeface="微软雅黑" panose="020B0503020204020204" charset="-122"/>
+              </a:rPr>
+              <a:t>Vue Components</a:t>
+            </a:r>
+            <a:endParaRPr lang="en-US" altLang="zh-CN" sz="1400">
+              <a:latin typeface="微软雅黑" panose="020B0503020204020204" charset="-122"/>
+              <a:ea typeface="微软雅黑" panose="020B0503020204020204" charset="-122"/>
+            </a:endParaRPr>
+          </a:p>
+        </p:txBody>
+      </p:sp>
+      <p:sp>
+        <p:nvSpPr>
+          <p:cNvPr id="7" name="圆角矩形 6"/>
+          <p:cNvSpPr/>
+          <p:nvPr/>
+        </p:nvSpPr>
+        <p:spPr>
+          <a:xfrm>
+            <a:off x="775335" y="2716530"/>
+            <a:ext cx="1850390" cy="594360"/>
+          </a:xfrm>
+          <a:prstGeom prst="roundRect">
+            <a:avLst/>
+          </a:prstGeom>
+          <a:solidFill>
+            <a:srgbClr val="FCB83B"/>
+          </a:solidFill>
+          <a:ln>
+            <a:noFill/>
+          </a:ln>
+        </p:spPr>
+        <p:style>
+          <a:lnRef idx="2">
+            <a:schemeClr val="accent1">
+              <a:shade val="50000"/>
+            </a:schemeClr>
+          </a:lnRef>
+          <a:fillRef idx="1">
+            <a:schemeClr val="accent1"/>
+          </a:fillRef>
+          <a:effectRef idx="0">
+            <a:schemeClr val="accent1"/>
+          </a:effectRef>
+          <a:fontRef idx="minor">
+            <a:schemeClr val="lt1"/>
+          </a:fontRef>
+        </p:style>
+        <p:txBody>
+          <a:bodyPr rtlCol="0" anchor="ctr"/>
+          <a:p>
+            <a:pPr algn="ctr"/>
+            <a:r>
+              <a:rPr lang="en-US" altLang="zh-CN" sz="1400">
+                <a:latin typeface="微软雅黑" panose="020B0503020204020204" charset="-122"/>
+                <a:ea typeface="微软雅黑" panose="020B0503020204020204" charset="-122"/>
+              </a:rPr>
+              <a:t>Vue Components</a:t>
+            </a:r>
+            <a:endParaRPr lang="en-US" altLang="zh-CN" sz="1400">
+              <a:latin typeface="微软雅黑" panose="020B0503020204020204" charset="-122"/>
+              <a:ea typeface="微软雅黑" panose="020B0503020204020204" charset="-122"/>
+            </a:endParaRPr>
+          </a:p>
+        </p:txBody>
+      </p:sp>
+      <p:sp>
+        <p:nvSpPr>
+          <p:cNvPr id="8" name="圆角矩形 7"/>
+          <p:cNvSpPr/>
+          <p:nvPr/>
+        </p:nvSpPr>
+        <p:spPr>
+          <a:xfrm>
+            <a:off x="775335" y="3483610"/>
+            <a:ext cx="1850390" cy="594360"/>
+          </a:xfrm>
+          <a:prstGeom prst="roundRect">
+            <a:avLst/>
+          </a:prstGeom>
+          <a:solidFill>
+            <a:srgbClr val="8F7BB8"/>
+          </a:solidFill>
+          <a:ln>
+            <a:noFill/>
+          </a:ln>
+        </p:spPr>
+        <p:style>
+          <a:lnRef idx="2">
+            <a:schemeClr val="accent1">
+              <a:shade val="50000"/>
+            </a:schemeClr>
+          </a:lnRef>
+          <a:fillRef idx="1">
+            <a:schemeClr val="accent1"/>
+          </a:fillRef>
+          <a:effectRef idx="0">
+            <a:schemeClr val="accent1"/>
+          </a:effectRef>
+          <a:fontRef idx="minor">
+            <a:schemeClr val="lt1"/>
+          </a:fontRef>
+        </p:style>
+        <p:txBody>
+          <a:bodyPr rtlCol="0" anchor="ctr"/>
+          <a:p>
+            <a:pPr algn="ctr"/>
+            <a:r>
+              <a:rPr lang="en-US" altLang="zh-CN" sz="1400">
+                <a:latin typeface="微软雅黑" panose="020B0503020204020204" charset="-122"/>
+                <a:ea typeface="微软雅黑" panose="020B0503020204020204" charset="-122"/>
+              </a:rPr>
+              <a:t>Vue Components</a:t>
+            </a:r>
+            <a:endParaRPr lang="en-US" altLang="zh-CN" sz="1400">
+              <a:latin typeface="微软雅黑" panose="020B0503020204020204" charset="-122"/>
+              <a:ea typeface="微软雅黑" panose="020B0503020204020204" charset="-122"/>
+            </a:endParaRPr>
+          </a:p>
+        </p:txBody>
+      </p:sp>
+      <p:sp>
+        <p:nvSpPr>
+          <p:cNvPr id="9" name="圆角矩形 8"/>
+          <p:cNvSpPr/>
+          <p:nvPr/>
+        </p:nvSpPr>
+        <p:spPr>
+          <a:xfrm>
+            <a:off x="775335" y="4260215"/>
+            <a:ext cx="1850390" cy="594360"/>
+          </a:xfrm>
+          <a:prstGeom prst="roundRect">
+            <a:avLst/>
+          </a:prstGeom>
+          <a:solidFill>
+            <a:srgbClr val="DB5762"/>
+          </a:solidFill>
+          <a:ln>
+            <a:noFill/>
+          </a:ln>
+        </p:spPr>
+        <p:style>
+          <a:lnRef idx="2">
+            <a:schemeClr val="accent1">
+              <a:shade val="50000"/>
+            </a:schemeClr>
+          </a:lnRef>
+          <a:fillRef idx="1">
+            <a:schemeClr val="accent1"/>
+          </a:fillRef>
+          <a:effectRef idx="0">
+            <a:schemeClr val="accent1"/>
+          </a:effectRef>
+          <a:fontRef idx="minor">
+            <a:schemeClr val="lt1"/>
+          </a:fontRef>
+        </p:style>
+        <p:txBody>
+          <a:bodyPr rtlCol="0" anchor="ctr"/>
+          <a:p>
+            <a:pPr algn="ctr"/>
+            <a:r>
+              <a:rPr lang="en-US" altLang="zh-CN" sz="1400">
+                <a:latin typeface="微软雅黑" panose="020B0503020204020204" charset="-122"/>
+                <a:ea typeface="微软雅黑" panose="020B0503020204020204" charset="-122"/>
+              </a:rPr>
+              <a:t>Vue Components</a:t>
+            </a:r>
+            <a:endParaRPr lang="en-US" altLang="zh-CN" sz="1400">
+              <a:latin typeface="微软雅黑" panose="020B0503020204020204" charset="-122"/>
+              <a:ea typeface="微软雅黑" panose="020B0503020204020204" charset="-122"/>
+            </a:endParaRPr>
+          </a:p>
+        </p:txBody>
+      </p:sp>
+      <p:cxnSp>
+        <p:nvCxnSpPr>
+          <p:cNvPr id="10" name="肘形连接符 9"/>
+          <p:cNvCxnSpPr/>
+          <p:nvPr/>
+        </p:nvCxnSpPr>
+        <p:spPr>
+          <a:xfrm flipV="1">
+            <a:off x="775335" y="5086350"/>
+            <a:ext cx="1811655" cy="182245"/>
+          </a:xfrm>
+          <a:prstGeom prst="bentConnector3">
+            <a:avLst>
+              <a:gd name="adj1" fmla="val 50018"/>
+            </a:avLst>
+          </a:prstGeom>
+          <a:ln w="25400" cap="sq">
+            <a:solidFill>
+              <a:srgbClr val="8C9793"/>
+            </a:solidFill>
+            <a:round/>
+            <a:headEnd type="none"/>
+            <a:tailEnd type="triangle" w="lg" len="lg"/>
+          </a:ln>
+        </p:spPr>
+        <p:style>
+          <a:lnRef idx="1">
+            <a:schemeClr val="accent1"/>
+          </a:lnRef>
+          <a:fillRef idx="0">
+            <a:schemeClr val="accent1"/>
+          </a:fillRef>
+          <a:effectRef idx="0">
+            <a:schemeClr val="accent1"/>
+          </a:effectRef>
+          <a:fontRef idx="minor">
+            <a:schemeClr val="tx1"/>
+          </a:fontRef>
+        </p:style>
+      </p:cxnSp>
+      <p:cxnSp>
+        <p:nvCxnSpPr>
+          <p:cNvPr id="11" name="直接箭头连接符 10"/>
+          <p:cNvCxnSpPr/>
+          <p:nvPr/>
+        </p:nvCxnSpPr>
+        <p:spPr>
+          <a:xfrm>
+            <a:off x="808990" y="5614035"/>
+            <a:ext cx="1783080" cy="0"/>
+          </a:xfrm>
+          <a:prstGeom prst="straightConnector1">
+            <a:avLst/>
+          </a:prstGeom>
+          <a:ln w="25400">
+            <a:solidFill>
+              <a:srgbClr val="8C9793"/>
+            </a:solidFill>
+            <a:headEnd type="none"/>
+            <a:tailEnd type="triangle" w="lg" len="lg"/>
+          </a:ln>
+        </p:spPr>
+        <p:style>
+          <a:lnRef idx="1">
+            <a:schemeClr val="accent1"/>
+          </a:lnRef>
+          <a:fillRef idx="0">
+            <a:schemeClr val="accent1"/>
+          </a:fillRef>
+          <a:effectRef idx="0">
+            <a:schemeClr val="accent1"/>
+          </a:effectRef>
+          <a:fontRef idx="minor">
+            <a:schemeClr val="tx1"/>
+          </a:fontRef>
+        </p:style>
+      </p:cxnSp>
+      <p:cxnSp>
+        <p:nvCxnSpPr>
+          <p:cNvPr id="12" name="直接箭头连接符 11"/>
+          <p:cNvCxnSpPr/>
+          <p:nvPr/>
+        </p:nvCxnSpPr>
+        <p:spPr>
+          <a:xfrm>
+            <a:off x="800100" y="6054725"/>
+            <a:ext cx="1791970" cy="0"/>
+          </a:xfrm>
+          <a:prstGeom prst="straightConnector1">
+            <a:avLst/>
+          </a:prstGeom>
+          <a:ln w="25400">
+            <a:solidFill>
+              <a:srgbClr val="C6C9CE"/>
+            </a:solidFill>
+            <a:prstDash val="sysDot"/>
+            <a:headEnd type="triangle" w="lg" len="lg"/>
+            <a:tailEnd type="triangle" w="lg" len="lg"/>
+          </a:ln>
+        </p:spPr>
+        <p:style>
+          <a:lnRef idx="1">
+            <a:schemeClr val="accent1"/>
+          </a:lnRef>
+          <a:fillRef idx="0">
+            <a:schemeClr val="accent1"/>
+          </a:fillRef>
+          <a:effectRef idx="0">
+            <a:schemeClr val="accent1"/>
+          </a:effectRef>
+          <a:fontRef idx="minor">
+            <a:schemeClr val="tx1"/>
+          </a:fontRef>
+        </p:style>
+      </p:cxnSp>
+      <p:sp>
+        <p:nvSpPr>
+          <p:cNvPr id="13" name="圆角矩形 12"/>
+          <p:cNvSpPr/>
+          <p:nvPr/>
+        </p:nvSpPr>
+        <p:spPr>
+          <a:xfrm>
+            <a:off x="3001010" y="1233170"/>
+            <a:ext cx="1907540" cy="1974850"/>
+          </a:xfrm>
+          <a:prstGeom prst="roundRect">
+            <a:avLst/>
+          </a:prstGeom>
+          <a:noFill/>
+          <a:ln w="19050">
+            <a:solidFill>
+              <a:srgbClr val="3AB986"/>
+            </a:solidFill>
+            <a:prstDash val="dash"/>
+          </a:ln>
+          <a:extLst>
+            <a:ext uri="{909E8E84-426E-40DD-AFC4-6F175D3DCCD1}">
+              <a14:hiddenFill xmlns:a14="http://schemas.microsoft.com/office/drawing/2010/main">
+                <a:solidFill>
+                  <a:srgbClr val="3AB986"/>
+                </a:solidFill>
+              </a14:hiddenFill>
+            </a:ext>
+          </a:extLst>
+        </p:spPr>
+        <p:style>
+          <a:lnRef idx="2">
+            <a:schemeClr val="accent1">
+              <a:shade val="50000"/>
+            </a:schemeClr>
+          </a:lnRef>
+          <a:fillRef idx="1">
+            <a:schemeClr val="accent1"/>
+          </a:fillRef>
+          <a:effectRef idx="0">
+            <a:schemeClr val="accent1"/>
+          </a:effectRef>
+          <a:fontRef idx="minor">
+            <a:schemeClr val="lt1"/>
+          </a:fontRef>
+        </p:style>
+        <p:txBody>
+          <a:bodyPr rtlCol="0" anchor="ctr"/>
+          <a:p>
+            <a:pPr algn="ctr"/>
+            <a:endParaRPr lang="en-US" altLang="zh-CN" sz="1400">
+              <a:latin typeface="微软雅黑" panose="020B0503020204020204" charset="-122"/>
+              <a:ea typeface="微软雅黑" panose="020B0503020204020204" charset="-122"/>
+            </a:endParaRPr>
+          </a:p>
+        </p:txBody>
+      </p:sp>
     </p:spTree>
     <p:custDataLst>
       <p:tags r:id="rId3"/>
@@ -16524,7 +18196,7 @@
 
 <file path=ppt/tags/tag137.xml><?xml version="1.0" encoding="utf-8"?>
 <p:tagLst xmlns:p="http://schemas.openxmlformats.org/presentationml/2006/main">
-  <p:tag name="KSO_WM_UNIT_PLACING_PICTURE_USER_VIEWPORT" val="{&quot;height&quot;:4778,&quot;width&quot;:4193}"/>
+  <p:tag name="KSO_WM_UNIT_PLACING_PICTURE_USER_VIEWPORT" val="{&quot;height&quot;:10800,&quot;width&quot;:13740}"/>
 </p:tagLst>
 </file>
 
